--- a/classes/stats2019/Lecture15.pptx
+++ b/classes/stats2019/Lecture15.pptx
@@ -146,6 +146,22 @@
       </a:defRPr>
     </a:lvl9pPr>
   </p:defaultTextStyle>
+  <p:extLst>
+    <p:ext uri="{EFAFB233-063F-42B5-8137-9DF3F51BA10A}">
+      <p15:sldGuideLst xmlns:p15="http://schemas.microsoft.com/office/powerpoint/2012/main">
+        <p15:guide id="1" orient="horz" pos="2160">
+          <p15:clr>
+            <a:srgbClr val="A4A3A4"/>
+          </p15:clr>
+        </p15:guide>
+        <p15:guide id="2" pos="2880">
+          <p15:clr>
+            <a:srgbClr val="A4A3A4"/>
+          </p15:clr>
+        </p15:guide>
+      </p15:sldGuideLst>
+    </p:ext>
+  </p:extLst>
 </p:presentation>
 </file>
 
@@ -232,7 +248,7 @@
             <a:fld id="{8FEEEB49-71AD-4F7F-9E1F-7D222FAD2947}" type="datetimeFigureOut">
               <a:rPr lang="en-US" smtClean="0"/>
               <a:pPr/>
-              <a:t>4/1/2015</a:t>
+              <a:t>4/1/2019</a:t>
             </a:fld>
             <a:endParaRPr lang="en-US"/>
           </a:p>
@@ -298,38 +314,37 @@
           <a:p>
             <a:pPr lvl="0"/>
             <a:r>
-              <a:rPr lang="en-US" smtClean="0"/>
+              <a:rPr lang="en-US"/>
               <a:t>Click to edit Master text styles</a:t>
             </a:r>
           </a:p>
           <a:p>
             <a:pPr lvl="1"/>
             <a:r>
-              <a:rPr lang="en-US" smtClean="0"/>
+              <a:rPr lang="en-US"/>
               <a:t>Second level</a:t>
             </a:r>
           </a:p>
           <a:p>
             <a:pPr lvl="2"/>
             <a:r>
-              <a:rPr lang="en-US" smtClean="0"/>
+              <a:rPr lang="en-US"/>
               <a:t>Third level</a:t>
             </a:r>
           </a:p>
           <a:p>
             <a:pPr lvl="3"/>
             <a:r>
-              <a:rPr lang="en-US" smtClean="0"/>
+              <a:rPr lang="en-US"/>
               <a:t>Fourth level</a:t>
             </a:r>
           </a:p>
           <a:p>
             <a:pPr lvl="4"/>
             <a:r>
-              <a:rPr lang="en-US" smtClean="0"/>
+              <a:rPr lang="en-US"/>
               <a:t>Fifth level</a:t>
             </a:r>
-            <a:endParaRPr lang="en-US"/>
           </a:p>
         </p:txBody>
       </p:sp>
@@ -1274,10 +1289,9 @@
           <a:lstStyle/>
           <a:p>
             <a:r>
-              <a:rPr lang="en-US" smtClean="0"/>
+              <a:rPr lang="en-US"/>
               <a:t>Click to edit Master title style</a:t>
             </a:r>
-            <a:endParaRPr lang="en-US"/>
           </a:p>
         </p:txBody>
       </p:sp>
@@ -1393,10 +1407,9 @@
           </a:lstStyle>
           <a:p>
             <a:r>
-              <a:rPr lang="en-US" smtClean="0"/>
+              <a:rPr lang="en-US"/>
               <a:t>Click to edit Master subtitle style</a:t>
             </a:r>
-            <a:endParaRPr lang="en-US"/>
           </a:p>
         </p:txBody>
       </p:sp>
@@ -1418,7 +1431,7 @@
             <a:fld id="{1D8BD707-D9CF-40AE-B4C6-C98DA3205C09}" type="datetimeFigureOut">
               <a:rPr lang="en-US" smtClean="0"/>
               <a:pPr/>
-              <a:t>4/1/2015</a:t>
+              <a:t>4/1/2019</a:t>
             </a:fld>
             <a:endParaRPr lang="en-US"/>
           </a:p>
@@ -1508,10 +1521,9 @@
           <a:lstStyle/>
           <a:p>
             <a:r>
-              <a:rPr lang="en-US" smtClean="0"/>
+              <a:rPr lang="en-US"/>
               <a:t>Click to edit Master title style</a:t>
             </a:r>
-            <a:endParaRPr lang="en-US"/>
           </a:p>
         </p:txBody>
       </p:sp>
@@ -1532,38 +1544,37 @@
           <a:p>
             <a:pPr lvl="0"/>
             <a:r>
-              <a:rPr lang="en-US" smtClean="0"/>
+              <a:rPr lang="en-US"/>
               <a:t>Click to edit Master text styles</a:t>
             </a:r>
           </a:p>
           <a:p>
             <a:pPr lvl="1"/>
             <a:r>
-              <a:rPr lang="en-US" smtClean="0"/>
+              <a:rPr lang="en-US"/>
               <a:t>Second level</a:t>
             </a:r>
           </a:p>
           <a:p>
             <a:pPr lvl="2"/>
             <a:r>
-              <a:rPr lang="en-US" smtClean="0"/>
+              <a:rPr lang="en-US"/>
               <a:t>Third level</a:t>
             </a:r>
           </a:p>
           <a:p>
             <a:pPr lvl="3"/>
             <a:r>
-              <a:rPr lang="en-US" smtClean="0"/>
+              <a:rPr lang="en-US"/>
               <a:t>Fourth level</a:t>
             </a:r>
           </a:p>
           <a:p>
             <a:pPr lvl="4"/>
             <a:r>
-              <a:rPr lang="en-US" smtClean="0"/>
+              <a:rPr lang="en-US"/>
               <a:t>Fifth level</a:t>
             </a:r>
-            <a:endParaRPr lang="en-US"/>
           </a:p>
         </p:txBody>
       </p:sp>
@@ -1585,7 +1596,7 @@
             <a:fld id="{1D8BD707-D9CF-40AE-B4C6-C98DA3205C09}" type="datetimeFigureOut">
               <a:rPr lang="en-US" smtClean="0"/>
               <a:pPr/>
-              <a:t>4/1/2015</a:t>
+              <a:t>4/1/2019</a:t>
             </a:fld>
             <a:endParaRPr lang="en-US"/>
           </a:p>
@@ -1680,10 +1691,9 @@
           <a:lstStyle/>
           <a:p>
             <a:r>
-              <a:rPr lang="en-US" smtClean="0"/>
+              <a:rPr lang="en-US"/>
               <a:t>Click to edit Master title style</a:t>
             </a:r>
-            <a:endParaRPr lang="en-US"/>
           </a:p>
         </p:txBody>
       </p:sp>
@@ -1709,38 +1719,37 @@
           <a:p>
             <a:pPr lvl="0"/>
             <a:r>
-              <a:rPr lang="en-US" smtClean="0"/>
+              <a:rPr lang="en-US"/>
               <a:t>Click to edit Master text styles</a:t>
             </a:r>
           </a:p>
           <a:p>
             <a:pPr lvl="1"/>
             <a:r>
-              <a:rPr lang="en-US" smtClean="0"/>
+              <a:rPr lang="en-US"/>
               <a:t>Second level</a:t>
             </a:r>
           </a:p>
           <a:p>
             <a:pPr lvl="2"/>
             <a:r>
-              <a:rPr lang="en-US" smtClean="0"/>
+              <a:rPr lang="en-US"/>
               <a:t>Third level</a:t>
             </a:r>
           </a:p>
           <a:p>
             <a:pPr lvl="3"/>
             <a:r>
-              <a:rPr lang="en-US" smtClean="0"/>
+              <a:rPr lang="en-US"/>
               <a:t>Fourth level</a:t>
             </a:r>
           </a:p>
           <a:p>
             <a:pPr lvl="4"/>
             <a:r>
-              <a:rPr lang="en-US" smtClean="0"/>
+              <a:rPr lang="en-US"/>
               <a:t>Fifth level</a:t>
             </a:r>
-            <a:endParaRPr lang="en-US"/>
           </a:p>
         </p:txBody>
       </p:sp>
@@ -1762,7 +1771,7 @@
             <a:fld id="{1D8BD707-D9CF-40AE-B4C6-C98DA3205C09}" type="datetimeFigureOut">
               <a:rPr lang="en-US" smtClean="0"/>
               <a:pPr/>
-              <a:t>4/1/2015</a:t>
+              <a:t>4/1/2019</a:t>
             </a:fld>
             <a:endParaRPr lang="en-US"/>
           </a:p>
@@ -1852,10 +1861,9 @@
           <a:lstStyle/>
           <a:p>
             <a:r>
-              <a:rPr lang="en-US" smtClean="0"/>
+              <a:rPr lang="en-US"/>
               <a:t>Click to edit Master title style</a:t>
             </a:r>
-            <a:endParaRPr lang="en-US"/>
           </a:p>
         </p:txBody>
       </p:sp>
@@ -1876,38 +1884,37 @@
           <a:p>
             <a:pPr lvl="0"/>
             <a:r>
-              <a:rPr lang="en-US" smtClean="0"/>
+              <a:rPr lang="en-US"/>
               <a:t>Click to edit Master text styles</a:t>
             </a:r>
           </a:p>
           <a:p>
             <a:pPr lvl="1"/>
             <a:r>
-              <a:rPr lang="en-US" smtClean="0"/>
+              <a:rPr lang="en-US"/>
               <a:t>Second level</a:t>
             </a:r>
           </a:p>
           <a:p>
             <a:pPr lvl="2"/>
             <a:r>
-              <a:rPr lang="en-US" smtClean="0"/>
+              <a:rPr lang="en-US"/>
               <a:t>Third level</a:t>
             </a:r>
           </a:p>
           <a:p>
             <a:pPr lvl="3"/>
             <a:r>
-              <a:rPr lang="en-US" smtClean="0"/>
+              <a:rPr lang="en-US"/>
               <a:t>Fourth level</a:t>
             </a:r>
           </a:p>
           <a:p>
             <a:pPr lvl="4"/>
             <a:r>
-              <a:rPr lang="en-US" smtClean="0"/>
+              <a:rPr lang="en-US"/>
               <a:t>Fifth level</a:t>
             </a:r>
-            <a:endParaRPr lang="en-US"/>
           </a:p>
         </p:txBody>
       </p:sp>
@@ -1929,7 +1936,7 @@
             <a:fld id="{1D8BD707-D9CF-40AE-B4C6-C98DA3205C09}" type="datetimeFigureOut">
               <a:rPr lang="en-US" smtClean="0"/>
               <a:pPr/>
-              <a:t>4/1/2015</a:t>
+              <a:t>4/1/2019</a:t>
             </a:fld>
             <a:endParaRPr lang="en-US"/>
           </a:p>
@@ -2028,10 +2035,9 @@
           </a:lstStyle>
           <a:p>
             <a:r>
-              <a:rPr lang="en-US" smtClean="0"/>
+              <a:rPr lang="en-US"/>
               <a:t>Click to edit Master title style</a:t>
             </a:r>
-            <a:endParaRPr lang="en-US"/>
           </a:p>
         </p:txBody>
       </p:sp>
@@ -2148,7 +2154,7 @@
           <a:p>
             <a:pPr lvl="0"/>
             <a:r>
-              <a:rPr lang="en-US" smtClean="0"/>
+              <a:rPr lang="en-US"/>
               <a:t>Click to edit Master text styles</a:t>
             </a:r>
           </a:p>
@@ -2172,7 +2178,7 @@
             <a:fld id="{1D8BD707-D9CF-40AE-B4C6-C98DA3205C09}" type="datetimeFigureOut">
               <a:rPr lang="en-US" smtClean="0"/>
               <a:pPr/>
-              <a:t>4/1/2015</a:t>
+              <a:t>4/1/2019</a:t>
             </a:fld>
             <a:endParaRPr lang="en-US"/>
           </a:p>
@@ -2262,10 +2268,9 @@
           <a:lstStyle/>
           <a:p>
             <a:r>
-              <a:rPr lang="en-US" smtClean="0"/>
+              <a:rPr lang="en-US"/>
               <a:t>Click to edit Master title style</a:t>
             </a:r>
-            <a:endParaRPr lang="en-US"/>
           </a:p>
         </p:txBody>
       </p:sp>
@@ -2319,38 +2324,37 @@
           <a:p>
             <a:pPr lvl="0"/>
             <a:r>
-              <a:rPr lang="en-US" smtClean="0"/>
+              <a:rPr lang="en-US"/>
               <a:t>Click to edit Master text styles</a:t>
             </a:r>
           </a:p>
           <a:p>
             <a:pPr lvl="1"/>
             <a:r>
-              <a:rPr lang="en-US" smtClean="0"/>
+              <a:rPr lang="en-US"/>
               <a:t>Second level</a:t>
             </a:r>
           </a:p>
           <a:p>
             <a:pPr lvl="2"/>
             <a:r>
-              <a:rPr lang="en-US" smtClean="0"/>
+              <a:rPr lang="en-US"/>
               <a:t>Third level</a:t>
             </a:r>
           </a:p>
           <a:p>
             <a:pPr lvl="3"/>
             <a:r>
-              <a:rPr lang="en-US" smtClean="0"/>
+              <a:rPr lang="en-US"/>
               <a:t>Fourth level</a:t>
             </a:r>
           </a:p>
           <a:p>
             <a:pPr lvl="4"/>
             <a:r>
-              <a:rPr lang="en-US" smtClean="0"/>
+              <a:rPr lang="en-US"/>
               <a:t>Fifth level</a:t>
             </a:r>
-            <a:endParaRPr lang="en-US"/>
           </a:p>
         </p:txBody>
       </p:sp>
@@ -2404,38 +2408,37 @@
           <a:p>
             <a:pPr lvl="0"/>
             <a:r>
-              <a:rPr lang="en-US" smtClean="0"/>
+              <a:rPr lang="en-US"/>
               <a:t>Click to edit Master text styles</a:t>
             </a:r>
           </a:p>
           <a:p>
             <a:pPr lvl="1"/>
             <a:r>
-              <a:rPr lang="en-US" smtClean="0"/>
+              <a:rPr lang="en-US"/>
               <a:t>Second level</a:t>
             </a:r>
           </a:p>
           <a:p>
             <a:pPr lvl="2"/>
             <a:r>
-              <a:rPr lang="en-US" smtClean="0"/>
+              <a:rPr lang="en-US"/>
               <a:t>Third level</a:t>
             </a:r>
           </a:p>
           <a:p>
             <a:pPr lvl="3"/>
             <a:r>
-              <a:rPr lang="en-US" smtClean="0"/>
+              <a:rPr lang="en-US"/>
               <a:t>Fourth level</a:t>
             </a:r>
           </a:p>
           <a:p>
             <a:pPr lvl="4"/>
             <a:r>
-              <a:rPr lang="en-US" smtClean="0"/>
+              <a:rPr lang="en-US"/>
               <a:t>Fifth level</a:t>
             </a:r>
-            <a:endParaRPr lang="en-US"/>
           </a:p>
         </p:txBody>
       </p:sp>
@@ -2457,7 +2460,7 @@
             <a:fld id="{1D8BD707-D9CF-40AE-B4C6-C98DA3205C09}" type="datetimeFigureOut">
               <a:rPr lang="en-US" smtClean="0"/>
               <a:pPr/>
-              <a:t>4/1/2015</a:t>
+              <a:t>4/1/2019</a:t>
             </a:fld>
             <a:endParaRPr lang="en-US"/>
           </a:p>
@@ -2551,10 +2554,9 @@
           </a:lstStyle>
           <a:p>
             <a:r>
-              <a:rPr lang="en-US" smtClean="0"/>
+              <a:rPr lang="en-US"/>
               <a:t>Click to edit Master title style</a:t>
             </a:r>
-            <a:endParaRPr lang="en-US"/>
           </a:p>
         </p:txBody>
       </p:sp>
@@ -2617,7 +2619,7 @@
           <a:p>
             <a:pPr lvl="0"/>
             <a:r>
-              <a:rPr lang="en-US" smtClean="0"/>
+              <a:rPr lang="en-US"/>
               <a:t>Click to edit Master text styles</a:t>
             </a:r>
           </a:p>
@@ -2673,38 +2675,37 @@
           <a:p>
             <a:pPr lvl="0"/>
             <a:r>
-              <a:rPr lang="en-US" smtClean="0"/>
+              <a:rPr lang="en-US"/>
               <a:t>Click to edit Master text styles</a:t>
             </a:r>
           </a:p>
           <a:p>
             <a:pPr lvl="1"/>
             <a:r>
-              <a:rPr lang="en-US" smtClean="0"/>
+              <a:rPr lang="en-US"/>
               <a:t>Second level</a:t>
             </a:r>
           </a:p>
           <a:p>
             <a:pPr lvl="2"/>
             <a:r>
-              <a:rPr lang="en-US" smtClean="0"/>
+              <a:rPr lang="en-US"/>
               <a:t>Third level</a:t>
             </a:r>
           </a:p>
           <a:p>
             <a:pPr lvl="3"/>
             <a:r>
-              <a:rPr lang="en-US" smtClean="0"/>
+              <a:rPr lang="en-US"/>
               <a:t>Fourth level</a:t>
             </a:r>
           </a:p>
           <a:p>
             <a:pPr lvl="4"/>
             <a:r>
-              <a:rPr lang="en-US" smtClean="0"/>
+              <a:rPr lang="en-US"/>
               <a:t>Fifth level</a:t>
             </a:r>
-            <a:endParaRPr lang="en-US"/>
           </a:p>
         </p:txBody>
       </p:sp>
@@ -2767,7 +2768,7 @@
           <a:p>
             <a:pPr lvl="0"/>
             <a:r>
-              <a:rPr lang="en-US" smtClean="0"/>
+              <a:rPr lang="en-US"/>
               <a:t>Click to edit Master text styles</a:t>
             </a:r>
           </a:p>
@@ -2823,38 +2824,37 @@
           <a:p>
             <a:pPr lvl="0"/>
             <a:r>
-              <a:rPr lang="en-US" smtClean="0"/>
+              <a:rPr lang="en-US"/>
               <a:t>Click to edit Master text styles</a:t>
             </a:r>
           </a:p>
           <a:p>
             <a:pPr lvl="1"/>
             <a:r>
-              <a:rPr lang="en-US" smtClean="0"/>
+              <a:rPr lang="en-US"/>
               <a:t>Second level</a:t>
             </a:r>
           </a:p>
           <a:p>
             <a:pPr lvl="2"/>
             <a:r>
-              <a:rPr lang="en-US" smtClean="0"/>
+              <a:rPr lang="en-US"/>
               <a:t>Third level</a:t>
             </a:r>
           </a:p>
           <a:p>
             <a:pPr lvl="3"/>
             <a:r>
-              <a:rPr lang="en-US" smtClean="0"/>
+              <a:rPr lang="en-US"/>
               <a:t>Fourth level</a:t>
             </a:r>
           </a:p>
           <a:p>
             <a:pPr lvl="4"/>
             <a:r>
-              <a:rPr lang="en-US" smtClean="0"/>
+              <a:rPr lang="en-US"/>
               <a:t>Fifth level</a:t>
             </a:r>
-            <a:endParaRPr lang="en-US"/>
           </a:p>
         </p:txBody>
       </p:sp>
@@ -2876,7 +2876,7 @@
             <a:fld id="{1D8BD707-D9CF-40AE-B4C6-C98DA3205C09}" type="datetimeFigureOut">
               <a:rPr lang="en-US" smtClean="0"/>
               <a:pPr/>
-              <a:t>4/1/2015</a:t>
+              <a:t>4/1/2019</a:t>
             </a:fld>
             <a:endParaRPr lang="en-US"/>
           </a:p>
@@ -2966,10 +2966,9 @@
           <a:lstStyle/>
           <a:p>
             <a:r>
-              <a:rPr lang="en-US" smtClean="0"/>
+              <a:rPr lang="en-US"/>
               <a:t>Click to edit Master title style</a:t>
             </a:r>
-            <a:endParaRPr lang="en-US"/>
           </a:p>
         </p:txBody>
       </p:sp>
@@ -2991,7 +2990,7 @@
             <a:fld id="{1D8BD707-D9CF-40AE-B4C6-C98DA3205C09}" type="datetimeFigureOut">
               <a:rPr lang="en-US" smtClean="0"/>
               <a:pPr/>
-              <a:t>4/1/2015</a:t>
+              <a:t>4/1/2019</a:t>
             </a:fld>
             <a:endParaRPr lang="en-US"/>
           </a:p>
@@ -3083,7 +3082,7 @@
             <a:fld id="{1D8BD707-D9CF-40AE-B4C6-C98DA3205C09}" type="datetimeFigureOut">
               <a:rPr lang="en-US" smtClean="0"/>
               <a:pPr/>
-              <a:t>4/1/2015</a:t>
+              <a:t>4/1/2019</a:t>
             </a:fld>
             <a:endParaRPr lang="en-US"/>
           </a:p>
@@ -3182,10 +3181,9 @@
           </a:lstStyle>
           <a:p>
             <a:r>
-              <a:rPr lang="en-US" smtClean="0"/>
+              <a:rPr lang="en-US"/>
               <a:t>Click to edit Master title style</a:t>
             </a:r>
-            <a:endParaRPr lang="en-US"/>
           </a:p>
         </p:txBody>
       </p:sp>
@@ -3239,38 +3237,37 @@
           <a:p>
             <a:pPr lvl="0"/>
             <a:r>
-              <a:rPr lang="en-US" smtClean="0"/>
+              <a:rPr lang="en-US"/>
               <a:t>Click to edit Master text styles</a:t>
             </a:r>
           </a:p>
           <a:p>
             <a:pPr lvl="1"/>
             <a:r>
-              <a:rPr lang="en-US" smtClean="0"/>
+              <a:rPr lang="en-US"/>
               <a:t>Second level</a:t>
             </a:r>
           </a:p>
           <a:p>
             <a:pPr lvl="2"/>
             <a:r>
-              <a:rPr lang="en-US" smtClean="0"/>
+              <a:rPr lang="en-US"/>
               <a:t>Third level</a:t>
             </a:r>
           </a:p>
           <a:p>
             <a:pPr lvl="3"/>
             <a:r>
-              <a:rPr lang="en-US" smtClean="0"/>
+              <a:rPr lang="en-US"/>
               <a:t>Fourth level</a:t>
             </a:r>
           </a:p>
           <a:p>
             <a:pPr lvl="4"/>
             <a:r>
-              <a:rPr lang="en-US" smtClean="0"/>
+              <a:rPr lang="en-US"/>
               <a:t>Fifth level</a:t>
             </a:r>
-            <a:endParaRPr lang="en-US"/>
           </a:p>
         </p:txBody>
       </p:sp>
@@ -3333,7 +3330,7 @@
           <a:p>
             <a:pPr lvl="0"/>
             <a:r>
-              <a:rPr lang="en-US" smtClean="0"/>
+              <a:rPr lang="en-US"/>
               <a:t>Click to edit Master text styles</a:t>
             </a:r>
           </a:p>
@@ -3357,7 +3354,7 @@
             <a:fld id="{1D8BD707-D9CF-40AE-B4C6-C98DA3205C09}" type="datetimeFigureOut">
               <a:rPr lang="en-US" smtClean="0"/>
               <a:pPr/>
-              <a:t>4/1/2015</a:t>
+              <a:t>4/1/2019</a:t>
             </a:fld>
             <a:endParaRPr lang="en-US"/>
           </a:p>
@@ -3456,10 +3453,9 @@
           </a:lstStyle>
           <a:p>
             <a:r>
-              <a:rPr lang="en-US" smtClean="0"/>
+              <a:rPr lang="en-US"/>
               <a:t>Click to edit Master title style</a:t>
             </a:r>
-            <a:endParaRPr lang="en-US"/>
           </a:p>
         </p:txBody>
       </p:sp>
@@ -3583,7 +3579,7 @@
           <a:p>
             <a:pPr lvl="0"/>
             <a:r>
-              <a:rPr lang="en-US" smtClean="0"/>
+              <a:rPr lang="en-US"/>
               <a:t>Click to edit Master text styles</a:t>
             </a:r>
           </a:p>
@@ -3607,7 +3603,7 @@
             <a:fld id="{1D8BD707-D9CF-40AE-B4C6-C98DA3205C09}" type="datetimeFigureOut">
               <a:rPr lang="en-US" smtClean="0"/>
               <a:pPr/>
-              <a:t>4/1/2015</a:t>
+              <a:t>4/1/2019</a:t>
             </a:fld>
             <a:endParaRPr lang="en-US"/>
           </a:p>
@@ -3712,10 +3708,9 @@
           <a:lstStyle/>
           <a:p>
             <a:r>
-              <a:rPr lang="en-US" smtClean="0"/>
+              <a:rPr lang="en-US"/>
               <a:t>Click to edit Master title style</a:t>
             </a:r>
-            <a:endParaRPr lang="en-US"/>
           </a:p>
         </p:txBody>
       </p:sp>
@@ -3746,38 +3741,37 @@
           <a:p>
             <a:pPr lvl="0"/>
             <a:r>
-              <a:rPr lang="en-US" smtClean="0"/>
+              <a:rPr lang="en-US"/>
               <a:t>Click to edit Master text styles</a:t>
             </a:r>
           </a:p>
           <a:p>
             <a:pPr lvl="1"/>
             <a:r>
-              <a:rPr lang="en-US" smtClean="0"/>
+              <a:rPr lang="en-US"/>
               <a:t>Second level</a:t>
             </a:r>
           </a:p>
           <a:p>
             <a:pPr lvl="2"/>
             <a:r>
-              <a:rPr lang="en-US" smtClean="0"/>
+              <a:rPr lang="en-US"/>
               <a:t>Third level</a:t>
             </a:r>
           </a:p>
           <a:p>
             <a:pPr lvl="3"/>
             <a:r>
-              <a:rPr lang="en-US" smtClean="0"/>
+              <a:rPr lang="en-US"/>
               <a:t>Fourth level</a:t>
             </a:r>
           </a:p>
           <a:p>
             <a:pPr lvl="4"/>
             <a:r>
-              <a:rPr lang="en-US" smtClean="0"/>
+              <a:rPr lang="en-US"/>
               <a:t>Fifth level</a:t>
             </a:r>
-            <a:endParaRPr lang="en-US"/>
           </a:p>
         </p:txBody>
       </p:sp>
@@ -3817,7 +3811,7 @@
             <a:fld id="{1D8BD707-D9CF-40AE-B4C6-C98DA3205C09}" type="datetimeFigureOut">
               <a:rPr lang="en-US" smtClean="0"/>
               <a:pPr/>
-              <a:t>4/1/2015</a:t>
+              <a:t>4/1/2019</a:t>
             </a:fld>
             <a:endParaRPr lang="en-US"/>
           </a:p>
@@ -4211,16 +4205,15 @@
           <a:lstStyle/>
           <a:p>
             <a:r>
-              <a:rPr lang="en-US" dirty="0" smtClean="0"/>
+              <a:rPr lang="en-US" dirty="0"/>
               <a:t>One Way ANOVA with multiple levels</a:t>
             </a:r>
           </a:p>
           <a:p>
             <a:r>
-              <a:rPr lang="en-US" dirty="0" smtClean="0"/>
+              <a:rPr lang="en-US" dirty="0"/>
               <a:t>Combining ANOVA and regression</a:t>
             </a:r>
-            <a:endParaRPr lang="en-US" dirty="0"/>
           </a:p>
         </p:txBody>
       </p:sp>
@@ -4305,10 +4298,9 @@
           <a:lstStyle/>
           <a:p>
             <a:r>
-              <a:rPr lang="en-US" dirty="0" smtClean="0"/>
+              <a:rPr lang="en-US" dirty="0"/>
               <a:t>If we type summary, R will perform every comparison with respect to the chosen background </a:t>
             </a:r>
-            <a:endParaRPr lang="en-US" dirty="0"/>
           </a:p>
         </p:txBody>
       </p:sp>
@@ -4367,19 +4359,19 @@
           <a:lstStyle/>
           <a:p>
             <a:r>
-              <a:rPr lang="en-US" dirty="0" smtClean="0"/>
+              <a:rPr lang="en-US" dirty="0"/>
               <a:t>Here R chose “</a:t>
             </a:r>
             <a:r>
-              <a:rPr lang="en-US" dirty="0" err="1" smtClean="0"/>
+              <a:rPr lang="en-US" dirty="0" err="1"/>
               <a:t>aa</a:t>
             </a:r>
             <a:r>
-              <a:rPr lang="en-US" dirty="0" smtClean="0"/>
+              <a:rPr lang="en-US" dirty="0"/>
               <a:t>” as the background and compares everything to </a:t>
             </a:r>
             <a:r>
-              <a:rPr lang="en-US" dirty="0" err="1" smtClean="0"/>
+              <a:rPr lang="en-US" dirty="0" err="1"/>
               <a:t>aa</a:t>
             </a:r>
             <a:endParaRPr lang="en-US" dirty="0"/>
@@ -4434,29 +4426,28 @@
           <a:lstStyle/>
           <a:p>
             <a:r>
-              <a:rPr lang="en-US" dirty="0" smtClean="0"/>
+              <a:rPr lang="en-US" dirty="0"/>
               <a:t>We can change which genotype is considered by using </a:t>
             </a:r>
             <a:r>
-              <a:rPr lang="en-US" dirty="0" err="1" smtClean="0"/>
+              <a:rPr lang="en-US" dirty="0" err="1"/>
               <a:t>relevel</a:t>
             </a:r>
-            <a:endParaRPr lang="en-US" dirty="0" smtClean="0"/>
-          </a:p>
-          <a:p>
-            <a:r>
-              <a:rPr lang="en-US" dirty="0" smtClean="0"/>
+            <a:endParaRPr lang="en-US" dirty="0"/>
+          </a:p>
+          <a:p>
+            <a:r>
+              <a:rPr lang="en-US" dirty="0"/>
               <a:t>Here we use </a:t>
             </a:r>
             <a:r>
-              <a:rPr lang="en-US" dirty="0" err="1" smtClean="0"/>
+              <a:rPr lang="en-US" dirty="0" err="1"/>
               <a:t>relevel</a:t>
             </a:r>
             <a:r>
-              <a:rPr lang="en-US" dirty="0" smtClean="0"/>
+              <a:rPr lang="en-US" dirty="0"/>
               <a:t> to force all comparisons to AA</a:t>
             </a:r>
-            <a:endParaRPr lang="en-US" dirty="0"/>
           </a:p>
         </p:txBody>
       </p:sp>
@@ -4573,16 +4564,15 @@
           <a:lstStyle/>
           <a:p>
             <a:r>
-              <a:rPr lang="en-US" dirty="0" smtClean="0"/>
+              <a:rPr lang="en-US" dirty="0"/>
               <a:t>Alternatively, you can ask R to do every possible t-test…</a:t>
             </a:r>
           </a:p>
           <a:p>
             <a:r>
-              <a:rPr lang="en-US" dirty="0" smtClean="0"/>
+              <a:rPr lang="en-US" dirty="0"/>
               <a:t>(and correct for multiple comparisons!) </a:t>
             </a:r>
-            <a:endParaRPr lang="en-US" dirty="0"/>
           </a:p>
         </p:txBody>
       </p:sp>
@@ -4666,48 +4656,43 @@
           <a:lstStyle/>
           <a:p>
             <a:r>
-              <a:rPr lang="en-US" dirty="0" smtClean="0"/>
+              <a:rPr lang="en-US" dirty="0"/>
               <a:t>This problem could be considered as a quantitative problem (a regression).</a:t>
             </a:r>
           </a:p>
           <a:p>
-            <a:endParaRPr lang="en-US" dirty="0" smtClean="0"/>
-          </a:p>
-          <a:p>
-            <a:r>
-              <a:rPr lang="en-US" dirty="0" smtClean="0"/>
+            <a:endParaRPr lang="en-US" dirty="0"/>
+          </a:p>
+          <a:p>
+            <a:r>
+              <a:rPr lang="en-US" dirty="0"/>
               <a:t>Define gene “dose” (does of the “a” allele):</a:t>
             </a:r>
           </a:p>
           <a:p>
-            <a:endParaRPr lang="en-US" dirty="0" smtClean="0"/>
-          </a:p>
-          <a:p>
-            <a:r>
-              <a:rPr lang="en-US" dirty="0" smtClean="0"/>
+            <a:endParaRPr lang="en-US" dirty="0"/>
+          </a:p>
+          <a:p>
+            <a:r>
+              <a:rPr lang="en-US" dirty="0"/>
               <a:t>AA  = 0</a:t>
             </a:r>
           </a:p>
           <a:p>
             <a:r>
-              <a:rPr lang="en-US" dirty="0" err="1" smtClean="0"/>
+              <a:rPr lang="en-US" dirty="0" err="1"/>
               <a:t>Aa</a:t>
             </a:r>
             <a:r>
-              <a:rPr lang="en-US" dirty="0" smtClean="0"/>
+              <a:rPr lang="en-US" dirty="0"/>
               <a:t>  = 1</a:t>
             </a:r>
           </a:p>
           <a:p>
             <a:r>
-              <a:rPr lang="en-US" dirty="0" err="1" smtClean="0"/>
-              <a:t>aa</a:t>
-            </a:r>
-            <a:r>
-              <a:rPr lang="en-US" dirty="0" smtClean="0"/>
-              <a:t>   =0 </a:t>
-            </a:r>
-            <a:endParaRPr lang="en-US" dirty="0"/>
+              <a:rPr lang="en-US" dirty="0"/>
+              <a:t>aa   =2 </a:t>
+            </a:r>
           </a:p>
         </p:txBody>
       </p:sp>
@@ -4766,10 +4751,9 @@
           <a:lstStyle/>
           <a:p>
             <a:r>
-              <a:rPr lang="en-US" dirty="0" smtClean="0"/>
+              <a:rPr lang="en-US" dirty="0"/>
               <a:t>Then this view of the data……</a:t>
             </a:r>
-            <a:endParaRPr lang="en-US" dirty="0"/>
           </a:p>
         </p:txBody>
       </p:sp>
@@ -4796,10 +4780,9 @@
           <a:lstStyle/>
           <a:p>
             <a:r>
-              <a:rPr lang="en-US" dirty="0" smtClean="0"/>
+              <a:rPr lang="en-US" dirty="0"/>
               <a:t>Becomes…</a:t>
             </a:r>
-            <a:endParaRPr lang="en-US" dirty="0"/>
           </a:p>
         </p:txBody>
       </p:sp>
@@ -4947,10 +4930,9 @@
           <a:lstStyle/>
           <a:p>
             <a:r>
-              <a:rPr lang="en-US" dirty="0" smtClean="0"/>
+              <a:rPr lang="en-US" dirty="0"/>
               <a:t>The linear regression view!</a:t>
             </a:r>
-            <a:endParaRPr lang="en-US" dirty="0"/>
           </a:p>
         </p:txBody>
       </p:sp>
@@ -5034,7 +5016,7 @@
           <a:lstStyle/>
           <a:p>
             <a:r>
-              <a:rPr lang="en-US" dirty="0" smtClean="0"/>
+              <a:rPr lang="en-US" dirty="0"/>
               <a:t>We’ve gained one degree of freedom as now our model has just two parameters</a:t>
             </a:r>
           </a:p>
@@ -5066,10 +5048,9 @@
           <a:lstStyle/>
           <a:p>
             <a:r>
-              <a:rPr lang="en-US" dirty="0" smtClean="0"/>
+              <a:rPr lang="en-US" dirty="0"/>
               <a:t>Y = B0 + B1*genotype + error</a:t>
             </a:r>
-            <a:endParaRPr lang="en-US" dirty="0"/>
           </a:p>
         </p:txBody>
       </p:sp>
@@ -5096,10 +5077,9 @@
           <a:lstStyle/>
           <a:p>
             <a:r>
-              <a:rPr lang="en-US" dirty="0" smtClean="0"/>
+              <a:rPr lang="en-US" dirty="0"/>
               <a:t>However, the Matrix form of our equation has not changed: </a:t>
             </a:r>
-            <a:endParaRPr lang="en-US" dirty="0"/>
           </a:p>
         </p:txBody>
       </p:sp>
@@ -5158,10 +5138,9 @@
           <a:lstStyle/>
           <a:p>
             <a:r>
-              <a:rPr lang="en-US" dirty="0" smtClean="0"/>
+              <a:rPr lang="en-US" dirty="0"/>
               <a:t>We can still use the ANOVA to determine the significance of both parameters</a:t>
             </a:r>
-            <a:endParaRPr lang="en-US" dirty="0"/>
           </a:p>
         </p:txBody>
       </p:sp>
@@ -5213,16 +5192,15 @@
           <a:lstStyle/>
           <a:p>
             <a:r>
-              <a:rPr lang="en-US" dirty="0" smtClean="0"/>
+              <a:rPr lang="en-US" dirty="0"/>
               <a:t>One Way ANOVA with multiple levels</a:t>
             </a:r>
           </a:p>
           <a:p>
             <a:r>
-              <a:rPr lang="en-US" dirty="0" smtClean="0"/>
+              <a:rPr lang="en-US" dirty="0"/>
               <a:t>Combining ANOVA and regression</a:t>
             </a:r>
-            <a:endParaRPr lang="en-US" dirty="0"/>
           </a:p>
         </p:txBody>
       </p:sp>
@@ -5307,16 +5285,15 @@
           <a:lstStyle/>
           <a:p>
             <a:r>
-              <a:rPr lang="en-US" dirty="0" smtClean="0"/>
+              <a:rPr lang="en-US" dirty="0"/>
               <a:t>The really interesting thing about linear models, is no matter how complicated they</a:t>
             </a:r>
           </a:p>
           <a:p>
             <a:r>
-              <a:rPr lang="en-US" dirty="0" smtClean="0"/>
+              <a:rPr lang="en-US" dirty="0"/>
               <a:t>get, the solution remains the same..</a:t>
             </a:r>
-            <a:endParaRPr lang="en-US" dirty="0"/>
           </a:p>
         </p:txBody>
       </p:sp>
@@ -5375,17 +5352,17 @@
           <a:lstStyle/>
           <a:p>
             <a:r>
-              <a:rPr lang="en-US" dirty="0" smtClean="0"/>
+              <a:rPr lang="en-US" dirty="0"/>
               <a:t>We can make models arbitrarily complex and the statistics will work</a:t>
             </a:r>
           </a:p>
           <a:p>
             <a:r>
-              <a:rPr lang="en-US" dirty="0" smtClean="0"/>
+              <a:rPr lang="en-US" dirty="0"/>
               <a:t>(whether they still have any meaningful biology is </a:t>
             </a:r>
             <a:r>
-              <a:rPr lang="en-US" smtClean="0"/>
+              <a:rPr lang="en-US"/>
               <a:t>another question!</a:t>
             </a:r>
             <a:endParaRPr lang="en-US" dirty="0"/>
@@ -5440,18 +5417,17 @@
           <a:lstStyle/>
           <a:p>
             <a:r>
-              <a:rPr lang="en-US" dirty="0" smtClean="0"/>
+              <a:rPr lang="en-US" dirty="0"/>
               <a:t>As an example of this, we will analyze a </a:t>
             </a:r>
             <a:r>
-              <a:rPr lang="en-US" dirty="0" err="1" smtClean="0"/>
+              <a:rPr lang="en-US" dirty="0" err="1"/>
               <a:t>qPCR</a:t>
             </a:r>
             <a:r>
-              <a:rPr lang="en-US" dirty="0" smtClean="0"/>
+              <a:rPr lang="en-US" dirty="0"/>
               <a:t> data set..</a:t>
             </a:r>
-            <a:endParaRPr lang="en-US" dirty="0"/>
           </a:p>
         </p:txBody>
       </p:sp>
@@ -5509,10 +5485,9 @@
           <a:lstStyle/>
           <a:p>
             <a:r>
-              <a:rPr lang="en-US" dirty="0" smtClean="0"/>
+              <a:rPr lang="en-US" dirty="0"/>
               <a:t>http://afodor.github.io/classes/stats2015/qPCRWithSampleDays.txt</a:t>
             </a:r>
-            <a:endParaRPr lang="en-US" dirty="0"/>
           </a:p>
         </p:txBody>
       </p:sp>
@@ -5539,10 +5514,9 @@
           <a:lstStyle/>
           <a:p>
             <a:r>
-              <a:rPr lang="en-US" dirty="0" smtClean="0"/>
+              <a:rPr lang="en-US" dirty="0"/>
               <a:t>You can grab the data here:</a:t>
             </a:r>
-            <a:endParaRPr lang="en-US" dirty="0"/>
           </a:p>
         </p:txBody>
       </p:sp>
@@ -5626,10 +5600,9 @@
           <a:lstStyle/>
           <a:p>
             <a:r>
-              <a:rPr lang="en-US" dirty="0" smtClean="0"/>
+              <a:rPr lang="en-US" dirty="0"/>
               <a:t>http://afodor.github.io/classes/stats2015/qPCRWithSampleDays.txt</a:t>
             </a:r>
-            <a:endParaRPr lang="en-US" dirty="0"/>
           </a:p>
         </p:txBody>
       </p:sp>
@@ -5681,15 +5654,15 @@
           <a:lstStyle/>
           <a:p>
             <a:r>
-              <a:rPr lang="en-US" dirty="0" smtClean="0"/>
+              <a:rPr lang="en-US" dirty="0"/>
               <a:t>The full model has sum squared residual of 1.488 with 7 </a:t>
             </a:r>
             <a:r>
-              <a:rPr lang="en-US" dirty="0" err="1" smtClean="0"/>
+              <a:rPr lang="en-US" dirty="0" err="1"/>
               <a:t>d.f</a:t>
             </a:r>
             <a:r>
-              <a:rPr lang="en-US" dirty="0" smtClean="0"/>
+              <a:rPr lang="en-US" dirty="0"/>
               <a:t>.</a:t>
             </a:r>
           </a:p>
@@ -5712,9 +5685,59 @@
         </p:xfrm>
         <a:graphic>
           <a:graphicData uri="http://schemas.openxmlformats.org/presentationml/2006/ole">
-            <p:oleObj spid="_x0000_s1026" name="Equation" r:id="rId4" imgW="368280" imgH="2082600" progId="Equation.3">
-              <p:embed/>
-            </p:oleObj>
+            <mc:AlternateContent xmlns:mc="http://schemas.openxmlformats.org/markup-compatibility/2006">
+              <mc:Choice xmlns:v="urn:schemas-microsoft-com:vml" Requires="v">
+                <p:oleObj spid="_x0000_s1058" name="Equation" r:id="rId4" imgW="368280" imgH="2082600" progId="Equation.3">
+                  <p:embed/>
+                </p:oleObj>
+              </mc:Choice>
+              <mc:Fallback>
+                <p:oleObj name="Equation" r:id="rId4" imgW="368280" imgH="2082600" progId="Equation.3">
+                  <p:embed/>
+                  <p:pic>
+                    <p:nvPicPr>
+                      <p:cNvPr id="0" name="Picture 2"/>
+                      <p:cNvPicPr>
+                        <a:picLocks noChangeAspect="1" noChangeArrowheads="1"/>
+                      </p:cNvPicPr>
+                      <p:nvPr/>
+                    </p:nvPicPr>
+                    <p:blipFill>
+                      <a:blip r:embed="rId5">
+                        <a:extLst>
+                          <a:ext uri="{28A0092B-C50C-407E-A947-70E740481C1C}">
+                            <a14:useLocalDpi xmlns:a14="http://schemas.microsoft.com/office/drawing/2010/main" val="0"/>
+                          </a:ext>
+                        </a:extLst>
+                      </a:blip>
+                      <a:srcRect/>
+                      <a:stretch>
+                        <a:fillRect/>
+                      </a:stretch>
+                    </p:blipFill>
+                    <p:spPr bwMode="auto">
+                      <a:xfrm>
+                        <a:off x="461918" y="2438400"/>
+                        <a:ext cx="368300" cy="2082800"/>
+                      </a:xfrm>
+                      <a:prstGeom prst="rect">
+                        <a:avLst/>
+                      </a:prstGeom>
+                      <a:noFill/>
+                      <a:extLst>
+                        <a:ext uri="{909E8E84-426E-40DD-AFC4-6F175D3DCCD1}">
+                          <a14:hiddenFill xmlns:a14="http://schemas.microsoft.com/office/drawing/2010/main">
+                            <a:solidFill>
+                              <a:srgbClr val="FFFFFF"/>
+                            </a:solidFill>
+                          </a14:hiddenFill>
+                        </a:ext>
+                      </a:extLst>
+                    </p:spPr>
+                  </p:pic>
+                </p:oleObj>
+              </mc:Fallback>
+            </mc:AlternateContent>
           </a:graphicData>
         </a:graphic>
       </p:graphicFrame>
@@ -5741,10 +5764,9 @@
           <a:lstStyle/>
           <a:p>
             <a:r>
-              <a:rPr lang="en-US" dirty="0" smtClean="0"/>
+              <a:rPr lang="en-US" dirty="0"/>
               <a:t>=</a:t>
             </a:r>
-            <a:endParaRPr lang="en-US" dirty="0"/>
           </a:p>
         </p:txBody>
       </p:sp>
@@ -5762,9 +5784,59 @@
         </p:xfrm>
         <a:graphic>
           <a:graphicData uri="http://schemas.openxmlformats.org/presentationml/2006/ole">
-            <p:oleObj spid="_x0000_s1027" name="Equation" r:id="rId5" imgW="228600" imgH="2082600" progId="Equation.3">
-              <p:embed/>
-            </p:oleObj>
+            <mc:AlternateContent xmlns:mc="http://schemas.openxmlformats.org/markup-compatibility/2006">
+              <mc:Choice xmlns:v="urn:schemas-microsoft-com:vml" Requires="v">
+                <p:oleObj spid="_x0000_s1059" name="Equation" r:id="rId6" imgW="228600" imgH="2082600" progId="Equation.3">
+                  <p:embed/>
+                </p:oleObj>
+              </mc:Choice>
+              <mc:Fallback>
+                <p:oleObj name="Equation" r:id="rId6" imgW="228600" imgH="2082600" progId="Equation.3">
+                  <p:embed/>
+                  <p:pic>
+                    <p:nvPicPr>
+                      <p:cNvPr id="0" name="Picture 3"/>
+                      <p:cNvPicPr>
+                        <a:picLocks noChangeAspect="1" noChangeArrowheads="1"/>
+                      </p:cNvPicPr>
+                      <p:nvPr/>
+                    </p:nvPicPr>
+                    <p:blipFill>
+                      <a:blip r:embed="rId7">
+                        <a:extLst>
+                          <a:ext uri="{28A0092B-C50C-407E-A947-70E740481C1C}">
+                            <a14:useLocalDpi xmlns:a14="http://schemas.microsoft.com/office/drawing/2010/main" val="0"/>
+                          </a:ext>
+                        </a:extLst>
+                      </a:blip>
+                      <a:srcRect/>
+                      <a:stretch>
+                        <a:fillRect/>
+                      </a:stretch>
+                    </p:blipFill>
+                    <p:spPr bwMode="auto">
+                      <a:xfrm>
+                        <a:off x="1676400" y="2489200"/>
+                        <a:ext cx="228600" cy="2082800"/>
+                      </a:xfrm>
+                      <a:prstGeom prst="rect">
+                        <a:avLst/>
+                      </a:prstGeom>
+                      <a:noFill/>
+                      <a:extLst>
+                        <a:ext uri="{909E8E84-426E-40DD-AFC4-6F175D3DCCD1}">
+                          <a14:hiddenFill xmlns:a14="http://schemas.microsoft.com/office/drawing/2010/main">
+                            <a:solidFill>
+                              <a:srgbClr val="FFFFFF"/>
+                            </a:solidFill>
+                          </a14:hiddenFill>
+                        </a:ext>
+                      </a:extLst>
+                    </p:spPr>
+                  </p:pic>
+                </p:oleObj>
+              </mc:Fallback>
+            </mc:AlternateContent>
           </a:graphicData>
         </a:graphic>
       </p:graphicFrame>
@@ -5791,14 +5863,13 @@
           <a:lstStyle/>
           <a:p>
             <a:r>
-              <a:rPr lang="en-US" dirty="0" smtClean="0"/>
+              <a:rPr lang="en-US" dirty="0"/>
               <a:t>B</a:t>
             </a:r>
             <a:r>
-              <a:rPr lang="en-US" baseline="-25000" dirty="0" smtClean="0"/>
+              <a:rPr lang="en-US" baseline="-25000" dirty="0"/>
               <a:t>0</a:t>
             </a:r>
-            <a:endParaRPr lang="en-US" baseline="-25000" dirty="0"/>
           </a:p>
         </p:txBody>
       </p:sp>
@@ -5816,9 +5887,59 @@
         </p:xfrm>
         <a:graphic>
           <a:graphicData uri="http://schemas.openxmlformats.org/presentationml/2006/ole">
-            <p:oleObj spid="_x0000_s1028" name="Equation" r:id="rId6" imgW="253800" imgH="2082600" progId="Equation.3">
-              <p:embed/>
-            </p:oleObj>
+            <mc:AlternateContent xmlns:mc="http://schemas.openxmlformats.org/markup-compatibility/2006">
+              <mc:Choice xmlns:v="urn:schemas-microsoft-com:vml" Requires="v">
+                <p:oleObj spid="_x0000_s1060" name="Equation" r:id="rId8" imgW="253800" imgH="2082600" progId="Equation.3">
+                  <p:embed/>
+                </p:oleObj>
+              </mc:Choice>
+              <mc:Fallback>
+                <p:oleObj name="Equation" r:id="rId8" imgW="253800" imgH="2082600" progId="Equation.3">
+                  <p:embed/>
+                  <p:pic>
+                    <p:nvPicPr>
+                      <p:cNvPr id="0" name="Picture 4"/>
+                      <p:cNvPicPr>
+                        <a:picLocks noChangeAspect="1" noChangeArrowheads="1"/>
+                      </p:cNvPicPr>
+                      <p:nvPr/>
+                    </p:nvPicPr>
+                    <p:blipFill>
+                      <a:blip r:embed="rId9">
+                        <a:extLst>
+                          <a:ext uri="{28A0092B-C50C-407E-A947-70E740481C1C}">
+                            <a14:useLocalDpi xmlns:a14="http://schemas.microsoft.com/office/drawing/2010/main" val="0"/>
+                          </a:ext>
+                        </a:extLst>
+                      </a:blip>
+                      <a:srcRect/>
+                      <a:stretch>
+                        <a:fillRect/>
+                      </a:stretch>
+                    </p:blipFill>
+                    <p:spPr bwMode="auto">
+                      <a:xfrm>
+                        <a:off x="2501900" y="2514600"/>
+                        <a:ext cx="254000" cy="2082800"/>
+                      </a:xfrm>
+                      <a:prstGeom prst="rect">
+                        <a:avLst/>
+                      </a:prstGeom>
+                      <a:noFill/>
+                      <a:extLst>
+                        <a:ext uri="{909E8E84-426E-40DD-AFC4-6F175D3DCCD1}">
+                          <a14:hiddenFill xmlns:a14="http://schemas.microsoft.com/office/drawing/2010/main">
+                            <a:solidFill>
+                              <a:srgbClr val="FFFFFF"/>
+                            </a:solidFill>
+                          </a14:hiddenFill>
+                        </a:ext>
+                      </a:extLst>
+                    </p:spPr>
+                  </p:pic>
+                </p:oleObj>
+              </mc:Fallback>
+            </mc:AlternateContent>
           </a:graphicData>
         </a:graphic>
       </p:graphicFrame>
@@ -5845,14 +5966,13 @@
           <a:lstStyle/>
           <a:p>
             <a:r>
-              <a:rPr lang="en-US" dirty="0" smtClean="0"/>
+              <a:rPr lang="en-US" dirty="0"/>
               <a:t>B</a:t>
             </a:r>
             <a:r>
-              <a:rPr lang="en-US" baseline="-25000" dirty="0" smtClean="0"/>
+              <a:rPr lang="en-US" baseline="-25000" dirty="0"/>
               <a:t>1</a:t>
             </a:r>
-            <a:endParaRPr lang="en-US" baseline="-25000" dirty="0"/>
           </a:p>
         </p:txBody>
       </p:sp>
@@ -5879,10 +5999,9 @@
           <a:lstStyle/>
           <a:p>
             <a:r>
-              <a:rPr lang="en-US" dirty="0" smtClean="0"/>
+              <a:rPr lang="en-US" dirty="0"/>
               <a:t>+</a:t>
             </a:r>
-            <a:endParaRPr lang="en-US" dirty="0"/>
           </a:p>
         </p:txBody>
       </p:sp>
@@ -5900,9 +6019,59 @@
         </p:xfrm>
         <a:graphic>
           <a:graphicData uri="http://schemas.openxmlformats.org/presentationml/2006/ole">
-            <p:oleObj spid="_x0000_s1029" name="Equation" r:id="rId7" imgW="355320" imgH="2133360" progId="Equation.3">
-              <p:embed/>
-            </p:oleObj>
+            <mc:AlternateContent xmlns:mc="http://schemas.openxmlformats.org/markup-compatibility/2006">
+              <mc:Choice xmlns:v="urn:schemas-microsoft-com:vml" Requires="v">
+                <p:oleObj spid="_x0000_s1061" name="Equation" r:id="rId10" imgW="355320" imgH="2133360" progId="Equation.3">
+                  <p:embed/>
+                </p:oleObj>
+              </mc:Choice>
+              <mc:Fallback>
+                <p:oleObj name="Equation" r:id="rId10" imgW="355320" imgH="2133360" progId="Equation.3">
+                  <p:embed/>
+                  <p:pic>
+                    <p:nvPicPr>
+                      <p:cNvPr id="0" name="Picture 5"/>
+                      <p:cNvPicPr>
+                        <a:picLocks noChangeAspect="1" noChangeArrowheads="1"/>
+                      </p:cNvPicPr>
+                      <p:nvPr/>
+                    </p:nvPicPr>
+                    <p:blipFill>
+                      <a:blip r:embed="rId11">
+                        <a:extLst>
+                          <a:ext uri="{28A0092B-C50C-407E-A947-70E740481C1C}">
+                            <a14:useLocalDpi xmlns:a14="http://schemas.microsoft.com/office/drawing/2010/main" val="0"/>
+                          </a:ext>
+                        </a:extLst>
+                      </a:blip>
+                      <a:srcRect/>
+                      <a:stretch>
+                        <a:fillRect/>
+                      </a:stretch>
+                    </p:blipFill>
+                    <p:spPr bwMode="auto">
+                      <a:xfrm>
+                        <a:off x="3149600" y="2489200"/>
+                        <a:ext cx="355600" cy="2133600"/>
+                      </a:xfrm>
+                      <a:prstGeom prst="rect">
+                        <a:avLst/>
+                      </a:prstGeom>
+                      <a:noFill/>
+                      <a:extLst>
+                        <a:ext uri="{909E8E84-426E-40DD-AFC4-6F175D3DCCD1}">
+                          <a14:hiddenFill xmlns:a14="http://schemas.microsoft.com/office/drawing/2010/main">
+                            <a:solidFill>
+                              <a:srgbClr val="FFFFFF"/>
+                            </a:solidFill>
+                          </a14:hiddenFill>
+                        </a:ext>
+                      </a:extLst>
+                    </p:spPr>
+                  </p:pic>
+                </p:oleObj>
+              </mc:Fallback>
+            </mc:AlternateContent>
           </a:graphicData>
         </a:graphic>
       </p:graphicFrame>
@@ -5928,10 +6097,9 @@
           <a:lstStyle/>
           <a:p>
             <a:r>
-              <a:rPr lang="en-US" dirty="0" smtClean="0"/>
+              <a:rPr lang="en-US" dirty="0"/>
               <a:t>+</a:t>
             </a:r>
-            <a:endParaRPr lang="en-US" dirty="0"/>
           </a:p>
         </p:txBody>
       </p:sp>
@@ -5944,7 +6112,7 @@
           <p:nvPr/>
         </p:nvPicPr>
         <p:blipFill>
-          <a:blip r:embed="rId8" cstate="print"/>
+          <a:blip r:embed="rId12" cstate="print"/>
           <a:srcRect/>
           <a:stretch>
             <a:fillRect/>
@@ -5976,7 +6144,7 @@
           <p:nvPr/>
         </p:nvPicPr>
         <p:blipFill>
-          <a:blip r:embed="rId9" cstate="print"/>
+          <a:blip r:embed="rId13" cstate="print"/>
           <a:srcRect/>
           <a:stretch>
             <a:fillRect/>
@@ -6022,10 +6190,9 @@
           <a:lstStyle/>
           <a:p>
             <a:r>
-              <a:rPr lang="en-US" dirty="0" smtClean="0"/>
+              <a:rPr lang="en-US" dirty="0"/>
               <a:t>Previously we used a one way ANOVA to do a test with one factor and two levels..</a:t>
             </a:r>
-            <a:endParaRPr lang="en-US" dirty="0"/>
           </a:p>
         </p:txBody>
       </p:sp>
@@ -6077,10 +6244,9 @@
           <a:lstStyle/>
           <a:p>
             <a:r>
-              <a:rPr lang="en-US" dirty="0" smtClean="0"/>
+              <a:rPr lang="en-US" dirty="0"/>
               <a:t>This dataset is described in this paper (which can be downloaded from campus)</a:t>
             </a:r>
-            <a:endParaRPr lang="en-US" dirty="0"/>
           </a:p>
         </p:txBody>
       </p:sp>
@@ -6106,10 +6272,9 @@
           <a:lstStyle/>
           <a:p>
             <a:r>
-              <a:rPr lang="en-US" dirty="0" smtClean="0"/>
+              <a:rPr lang="en-US" dirty="0"/>
               <a:t>http://jcm.asm.org/content/53/1/237.short</a:t>
             </a:r>
-            <a:endParaRPr lang="en-US" dirty="0"/>
           </a:p>
         </p:txBody>
       </p:sp>
@@ -6225,10 +6390,9 @@
           <a:lstStyle/>
           <a:p>
             <a:r>
-              <a:rPr lang="en-US" dirty="0" smtClean="0"/>
+              <a:rPr lang="en-US" dirty="0"/>
               <a:t>The data are from a single Cystic Fibrosis patient exposed to an antibiotic regime…</a:t>
             </a:r>
-            <a:endParaRPr lang="en-US" dirty="0"/>
           </a:p>
         </p:txBody>
       </p:sp>
@@ -6312,16 +6476,15 @@
           <a:lstStyle/>
           <a:p>
             <a:r>
-              <a:rPr lang="en-US" dirty="0" smtClean="0"/>
+              <a:rPr lang="en-US" dirty="0"/>
               <a:t>How does the 16S signal change with time (the x-axis) and with </a:t>
             </a:r>
           </a:p>
           <a:p>
             <a:r>
-              <a:rPr lang="en-US" dirty="0" smtClean="0"/>
+              <a:rPr lang="en-US" dirty="0"/>
               <a:t> antibiotic treatment (the colors?) </a:t>
             </a:r>
-            <a:endParaRPr lang="en-US" dirty="0"/>
           </a:p>
         </p:txBody>
       </p:sp>
@@ -6380,10 +6543,9 @@
           <a:lstStyle/>
           <a:p>
             <a:r>
-              <a:rPr lang="en-US" dirty="0" smtClean="0"/>
+              <a:rPr lang="en-US" dirty="0"/>
               <a:t>We will build and evaluate a series of linear models…</a:t>
             </a:r>
-            <a:endParaRPr lang="en-US" dirty="0"/>
           </a:p>
         </p:txBody>
       </p:sp>
@@ -6435,10 +6597,9 @@
           <a:lstStyle/>
           <a:p>
             <a:r>
-              <a:rPr lang="en-US" dirty="0" smtClean="0"/>
+              <a:rPr lang="en-US" dirty="0"/>
               <a:t>First we look only at time (ignoring antibiotic treatment)</a:t>
             </a:r>
-            <a:endParaRPr lang="en-US" dirty="0"/>
           </a:p>
         </p:txBody>
       </p:sp>
@@ -6529,10 +6690,9 @@
           <a:lstStyle/>
           <a:p>
             <a:r>
-              <a:rPr lang="en-US" dirty="0" smtClean="0"/>
+              <a:rPr lang="en-US" dirty="0"/>
               <a:t>Time explains more than half the variance and we reject the zero slope hypothesis easily</a:t>
             </a:r>
-            <a:endParaRPr lang="en-US" dirty="0"/>
           </a:p>
         </p:txBody>
       </p:sp>
@@ -6559,14 +6719,13 @@
           <a:lstStyle/>
           <a:p>
             <a:r>
-              <a:rPr lang="en-US" dirty="0" err="1" smtClean="0"/>
+              <a:rPr lang="en-US" dirty="0" err="1"/>
               <a:t>logBurk</a:t>
             </a:r>
             <a:r>
-              <a:rPr lang="en-US" dirty="0" smtClean="0"/>
+              <a:rPr lang="en-US" dirty="0"/>
               <a:t> = B0 + B1 * times + error</a:t>
             </a:r>
-            <a:endParaRPr lang="en-US" dirty="0"/>
           </a:p>
         </p:txBody>
       </p:sp>
@@ -6618,16 +6777,16 @@
           <a:lstStyle/>
           <a:p>
             <a:r>
-              <a:rPr lang="en-US" dirty="0" smtClean="0"/>
+              <a:rPr lang="en-US" dirty="0"/>
               <a:t>We start with the full model (including interaction terms!)</a:t>
             </a:r>
           </a:p>
           <a:p>
-            <a:endParaRPr lang="en-US" dirty="0" smtClean="0"/>
-          </a:p>
-          <a:p>
-            <a:r>
-              <a:rPr lang="en-US" dirty="0" smtClean="0"/>
+            <a:endParaRPr lang="en-US" dirty="0"/>
+          </a:p>
+          <a:p>
+            <a:r>
+              <a:rPr lang="en-US" dirty="0"/>
               <a:t>This is a small amount of typing in R but produces a highly complex model. </a:t>
             </a:r>
           </a:p>
@@ -6688,74 +6847,73 @@
           <a:lstStyle/>
           <a:p>
             <a:r>
-              <a:rPr lang="en-US" dirty="0" err="1" smtClean="0"/>
+              <a:rPr lang="en-US" dirty="0" err="1"/>
               <a:t>logBurk</a:t>
             </a:r>
             <a:r>
-              <a:rPr lang="en-US" dirty="0" smtClean="0"/>
+              <a:rPr lang="en-US" dirty="0"/>
               <a:t> = B0 + B1 * </a:t>
             </a:r>
             <a:r>
-              <a:rPr lang="en-US" dirty="0" err="1" smtClean="0"/>
+              <a:rPr lang="en-US" dirty="0" err="1"/>
               <a:t>sampleDays</a:t>
             </a:r>
             <a:r>
-              <a:rPr lang="en-US" dirty="0" smtClean="0"/>
+              <a:rPr lang="en-US" dirty="0"/>
               <a:t> + B2 * “</a:t>
             </a:r>
             <a:r>
-              <a:rPr lang="en-US" dirty="0" err="1" smtClean="0"/>
+              <a:rPr lang="en-US" dirty="0" err="1"/>
               <a:t>BeforeTreatment</a:t>
             </a:r>
             <a:r>
-              <a:rPr lang="en-US" dirty="0" smtClean="0"/>
+              <a:rPr lang="en-US" dirty="0"/>
               <a:t>” + B3 * “Recovery” + B4 * “stable”</a:t>
             </a:r>
           </a:p>
           <a:p>
             <a:r>
-              <a:rPr lang="en-US" dirty="0" smtClean="0"/>
+              <a:rPr lang="en-US" dirty="0"/>
               <a:t>		+ B5 * “</a:t>
             </a:r>
             <a:r>
-              <a:rPr lang="en-US" dirty="0" err="1" smtClean="0"/>
+              <a:rPr lang="en-US" dirty="0" err="1"/>
               <a:t>BeforeTreatment</a:t>
             </a:r>
             <a:r>
-              <a:rPr lang="en-US" dirty="0" smtClean="0"/>
+              <a:rPr lang="en-US" dirty="0"/>
               <a:t>*</a:t>
             </a:r>
             <a:r>
-              <a:rPr lang="en-US" dirty="0" err="1" smtClean="0"/>
+              <a:rPr lang="en-US" dirty="0" err="1"/>
               <a:t>sampleDays</a:t>
             </a:r>
             <a:r>
-              <a:rPr lang="en-US" dirty="0" smtClean="0"/>
+              <a:rPr lang="en-US" dirty="0"/>
               <a:t>” + B6 * “Recovery*</a:t>
             </a:r>
             <a:r>
-              <a:rPr lang="en-US" dirty="0" err="1" smtClean="0"/>
+              <a:rPr lang="en-US" dirty="0" err="1"/>
               <a:t>sampleDays</a:t>
             </a:r>
             <a:r>
-              <a:rPr lang="en-US" dirty="0" smtClean="0"/>
+              <a:rPr lang="en-US" dirty="0"/>
               <a:t>” </a:t>
             </a:r>
           </a:p>
           <a:p>
             <a:r>
-              <a:rPr lang="en-US" dirty="0" smtClean="0"/>
+              <a:rPr lang="en-US" dirty="0"/>
               <a:t>			+ B7 * “stable*</a:t>
             </a:r>
             <a:r>
-              <a:rPr lang="en-US" dirty="0" err="1" smtClean="0"/>
+              <a:rPr lang="en-US" dirty="0" err="1"/>
               <a:t>sampleDays</a:t>
             </a:r>
             <a:r>
-              <a:rPr lang="en-US" dirty="0" smtClean="0"/>
+              <a:rPr lang="en-US" dirty="0"/>
               <a:t>”</a:t>
             </a:r>
-            <a:endParaRPr lang="en-US" dirty="0"/>
           </a:p>
         </p:txBody>
       </p:sp>
@@ -6840,10 +6998,9 @@
           <a:lstStyle/>
           <a:p>
             <a:r>
-              <a:rPr lang="en-US" dirty="0" smtClean="0"/>
+              <a:rPr lang="en-US" dirty="0"/>
               <a:t>At the matrix level… </a:t>
             </a:r>
-            <a:endParaRPr lang="en-US" dirty="0"/>
           </a:p>
         </p:txBody>
       </p:sp>
@@ -6902,7 +7059,7 @@
           <a:lstStyle/>
           <a:p>
             <a:r>
-              <a:rPr lang="en-US" sz="1050" dirty="0" smtClean="0">
+              <a:rPr lang="en-US" sz="1050" dirty="0">
                 <a:latin typeface="Courier" pitchFamily="49" charset="0"/>
               </a:rPr>
               <a:t>B0</a:t>
@@ -6910,14 +7067,11 @@
           </a:p>
           <a:p>
             <a:r>
-              <a:rPr lang="en-US" sz="1050" dirty="0" smtClean="0">
+              <a:rPr lang="en-US" sz="1050" dirty="0">
                 <a:latin typeface="Courier" pitchFamily="49" charset="0"/>
               </a:rPr>
               <a:t>Intercept</a:t>
             </a:r>
-            <a:endParaRPr lang="en-US" sz="1050" dirty="0">
-              <a:latin typeface="Courier" pitchFamily="49" charset="0"/>
-            </a:endParaRPr>
           </a:p>
         </p:txBody>
       </p:sp>
@@ -6944,7 +7098,7 @@
           <a:lstStyle/>
           <a:p>
             <a:r>
-              <a:rPr lang="en-US" sz="1050" dirty="0" smtClean="0">
+              <a:rPr lang="en-US" sz="1050" dirty="0">
                 <a:latin typeface="Courier" pitchFamily="49" charset="0"/>
               </a:rPr>
               <a:t>B1</a:t>
@@ -6952,14 +7106,11 @@
           </a:p>
           <a:p>
             <a:r>
-              <a:rPr lang="en-US" sz="1050" dirty="0" smtClean="0">
+              <a:rPr lang="en-US" sz="1050" dirty="0">
                 <a:latin typeface="Courier" pitchFamily="49" charset="0"/>
               </a:rPr>
               <a:t>Time</a:t>
             </a:r>
-            <a:endParaRPr lang="en-US" sz="1050" dirty="0">
-              <a:latin typeface="Courier" pitchFamily="49" charset="0"/>
-            </a:endParaRPr>
           </a:p>
         </p:txBody>
       </p:sp>
@@ -7075,44 +7226,43 @@
           <a:lstStyle/>
           <a:p>
             <a:r>
-              <a:rPr lang="en-US" dirty="0" err="1" smtClean="0"/>
+              <a:rPr lang="en-US" dirty="0" err="1"/>
               <a:t>myLm</a:t>
             </a:r>
             <a:r>
-              <a:rPr lang="en-US" dirty="0" smtClean="0"/>
+              <a:rPr lang="en-US" dirty="0"/>
               <a:t> &lt;- lm ( </a:t>
             </a:r>
             <a:r>
-              <a:rPr lang="en-US" dirty="0" err="1" smtClean="0"/>
+              <a:rPr lang="en-US" dirty="0" err="1"/>
               <a:t>myT$LogBurk</a:t>
             </a:r>
             <a:r>
-              <a:rPr lang="en-US" dirty="0" smtClean="0"/>
+              <a:rPr lang="en-US" dirty="0"/>
               <a:t> ~ </a:t>
             </a:r>
             <a:r>
-              <a:rPr lang="en-US" dirty="0" err="1" smtClean="0"/>
+              <a:rPr lang="en-US" dirty="0" err="1"/>
               <a:t>myT$sampleDays</a:t>
             </a:r>
             <a:r>
-              <a:rPr lang="en-US" dirty="0" smtClean="0"/>
+              <a:rPr lang="en-US" dirty="0"/>
               <a:t> * treatments, x=TRUE)</a:t>
             </a:r>
           </a:p>
           <a:p>
             <a:r>
-              <a:rPr lang="en-US" dirty="0" smtClean="0"/>
+              <a:rPr lang="en-US" dirty="0"/>
               <a:t>edit(</a:t>
             </a:r>
             <a:r>
-              <a:rPr lang="en-US" dirty="0" err="1" smtClean="0"/>
+              <a:rPr lang="en-US" dirty="0" err="1"/>
               <a:t>myLm$x</a:t>
             </a:r>
             <a:r>
-              <a:rPr lang="en-US" dirty="0" smtClean="0"/>
+              <a:rPr lang="en-US" dirty="0"/>
               <a:t>)</a:t>
             </a:r>
-            <a:endParaRPr lang="en-US" dirty="0"/>
           </a:p>
         </p:txBody>
       </p:sp>
@@ -7139,10 +7289,9 @@
           <a:lstStyle/>
           <a:p>
             <a:r>
-              <a:rPr lang="en-US" sz="1400" dirty="0" smtClean="0"/>
+              <a:rPr lang="en-US" sz="1400" dirty="0"/>
               <a:t>“Dummy variables” controlling intercept values</a:t>
             </a:r>
-            <a:endParaRPr lang="en-US" sz="1400" dirty="0"/>
           </a:p>
         </p:txBody>
       </p:sp>
@@ -7169,11 +7318,105 @@
           <a:lstStyle/>
           <a:p>
             <a:r>
-              <a:rPr lang="en-US" sz="1050" dirty="0" smtClean="0">
+              <a:rPr lang="en-US" sz="1050" dirty="0">
                 <a:latin typeface="Courier" pitchFamily="49" charset="0"/>
               </a:rPr>
               <a:t>B2</a:t>
             </a:r>
+          </a:p>
+        </p:txBody>
+      </p:sp>
+      <p:sp>
+        <p:nvSpPr>
+          <p:cNvPr id="26" name="TextBox 25"/>
+          <p:cNvSpPr txBox="1"/>
+          <p:nvPr/>
+        </p:nvSpPr>
+        <p:spPr>
+          <a:xfrm>
+            <a:off x="3383280" y="4724400"/>
+            <a:ext cx="344966" cy="253916"/>
+          </a:xfrm>
+          <a:prstGeom prst="rect">
+            <a:avLst/>
+          </a:prstGeom>
+          <a:noFill/>
+        </p:spPr>
+        <p:txBody>
+          <a:bodyPr wrap="none" rtlCol="0">
+            <a:spAutoFit/>
+          </a:bodyPr>
+          <a:lstStyle/>
+          <a:p>
+            <a:r>
+              <a:rPr lang="en-US" sz="1050" dirty="0">
+                <a:latin typeface="Courier" pitchFamily="49" charset="0"/>
+              </a:rPr>
+              <a:t>B3</a:t>
+            </a:r>
+          </a:p>
+        </p:txBody>
+      </p:sp>
+      <p:sp>
+        <p:nvSpPr>
+          <p:cNvPr id="27" name="TextBox 26"/>
+          <p:cNvSpPr txBox="1"/>
+          <p:nvPr/>
+        </p:nvSpPr>
+        <p:spPr>
+          <a:xfrm>
+            <a:off x="4373880" y="4724400"/>
+            <a:ext cx="344966" cy="253916"/>
+          </a:xfrm>
+          <a:prstGeom prst="rect">
+            <a:avLst/>
+          </a:prstGeom>
+          <a:noFill/>
+        </p:spPr>
+        <p:txBody>
+          <a:bodyPr wrap="none" rtlCol="0">
+            <a:spAutoFit/>
+          </a:bodyPr>
+          <a:lstStyle/>
+          <a:p>
+            <a:r>
+              <a:rPr lang="en-US" sz="1050" dirty="0">
+                <a:latin typeface="Courier" pitchFamily="49" charset="0"/>
+              </a:rPr>
+              <a:t>B4</a:t>
+            </a:r>
+          </a:p>
+        </p:txBody>
+      </p:sp>
+      <p:sp>
+        <p:nvSpPr>
+          <p:cNvPr id="28" name="TextBox 27"/>
+          <p:cNvSpPr txBox="1"/>
+          <p:nvPr/>
+        </p:nvSpPr>
+        <p:spPr>
+          <a:xfrm>
+            <a:off x="1600200" y="4978442"/>
+            <a:ext cx="1386918" cy="253916"/>
+          </a:xfrm>
+          <a:prstGeom prst="rect">
+            <a:avLst/>
+          </a:prstGeom>
+          <a:noFill/>
+        </p:spPr>
+        <p:txBody>
+          <a:bodyPr wrap="none" rtlCol="0">
+            <a:spAutoFit/>
+          </a:bodyPr>
+          <a:lstStyle/>
+          <a:p>
+            <a:pPr algn="ctr"/>
+            <a:r>
+              <a:rPr lang="en-US" sz="1050" dirty="0" err="1">
+                <a:latin typeface="Courier" pitchFamily="49" charset="0"/>
+              </a:rPr>
+              <a:t>beforeTreatment</a:t>
+            </a:r>
             <a:endParaRPr lang="en-US" sz="1050" dirty="0">
               <a:latin typeface="Courier" pitchFamily="49" charset="0"/>
             </a:endParaRPr>
@@ -7182,14 +7425,14 @@
       </p:sp>
       <p:sp>
         <p:nvSpPr>
-          <p:cNvPr id="26" name="TextBox 25"/>
+          <p:cNvPr id="30" name="TextBox 29"/>
           <p:cNvSpPr txBox="1"/>
           <p:nvPr/>
         </p:nvSpPr>
         <p:spPr>
           <a:xfrm>
-            <a:off x="3383280" y="4724400"/>
-            <a:ext cx="344966" cy="253916"/>
+            <a:off x="3136533" y="4978442"/>
+            <a:ext cx="825867" cy="253916"/>
           </a:xfrm>
           <a:prstGeom prst="rect">
             <a:avLst/>
@@ -7202,149 +7445,13 @@
           </a:bodyPr>
           <a:lstStyle/>
           <a:p>
-            <a:r>
-              <a:rPr lang="en-US" sz="1050" dirty="0" smtClean="0">
-                <a:latin typeface="Courier" pitchFamily="49" charset="0"/>
-              </a:rPr>
-              <a:t>B3</a:t>
-            </a:r>
-            <a:endParaRPr lang="en-US" sz="1050" dirty="0">
-              <a:latin typeface="Courier" pitchFamily="49" charset="0"/>
-            </a:endParaRPr>
-          </a:p>
-        </p:txBody>
-      </p:sp>
-      <p:sp>
-        <p:nvSpPr>
-          <p:cNvPr id="27" name="TextBox 26"/>
-          <p:cNvSpPr txBox="1"/>
-          <p:nvPr/>
-        </p:nvSpPr>
-        <p:spPr>
-          <a:xfrm>
-            <a:off x="4373880" y="4724400"/>
-            <a:ext cx="344966" cy="253916"/>
-          </a:xfrm>
-          <a:prstGeom prst="rect">
-            <a:avLst/>
-          </a:prstGeom>
-          <a:noFill/>
-        </p:spPr>
-        <p:txBody>
-          <a:bodyPr wrap="none" rtlCol="0">
-            <a:spAutoFit/>
-          </a:bodyPr>
-          <a:lstStyle/>
-          <a:p>
-            <a:r>
-              <a:rPr lang="en-US" sz="1050" dirty="0" smtClean="0">
-                <a:latin typeface="Courier" pitchFamily="49" charset="0"/>
-              </a:rPr>
-              <a:t>B4</a:t>
-            </a:r>
-            <a:endParaRPr lang="en-US" sz="1050" dirty="0">
-              <a:latin typeface="Courier" pitchFamily="49" charset="0"/>
-            </a:endParaRPr>
-          </a:p>
-        </p:txBody>
-      </p:sp>
-      <p:sp>
-        <p:nvSpPr>
-          <p:cNvPr id="28" name="TextBox 27"/>
-          <p:cNvSpPr txBox="1"/>
-          <p:nvPr/>
-        </p:nvSpPr>
-        <p:spPr>
-          <a:xfrm>
-            <a:off x="1600200" y="4978442"/>
-            <a:ext cx="1386918" cy="253916"/>
-          </a:xfrm>
-          <a:prstGeom prst="rect">
-            <a:avLst/>
-          </a:prstGeom>
-          <a:noFill/>
-        </p:spPr>
-        <p:txBody>
-          <a:bodyPr wrap="none" rtlCol="0">
-            <a:spAutoFit/>
-          </a:bodyPr>
-          <a:lstStyle/>
-          <a:p>
             <a:pPr algn="ctr"/>
             <a:r>
-              <a:rPr lang="en-US" sz="1050" dirty="0" err="1" smtClean="0">
-                <a:latin typeface="Courier" pitchFamily="49" charset="0"/>
-              </a:rPr>
-              <a:t>beforeTreatment</a:t>
-            </a:r>
-            <a:endParaRPr lang="en-US" sz="1050" dirty="0">
-              <a:latin typeface="Courier" pitchFamily="49" charset="0"/>
-            </a:endParaRPr>
-          </a:p>
-        </p:txBody>
-      </p:sp>
-      <p:sp>
-        <p:nvSpPr>
-          <p:cNvPr id="29" name="TextBox 28"/>
-          <p:cNvSpPr txBox="1"/>
-          <p:nvPr/>
-        </p:nvSpPr>
-        <p:spPr>
-          <a:xfrm>
-            <a:off x="1034214" y="6031468"/>
-            <a:ext cx="5595186" cy="369332"/>
-          </a:xfrm>
-          <a:prstGeom prst="rect">
-            <a:avLst/>
-          </a:prstGeom>
-          <a:noFill/>
-        </p:spPr>
-        <p:txBody>
-          <a:bodyPr wrap="none" rtlCol="0">
-            <a:spAutoFit/>
-          </a:bodyPr>
-          <a:lstStyle/>
-          <a:p>
-            <a:r>
-              <a:rPr lang="en-US" dirty="0" smtClean="0"/>
-              <a:t>Dummy variables have no two rows with a non-zero value</a:t>
-            </a:r>
-            <a:endParaRPr lang="en-US" dirty="0"/>
-          </a:p>
-        </p:txBody>
-      </p:sp>
-      <p:sp>
-        <p:nvSpPr>
-          <p:cNvPr id="30" name="TextBox 29"/>
-          <p:cNvSpPr txBox="1"/>
-          <p:nvPr/>
-        </p:nvSpPr>
-        <p:spPr>
-          <a:xfrm>
-            <a:off x="3136533" y="4978442"/>
-            <a:ext cx="825867" cy="253916"/>
-          </a:xfrm>
-          <a:prstGeom prst="rect">
-            <a:avLst/>
-          </a:prstGeom>
-          <a:noFill/>
-        </p:spPr>
-        <p:txBody>
-          <a:bodyPr wrap="none" rtlCol="0">
-            <a:spAutoFit/>
-          </a:bodyPr>
-          <a:lstStyle/>
-          <a:p>
-            <a:pPr algn="ctr"/>
-            <a:r>
-              <a:rPr lang="en-US" sz="1050" dirty="0" smtClean="0">
+              <a:rPr lang="en-US" sz="1050" dirty="0">
                 <a:latin typeface="Courier" pitchFamily="49" charset="0"/>
               </a:rPr>
               <a:t>Recovery</a:t>
             </a:r>
-            <a:endParaRPr lang="en-US" sz="1050" dirty="0">
-              <a:latin typeface="Courier" pitchFamily="49" charset="0"/>
-            </a:endParaRPr>
           </a:p>
         </p:txBody>
       </p:sp>
@@ -7372,14 +7479,11 @@
           <a:p>
             <a:pPr algn="ctr"/>
             <a:r>
-              <a:rPr lang="en-US" sz="1050" dirty="0" smtClean="0">
+              <a:rPr lang="en-US" sz="1050" dirty="0">
                 <a:latin typeface="Courier" pitchFamily="49" charset="0"/>
               </a:rPr>
               <a:t>Treatment</a:t>
             </a:r>
-            <a:endParaRPr lang="en-US" sz="1050" dirty="0">
-              <a:latin typeface="Courier" pitchFamily="49" charset="0"/>
-            </a:endParaRPr>
           </a:p>
         </p:txBody>
       </p:sp>
@@ -7496,10 +7600,9 @@
           <a:lstStyle/>
           <a:p>
             <a:r>
-              <a:rPr lang="en-US" sz="1400" dirty="0" smtClean="0"/>
+              <a:rPr lang="en-US" sz="1400" dirty="0"/>
               <a:t>“Dummy variables” controlling slope values</a:t>
             </a:r>
-            <a:endParaRPr lang="en-US" sz="1400" dirty="0"/>
           </a:p>
         </p:txBody>
       </p:sp>
@@ -7526,129 +7629,117 @@
           <a:lstStyle/>
           <a:p>
             <a:r>
-              <a:rPr lang="en-US" sz="1050" dirty="0" smtClean="0">
+              <a:rPr lang="en-US" sz="1050" dirty="0">
                 <a:latin typeface="Courier" pitchFamily="49" charset="0"/>
               </a:rPr>
               <a:t>B5</a:t>
             </a:r>
+          </a:p>
+        </p:txBody>
+      </p:sp>
+      <p:sp>
+        <p:nvSpPr>
+          <p:cNvPr id="37" name="TextBox 36"/>
+          <p:cNvSpPr txBox="1"/>
+          <p:nvPr/>
+        </p:nvSpPr>
+        <p:spPr>
+          <a:xfrm>
+            <a:off x="7574280" y="4721423"/>
+            <a:ext cx="344966" cy="253916"/>
+          </a:xfrm>
+          <a:prstGeom prst="rect">
+            <a:avLst/>
+          </a:prstGeom>
+          <a:noFill/>
+        </p:spPr>
+        <p:txBody>
+          <a:bodyPr wrap="none" rtlCol="0">
+            <a:spAutoFit/>
+          </a:bodyPr>
+          <a:lstStyle/>
+          <a:p>
+            <a:r>
+              <a:rPr lang="en-US" sz="1050" dirty="0">
+                <a:latin typeface="Courier" pitchFamily="49" charset="0"/>
+              </a:rPr>
+              <a:t>B6</a:t>
+            </a:r>
+          </a:p>
+        </p:txBody>
+      </p:sp>
+      <p:sp>
+        <p:nvSpPr>
+          <p:cNvPr id="38" name="TextBox 37"/>
+          <p:cNvSpPr txBox="1"/>
+          <p:nvPr/>
+        </p:nvSpPr>
+        <p:spPr>
+          <a:xfrm>
+            <a:off x="8323947" y="4721423"/>
+            <a:ext cx="344966" cy="253916"/>
+          </a:xfrm>
+          <a:prstGeom prst="rect">
+            <a:avLst/>
+          </a:prstGeom>
+          <a:noFill/>
+        </p:spPr>
+        <p:txBody>
+          <a:bodyPr wrap="none" rtlCol="0">
+            <a:spAutoFit/>
+          </a:bodyPr>
+          <a:lstStyle/>
+          <a:p>
+            <a:r>
+              <a:rPr lang="en-US" sz="1050" dirty="0">
+                <a:latin typeface="Courier" pitchFamily="49" charset="0"/>
+              </a:rPr>
+              <a:t>B7</a:t>
+            </a:r>
+          </a:p>
+        </p:txBody>
+      </p:sp>
+      <p:sp>
+        <p:nvSpPr>
+          <p:cNvPr id="39" name="TextBox 38"/>
+          <p:cNvSpPr txBox="1"/>
+          <p:nvPr/>
+        </p:nvSpPr>
+        <p:spPr>
+          <a:xfrm>
+            <a:off x="5410200" y="4975465"/>
+            <a:ext cx="1386918" cy="415498"/>
+          </a:xfrm>
+          <a:prstGeom prst="rect">
+            <a:avLst/>
+          </a:prstGeom>
+          <a:noFill/>
+        </p:spPr>
+        <p:txBody>
+          <a:bodyPr wrap="none" rtlCol="0">
+            <a:spAutoFit/>
+          </a:bodyPr>
+          <a:lstStyle/>
+          <a:p>
+            <a:pPr algn="ctr"/>
+            <a:r>
+              <a:rPr lang="en-US" sz="1050" dirty="0" err="1">
+                <a:latin typeface="Courier" pitchFamily="49" charset="0"/>
+              </a:rPr>
+              <a:t>beforeTreatment</a:t>
+            </a:r>
             <a:endParaRPr lang="en-US" sz="1050" dirty="0">
               <a:latin typeface="Courier" pitchFamily="49" charset="0"/>
             </a:endParaRPr>
           </a:p>
-        </p:txBody>
-      </p:sp>
-      <p:sp>
-        <p:nvSpPr>
-          <p:cNvPr id="37" name="TextBox 36"/>
-          <p:cNvSpPr txBox="1"/>
-          <p:nvPr/>
-        </p:nvSpPr>
-        <p:spPr>
-          <a:xfrm>
-            <a:off x="7574280" y="4721423"/>
-            <a:ext cx="344966" cy="253916"/>
-          </a:xfrm>
-          <a:prstGeom prst="rect">
-            <a:avLst/>
-          </a:prstGeom>
-          <a:noFill/>
-        </p:spPr>
-        <p:txBody>
-          <a:bodyPr wrap="none" rtlCol="0">
-            <a:spAutoFit/>
-          </a:bodyPr>
-          <a:lstStyle/>
-          <a:p>
-            <a:r>
-              <a:rPr lang="en-US" sz="1050" dirty="0" smtClean="0">
-                <a:latin typeface="Courier" pitchFamily="49" charset="0"/>
-              </a:rPr>
-              <a:t>B6</a:t>
-            </a:r>
-            <a:endParaRPr lang="en-US" sz="1050" dirty="0">
-              <a:latin typeface="Courier" pitchFamily="49" charset="0"/>
-            </a:endParaRPr>
-          </a:p>
-        </p:txBody>
-      </p:sp>
-      <p:sp>
-        <p:nvSpPr>
-          <p:cNvPr id="38" name="TextBox 37"/>
-          <p:cNvSpPr txBox="1"/>
-          <p:nvPr/>
-        </p:nvSpPr>
-        <p:spPr>
-          <a:xfrm>
-            <a:off x="8323947" y="4721423"/>
-            <a:ext cx="344966" cy="253916"/>
-          </a:xfrm>
-          <a:prstGeom prst="rect">
-            <a:avLst/>
-          </a:prstGeom>
-          <a:noFill/>
-        </p:spPr>
-        <p:txBody>
-          <a:bodyPr wrap="none" rtlCol="0">
-            <a:spAutoFit/>
-          </a:bodyPr>
-          <a:lstStyle/>
-          <a:p>
-            <a:r>
-              <a:rPr lang="en-US" sz="1050" dirty="0" smtClean="0">
-                <a:latin typeface="Courier" pitchFamily="49" charset="0"/>
-              </a:rPr>
-              <a:t>B7</a:t>
-            </a:r>
-            <a:endParaRPr lang="en-US" sz="1050" dirty="0">
-              <a:latin typeface="Courier" pitchFamily="49" charset="0"/>
-            </a:endParaRPr>
-          </a:p>
-        </p:txBody>
-      </p:sp>
-      <p:sp>
-        <p:nvSpPr>
-          <p:cNvPr id="39" name="TextBox 38"/>
-          <p:cNvSpPr txBox="1"/>
-          <p:nvPr/>
-        </p:nvSpPr>
-        <p:spPr>
-          <a:xfrm>
-            <a:off x="5410200" y="4975465"/>
-            <a:ext cx="1386918" cy="415498"/>
-          </a:xfrm>
-          <a:prstGeom prst="rect">
-            <a:avLst/>
-          </a:prstGeom>
-          <a:noFill/>
-        </p:spPr>
-        <p:txBody>
-          <a:bodyPr wrap="none" rtlCol="0">
-            <a:spAutoFit/>
-          </a:bodyPr>
-          <a:lstStyle/>
           <a:p>
             <a:pPr algn="ctr"/>
             <a:r>
-              <a:rPr lang="en-US" sz="1050" dirty="0" err="1" smtClean="0">
-                <a:latin typeface="Courier" pitchFamily="49" charset="0"/>
-              </a:rPr>
-              <a:t>beforeTreatment</a:t>
-            </a:r>
-            <a:endParaRPr lang="en-US" sz="1050" dirty="0" smtClean="0">
-              <a:latin typeface="Courier" pitchFamily="49" charset="0"/>
-            </a:endParaRPr>
-          </a:p>
-          <a:p>
-            <a:pPr algn="ctr"/>
-            <a:r>
-              <a:rPr lang="en-US" sz="1050" dirty="0" smtClean="0">
+              <a:rPr lang="en-US" sz="1050" dirty="0">
                 <a:latin typeface="Courier" pitchFamily="49" charset="0"/>
               </a:rPr>
               <a:t>*study days</a:t>
             </a:r>
-            <a:endParaRPr lang="en-US" sz="1050" dirty="0">
-              <a:latin typeface="Courier" pitchFamily="49" charset="0"/>
-            </a:endParaRPr>
           </a:p>
         </p:txBody>
       </p:sp>
@@ -7676,7 +7767,7 @@
           <a:p>
             <a:pPr algn="ctr"/>
             <a:r>
-              <a:rPr lang="en-US" sz="1050" dirty="0" smtClean="0">
+              <a:rPr lang="en-US" sz="1050" dirty="0">
                 <a:latin typeface="Courier" pitchFamily="49" charset="0"/>
               </a:rPr>
               <a:t>Recovery</a:t>
@@ -7685,14 +7776,11 @@
           <a:p>
             <a:pPr algn="ctr"/>
             <a:r>
-              <a:rPr lang="en-US" sz="1050" dirty="0" smtClean="0">
+              <a:rPr lang="en-US" sz="1050" dirty="0">
                 <a:latin typeface="Courier" pitchFamily="49" charset="0"/>
               </a:rPr>
               <a:t>*study days</a:t>
             </a:r>
-            <a:endParaRPr lang="en-US" sz="1050" dirty="0">
-              <a:latin typeface="Courier" pitchFamily="49" charset="0"/>
-            </a:endParaRPr>
           </a:p>
         </p:txBody>
       </p:sp>
@@ -7720,7 +7808,7 @@
           <a:p>
             <a:pPr algn="ctr"/>
             <a:r>
-              <a:rPr lang="en-US" sz="1050" dirty="0" smtClean="0">
+              <a:rPr lang="en-US" sz="1050" dirty="0">
                 <a:latin typeface="Courier" pitchFamily="49" charset="0"/>
               </a:rPr>
               <a:t>Treatment</a:t>
@@ -7729,14 +7817,11 @@
           <a:p>
             <a:pPr algn="ctr"/>
             <a:r>
-              <a:rPr lang="en-US" sz="1050" dirty="0" smtClean="0">
+              <a:rPr lang="en-US" sz="1050" dirty="0">
                 <a:latin typeface="Courier" pitchFamily="49" charset="0"/>
               </a:rPr>
               <a:t>*study days</a:t>
             </a:r>
-            <a:endParaRPr lang="en-US" sz="1050" dirty="0">
-              <a:latin typeface="Courier" pitchFamily="49" charset="0"/>
-            </a:endParaRPr>
           </a:p>
         </p:txBody>
       </p:sp>
@@ -7788,10 +7873,9 @@
           <a:lstStyle/>
           <a:p>
             <a:r>
-              <a:rPr lang="en-US" dirty="0" smtClean="0"/>
+              <a:rPr lang="en-US" dirty="0"/>
               <a:t>Do we need all of these parameters?</a:t>
             </a:r>
-            <a:endParaRPr lang="en-US" dirty="0"/>
           </a:p>
         </p:txBody>
       </p:sp>
@@ -7818,74 +7902,73 @@
           <a:lstStyle/>
           <a:p>
             <a:r>
-              <a:rPr lang="en-US" dirty="0" err="1" smtClean="0"/>
+              <a:rPr lang="en-US" dirty="0" err="1"/>
               <a:t>logBurk</a:t>
             </a:r>
             <a:r>
-              <a:rPr lang="en-US" dirty="0" smtClean="0"/>
+              <a:rPr lang="en-US" dirty="0"/>
               <a:t> = B0 + B1 * </a:t>
             </a:r>
             <a:r>
-              <a:rPr lang="en-US" dirty="0" err="1" smtClean="0"/>
+              <a:rPr lang="en-US" dirty="0" err="1"/>
               <a:t>sampleDays</a:t>
             </a:r>
             <a:r>
-              <a:rPr lang="en-US" dirty="0" smtClean="0"/>
+              <a:rPr lang="en-US" dirty="0"/>
               <a:t> + B2 * “</a:t>
             </a:r>
             <a:r>
-              <a:rPr lang="en-US" dirty="0" err="1" smtClean="0"/>
+              <a:rPr lang="en-US" dirty="0" err="1"/>
               <a:t>BeforeTreatment</a:t>
             </a:r>
             <a:r>
-              <a:rPr lang="en-US" dirty="0" smtClean="0"/>
+              <a:rPr lang="en-US" dirty="0"/>
               <a:t>” + B3 * “Recovery” + B4 * “stable”</a:t>
             </a:r>
           </a:p>
           <a:p>
             <a:r>
-              <a:rPr lang="en-US" dirty="0" smtClean="0"/>
+              <a:rPr lang="en-US" dirty="0"/>
               <a:t>		+ B5 * “</a:t>
             </a:r>
             <a:r>
-              <a:rPr lang="en-US" dirty="0" err="1" smtClean="0"/>
+              <a:rPr lang="en-US" dirty="0" err="1"/>
               <a:t>BeforeTreatment</a:t>
             </a:r>
             <a:r>
-              <a:rPr lang="en-US" dirty="0" smtClean="0"/>
+              <a:rPr lang="en-US" dirty="0"/>
               <a:t>*</a:t>
             </a:r>
             <a:r>
-              <a:rPr lang="en-US" dirty="0" err="1" smtClean="0"/>
+              <a:rPr lang="en-US" dirty="0" err="1"/>
               <a:t>sampleDays</a:t>
             </a:r>
             <a:r>
-              <a:rPr lang="en-US" dirty="0" smtClean="0"/>
+              <a:rPr lang="en-US" dirty="0"/>
               <a:t>” + B6 * “Recovery*</a:t>
             </a:r>
             <a:r>
-              <a:rPr lang="en-US" dirty="0" err="1" smtClean="0"/>
+              <a:rPr lang="en-US" dirty="0" err="1"/>
               <a:t>sampleDays</a:t>
             </a:r>
             <a:r>
-              <a:rPr lang="en-US" dirty="0" smtClean="0"/>
+              <a:rPr lang="en-US" dirty="0"/>
               <a:t>” </a:t>
             </a:r>
           </a:p>
           <a:p>
             <a:r>
-              <a:rPr lang="en-US" dirty="0" smtClean="0"/>
+              <a:rPr lang="en-US" dirty="0"/>
               <a:t>			+ B7 * “stable*</a:t>
             </a:r>
             <a:r>
-              <a:rPr lang="en-US" dirty="0" err="1" smtClean="0"/>
+              <a:rPr lang="en-US" dirty="0" err="1"/>
               <a:t>sampleDays</a:t>
             </a:r>
             <a:r>
-              <a:rPr lang="en-US" dirty="0" smtClean="0"/>
+              <a:rPr lang="en-US" dirty="0"/>
               <a:t>”</a:t>
             </a:r>
-            <a:endParaRPr lang="en-US" dirty="0"/>
           </a:p>
         </p:txBody>
       </p:sp>
@@ -7912,10 +7995,9 @@
           <a:lstStyle/>
           <a:p>
             <a:r>
-              <a:rPr lang="en-US" dirty="0" smtClean="0"/>
+              <a:rPr lang="en-US" dirty="0"/>
               <a:t>Can we get rid of the interaction terms?</a:t>
             </a:r>
-            <a:endParaRPr lang="en-US" dirty="0"/>
           </a:p>
         </p:txBody>
       </p:sp>
@@ -7942,10 +8024,9 @@
           <a:lstStyle/>
           <a:p>
             <a:r>
-              <a:rPr lang="en-US" dirty="0" smtClean="0"/>
+              <a:rPr lang="en-US" dirty="0"/>
               <a:t>Full model (allows slopes to vary with antibiotic treatments)</a:t>
             </a:r>
-            <a:endParaRPr lang="en-US" dirty="0"/>
           </a:p>
         </p:txBody>
       </p:sp>
@@ -7972,10 +8053,9 @@
           <a:lstStyle/>
           <a:p>
             <a:r>
-              <a:rPr lang="en-US" dirty="0" smtClean="0"/>
+              <a:rPr lang="en-US" dirty="0"/>
               <a:t>Reduced model (one slope for all data)</a:t>
             </a:r>
-            <a:endParaRPr lang="en-US" dirty="0"/>
           </a:p>
         </p:txBody>
       </p:sp>
@@ -8091,25 +8171,24 @@
           <a:lstStyle/>
           <a:p>
             <a:r>
-              <a:rPr lang="en-US" dirty="0" smtClean="0"/>
+              <a:rPr lang="en-US" dirty="0"/>
               <a:t>Our first model comparison:</a:t>
             </a:r>
           </a:p>
           <a:p>
-            <a:endParaRPr lang="en-US" dirty="0" smtClean="0"/>
-          </a:p>
-          <a:p>
-            <a:r>
-              <a:rPr lang="en-US" dirty="0" smtClean="0"/>
+            <a:endParaRPr lang="en-US" dirty="0"/>
+          </a:p>
+          <a:p>
+            <a:r>
+              <a:rPr lang="en-US" dirty="0"/>
               <a:t>The full model:</a:t>
             </a:r>
           </a:p>
           <a:p>
             <a:r>
-              <a:rPr lang="en-US" dirty="0" smtClean="0"/>
+              <a:rPr lang="en-US" dirty="0"/>
               <a:t>	</a:t>
             </a:r>
-            <a:endParaRPr lang="en-US" dirty="0"/>
           </a:p>
         </p:txBody>
       </p:sp>
@@ -8135,22 +8214,21 @@
           <a:lstStyle/>
           <a:p>
             <a:r>
-              <a:rPr lang="en-US" dirty="0" err="1" smtClean="0"/>
+              <a:rPr lang="en-US" dirty="0" err="1"/>
               <a:t>myT$LogBurk</a:t>
             </a:r>
             <a:r>
-              <a:rPr lang="en-US" dirty="0" smtClean="0"/>
+              <a:rPr lang="en-US" dirty="0"/>
               <a:t> ~ </a:t>
             </a:r>
             <a:r>
-              <a:rPr lang="en-US" dirty="0" err="1" smtClean="0"/>
+              <a:rPr lang="en-US" dirty="0" err="1"/>
               <a:t>myT$sampleDays</a:t>
             </a:r>
             <a:r>
-              <a:rPr lang="en-US" dirty="0" smtClean="0"/>
+              <a:rPr lang="en-US" dirty="0"/>
               <a:t> * treatments</a:t>
             </a:r>
-            <a:endParaRPr lang="en-US" dirty="0"/>
           </a:p>
         </p:txBody>
       </p:sp>
@@ -8176,10 +8254,9 @@
           <a:lstStyle/>
           <a:p>
             <a:r>
-              <a:rPr lang="en-US" dirty="0" smtClean="0"/>
+              <a:rPr lang="en-US" dirty="0"/>
               <a:t>The reduced model:</a:t>
             </a:r>
-            <a:endParaRPr lang="en-US" dirty="0"/>
           </a:p>
         </p:txBody>
       </p:sp>
@@ -8205,22 +8282,21 @@
           <a:lstStyle/>
           <a:p>
             <a:r>
-              <a:rPr lang="en-US" dirty="0" err="1" smtClean="0"/>
+              <a:rPr lang="en-US" dirty="0" err="1"/>
               <a:t>myT$LogBurk</a:t>
             </a:r>
             <a:r>
-              <a:rPr lang="en-US" dirty="0" smtClean="0"/>
+              <a:rPr lang="en-US" dirty="0"/>
               <a:t> ~ </a:t>
             </a:r>
             <a:r>
-              <a:rPr lang="en-US" dirty="0" err="1" smtClean="0"/>
+              <a:rPr lang="en-US" dirty="0" err="1"/>
               <a:t>myT$sampleDays</a:t>
             </a:r>
             <a:r>
-              <a:rPr lang="en-US" dirty="0" smtClean="0"/>
+              <a:rPr lang="en-US" dirty="0"/>
               <a:t> + treatments</a:t>
             </a:r>
-            <a:endParaRPr lang="en-US" dirty="0"/>
           </a:p>
         </p:txBody>
       </p:sp>
@@ -8247,22 +8323,21 @@
           <a:lstStyle/>
           <a:p>
             <a:r>
-              <a:rPr lang="en-US" dirty="0" smtClean="0"/>
+              <a:rPr lang="en-US" dirty="0"/>
               <a:t>In the reduced model, B5-B7 are set to zero.</a:t>
             </a:r>
           </a:p>
           <a:p>
             <a:r>
-              <a:rPr lang="en-US" dirty="0" smtClean="0"/>
+              <a:rPr lang="en-US" dirty="0"/>
               <a:t>That is, there is no interaction between treatment and time.</a:t>
             </a:r>
           </a:p>
           <a:p>
             <a:r>
-              <a:rPr lang="en-US" dirty="0" smtClean="0"/>
+              <a:rPr lang="en-US" dirty="0"/>
               <a:t>That is, all the data can be fit with a single slope. </a:t>
             </a:r>
-            <a:endParaRPr lang="en-US" dirty="0"/>
           </a:p>
         </p:txBody>
       </p:sp>
@@ -8314,11 +8389,11 @@
           <a:lstStyle/>
           <a:p>
             <a:r>
-              <a:rPr lang="en-US" dirty="0" smtClean="0"/>
+              <a:rPr lang="en-US" dirty="0"/>
               <a:t>At the matrix level…  </a:t>
             </a:r>
             <a:r>
-              <a:rPr lang="en-US" dirty="0" smtClean="0">
+              <a:rPr lang="en-US" dirty="0">
                 <a:solidFill>
                   <a:srgbClr val="FF0000"/>
                 </a:solidFill>
@@ -8326,10 +8401,9 @@
               <a:t>the full model</a:t>
             </a:r>
             <a:r>
-              <a:rPr lang="en-US" dirty="0" smtClean="0"/>
+              <a:rPr lang="en-US" dirty="0"/>
               <a:t> </a:t>
             </a:r>
-            <a:endParaRPr lang="en-US" dirty="0"/>
           </a:p>
         </p:txBody>
       </p:sp>
@@ -8388,7 +8462,7 @@
           <a:lstStyle/>
           <a:p>
             <a:r>
-              <a:rPr lang="en-US" sz="1050" dirty="0" smtClean="0">
+              <a:rPr lang="en-US" sz="1050" dirty="0">
                 <a:latin typeface="Courier" pitchFamily="49" charset="0"/>
               </a:rPr>
               <a:t>B0</a:t>
@@ -8396,14 +8470,11 @@
           </a:p>
           <a:p>
             <a:r>
-              <a:rPr lang="en-US" sz="1050" dirty="0" smtClean="0">
+              <a:rPr lang="en-US" sz="1050" dirty="0">
                 <a:latin typeface="Courier" pitchFamily="49" charset="0"/>
               </a:rPr>
               <a:t>Intercept</a:t>
             </a:r>
-            <a:endParaRPr lang="en-US" sz="1050" dirty="0">
-              <a:latin typeface="Courier" pitchFamily="49" charset="0"/>
-            </a:endParaRPr>
           </a:p>
         </p:txBody>
       </p:sp>
@@ -8430,7 +8501,7 @@
           <a:lstStyle/>
           <a:p>
             <a:r>
-              <a:rPr lang="en-US" sz="1050" dirty="0" smtClean="0">
+              <a:rPr lang="en-US" sz="1050" dirty="0">
                 <a:latin typeface="Courier" pitchFamily="49" charset="0"/>
               </a:rPr>
               <a:t>B1</a:t>
@@ -8438,14 +8509,11 @@
           </a:p>
           <a:p>
             <a:r>
-              <a:rPr lang="en-US" sz="1050" dirty="0" smtClean="0">
+              <a:rPr lang="en-US" sz="1050" dirty="0">
                 <a:latin typeface="Courier" pitchFamily="49" charset="0"/>
               </a:rPr>
               <a:t>Time</a:t>
             </a:r>
-            <a:endParaRPr lang="en-US" sz="1050" dirty="0">
-              <a:latin typeface="Courier" pitchFamily="49" charset="0"/>
-            </a:endParaRPr>
           </a:p>
         </p:txBody>
       </p:sp>
@@ -8561,44 +8629,43 @@
           <a:lstStyle/>
           <a:p>
             <a:r>
-              <a:rPr lang="en-US" dirty="0" err="1" smtClean="0"/>
+              <a:rPr lang="en-US" dirty="0" err="1"/>
               <a:t>myLm</a:t>
             </a:r>
             <a:r>
-              <a:rPr lang="en-US" dirty="0" smtClean="0"/>
+              <a:rPr lang="en-US" dirty="0"/>
               <a:t> &lt;- lm ( </a:t>
             </a:r>
             <a:r>
-              <a:rPr lang="en-US" dirty="0" err="1" smtClean="0"/>
+              <a:rPr lang="en-US" dirty="0" err="1"/>
               <a:t>myT$LogBurk</a:t>
             </a:r>
             <a:r>
-              <a:rPr lang="en-US" dirty="0" smtClean="0"/>
+              <a:rPr lang="en-US" dirty="0"/>
               <a:t> ~ </a:t>
             </a:r>
             <a:r>
-              <a:rPr lang="en-US" dirty="0" err="1" smtClean="0"/>
+              <a:rPr lang="en-US" dirty="0" err="1"/>
               <a:t>myT$sampleDays</a:t>
             </a:r>
             <a:r>
-              <a:rPr lang="en-US" dirty="0" smtClean="0"/>
+              <a:rPr lang="en-US" dirty="0"/>
               <a:t> * treatments, x=TRUE)</a:t>
             </a:r>
           </a:p>
           <a:p>
             <a:r>
-              <a:rPr lang="en-US" dirty="0" smtClean="0"/>
+              <a:rPr lang="en-US" dirty="0"/>
               <a:t>edit(</a:t>
             </a:r>
             <a:r>
-              <a:rPr lang="en-US" dirty="0" err="1" smtClean="0"/>
+              <a:rPr lang="en-US" dirty="0" err="1"/>
               <a:t>myLm$x</a:t>
             </a:r>
             <a:r>
-              <a:rPr lang="en-US" dirty="0" smtClean="0"/>
+              <a:rPr lang="en-US" dirty="0"/>
               <a:t>)</a:t>
             </a:r>
-            <a:endParaRPr lang="en-US" dirty="0"/>
           </a:p>
         </p:txBody>
       </p:sp>
@@ -8625,10 +8692,9 @@
           <a:lstStyle/>
           <a:p>
             <a:r>
-              <a:rPr lang="en-US" sz="1400" dirty="0" smtClean="0"/>
+              <a:rPr lang="en-US" sz="1400" dirty="0"/>
               <a:t>“Dummy variables” controlling intercept values</a:t>
             </a:r>
-            <a:endParaRPr lang="en-US" sz="1400" dirty="0"/>
           </a:p>
         </p:txBody>
       </p:sp>
@@ -8655,11 +8721,105 @@
           <a:lstStyle/>
           <a:p>
             <a:r>
-              <a:rPr lang="en-US" sz="1050" dirty="0" smtClean="0">
+              <a:rPr lang="en-US" sz="1050" dirty="0">
                 <a:latin typeface="Courier" pitchFamily="49" charset="0"/>
               </a:rPr>
               <a:t>B2</a:t>
             </a:r>
+          </a:p>
+        </p:txBody>
+      </p:sp>
+      <p:sp>
+        <p:nvSpPr>
+          <p:cNvPr id="26" name="TextBox 25"/>
+          <p:cNvSpPr txBox="1"/>
+          <p:nvPr/>
+        </p:nvSpPr>
+        <p:spPr>
+          <a:xfrm>
+            <a:off x="3383280" y="4724400"/>
+            <a:ext cx="344966" cy="253916"/>
+          </a:xfrm>
+          <a:prstGeom prst="rect">
+            <a:avLst/>
+          </a:prstGeom>
+          <a:noFill/>
+        </p:spPr>
+        <p:txBody>
+          <a:bodyPr wrap="none" rtlCol="0">
+            <a:spAutoFit/>
+          </a:bodyPr>
+          <a:lstStyle/>
+          <a:p>
+            <a:r>
+              <a:rPr lang="en-US" sz="1050" dirty="0">
+                <a:latin typeface="Courier" pitchFamily="49" charset="0"/>
+              </a:rPr>
+              <a:t>B3</a:t>
+            </a:r>
+          </a:p>
+        </p:txBody>
+      </p:sp>
+      <p:sp>
+        <p:nvSpPr>
+          <p:cNvPr id="27" name="TextBox 26"/>
+          <p:cNvSpPr txBox="1"/>
+          <p:nvPr/>
+        </p:nvSpPr>
+        <p:spPr>
+          <a:xfrm>
+            <a:off x="4373880" y="4724400"/>
+            <a:ext cx="344966" cy="253916"/>
+          </a:xfrm>
+          <a:prstGeom prst="rect">
+            <a:avLst/>
+          </a:prstGeom>
+          <a:noFill/>
+        </p:spPr>
+        <p:txBody>
+          <a:bodyPr wrap="none" rtlCol="0">
+            <a:spAutoFit/>
+          </a:bodyPr>
+          <a:lstStyle/>
+          <a:p>
+            <a:r>
+              <a:rPr lang="en-US" sz="1050" dirty="0">
+                <a:latin typeface="Courier" pitchFamily="49" charset="0"/>
+              </a:rPr>
+              <a:t>B4</a:t>
+            </a:r>
+          </a:p>
+        </p:txBody>
+      </p:sp>
+      <p:sp>
+        <p:nvSpPr>
+          <p:cNvPr id="28" name="TextBox 27"/>
+          <p:cNvSpPr txBox="1"/>
+          <p:nvPr/>
+        </p:nvSpPr>
+        <p:spPr>
+          <a:xfrm>
+            <a:off x="1600200" y="4978442"/>
+            <a:ext cx="1386918" cy="253916"/>
+          </a:xfrm>
+          <a:prstGeom prst="rect">
+            <a:avLst/>
+          </a:prstGeom>
+          <a:noFill/>
+        </p:spPr>
+        <p:txBody>
+          <a:bodyPr wrap="none" rtlCol="0">
+            <a:spAutoFit/>
+          </a:bodyPr>
+          <a:lstStyle/>
+          <a:p>
+            <a:pPr algn="ctr"/>
+            <a:r>
+              <a:rPr lang="en-US" sz="1050" dirty="0" err="1">
+                <a:latin typeface="Courier" pitchFamily="49" charset="0"/>
+              </a:rPr>
+              <a:t>beforeTreatment</a:t>
+            </a:r>
             <a:endParaRPr lang="en-US" sz="1050" dirty="0">
               <a:latin typeface="Courier" pitchFamily="49" charset="0"/>
             </a:endParaRPr>
@@ -8668,14 +8828,14 @@
       </p:sp>
       <p:sp>
         <p:nvSpPr>
-          <p:cNvPr id="26" name="TextBox 25"/>
+          <p:cNvPr id="30" name="TextBox 29"/>
           <p:cNvSpPr txBox="1"/>
           <p:nvPr/>
         </p:nvSpPr>
         <p:spPr>
           <a:xfrm>
-            <a:off x="3383280" y="4724400"/>
-            <a:ext cx="344966" cy="253916"/>
+            <a:off x="3136533" y="4978442"/>
+            <a:ext cx="825867" cy="253916"/>
           </a:xfrm>
           <a:prstGeom prst="rect">
             <a:avLst/>
@@ -8688,119 +8848,13 @@
           </a:bodyPr>
           <a:lstStyle/>
           <a:p>
-            <a:r>
-              <a:rPr lang="en-US" sz="1050" dirty="0" smtClean="0">
-                <a:latin typeface="Courier" pitchFamily="49" charset="0"/>
-              </a:rPr>
-              <a:t>B3</a:t>
-            </a:r>
-            <a:endParaRPr lang="en-US" sz="1050" dirty="0">
-              <a:latin typeface="Courier" pitchFamily="49" charset="0"/>
-            </a:endParaRPr>
-          </a:p>
-        </p:txBody>
-      </p:sp>
-      <p:sp>
-        <p:nvSpPr>
-          <p:cNvPr id="27" name="TextBox 26"/>
-          <p:cNvSpPr txBox="1"/>
-          <p:nvPr/>
-        </p:nvSpPr>
-        <p:spPr>
-          <a:xfrm>
-            <a:off x="4373880" y="4724400"/>
-            <a:ext cx="344966" cy="253916"/>
-          </a:xfrm>
-          <a:prstGeom prst="rect">
-            <a:avLst/>
-          </a:prstGeom>
-          <a:noFill/>
-        </p:spPr>
-        <p:txBody>
-          <a:bodyPr wrap="none" rtlCol="0">
-            <a:spAutoFit/>
-          </a:bodyPr>
-          <a:lstStyle/>
-          <a:p>
-            <a:r>
-              <a:rPr lang="en-US" sz="1050" dirty="0" smtClean="0">
-                <a:latin typeface="Courier" pitchFamily="49" charset="0"/>
-              </a:rPr>
-              <a:t>B4</a:t>
-            </a:r>
-            <a:endParaRPr lang="en-US" sz="1050" dirty="0">
-              <a:latin typeface="Courier" pitchFamily="49" charset="0"/>
-            </a:endParaRPr>
-          </a:p>
-        </p:txBody>
-      </p:sp>
-      <p:sp>
-        <p:nvSpPr>
-          <p:cNvPr id="28" name="TextBox 27"/>
-          <p:cNvSpPr txBox="1"/>
-          <p:nvPr/>
-        </p:nvSpPr>
-        <p:spPr>
-          <a:xfrm>
-            <a:off x="1600200" y="4978442"/>
-            <a:ext cx="1386918" cy="253916"/>
-          </a:xfrm>
-          <a:prstGeom prst="rect">
-            <a:avLst/>
-          </a:prstGeom>
-          <a:noFill/>
-        </p:spPr>
-        <p:txBody>
-          <a:bodyPr wrap="none" rtlCol="0">
-            <a:spAutoFit/>
-          </a:bodyPr>
-          <a:lstStyle/>
-          <a:p>
             <a:pPr algn="ctr"/>
             <a:r>
-              <a:rPr lang="en-US" sz="1050" dirty="0" err="1" smtClean="0">
-                <a:latin typeface="Courier" pitchFamily="49" charset="0"/>
-              </a:rPr>
-              <a:t>beforeTreatment</a:t>
-            </a:r>
-            <a:endParaRPr lang="en-US" sz="1050" dirty="0">
-              <a:latin typeface="Courier" pitchFamily="49" charset="0"/>
-            </a:endParaRPr>
-          </a:p>
-        </p:txBody>
-      </p:sp>
-      <p:sp>
-        <p:nvSpPr>
-          <p:cNvPr id="30" name="TextBox 29"/>
-          <p:cNvSpPr txBox="1"/>
-          <p:nvPr/>
-        </p:nvSpPr>
-        <p:spPr>
-          <a:xfrm>
-            <a:off x="3136533" y="4978442"/>
-            <a:ext cx="825867" cy="253916"/>
-          </a:xfrm>
-          <a:prstGeom prst="rect">
-            <a:avLst/>
-          </a:prstGeom>
-          <a:noFill/>
-        </p:spPr>
-        <p:txBody>
-          <a:bodyPr wrap="none" rtlCol="0">
-            <a:spAutoFit/>
-          </a:bodyPr>
-          <a:lstStyle/>
-          <a:p>
-            <a:pPr algn="ctr"/>
-            <a:r>
-              <a:rPr lang="en-US" sz="1050" dirty="0" smtClean="0">
+              <a:rPr lang="en-US" sz="1050" dirty="0">
                 <a:latin typeface="Courier" pitchFamily="49" charset="0"/>
               </a:rPr>
               <a:t>Recovery</a:t>
             </a:r>
-            <a:endParaRPr lang="en-US" sz="1050" dirty="0">
-              <a:latin typeface="Courier" pitchFamily="49" charset="0"/>
-            </a:endParaRPr>
           </a:p>
         </p:txBody>
       </p:sp>
@@ -8828,14 +8882,11 @@
           <a:p>
             <a:pPr algn="ctr"/>
             <a:r>
-              <a:rPr lang="en-US" sz="1050" dirty="0" smtClean="0">
+              <a:rPr lang="en-US" sz="1050" dirty="0">
                 <a:latin typeface="Courier" pitchFamily="49" charset="0"/>
               </a:rPr>
               <a:t>Treatment</a:t>
             </a:r>
-            <a:endParaRPr lang="en-US" sz="1050" dirty="0">
-              <a:latin typeface="Courier" pitchFamily="49" charset="0"/>
-            </a:endParaRPr>
           </a:p>
         </p:txBody>
       </p:sp>
@@ -8952,10 +9003,9 @@
           <a:lstStyle/>
           <a:p>
             <a:r>
-              <a:rPr lang="en-US" sz="1400" dirty="0" smtClean="0"/>
+              <a:rPr lang="en-US" sz="1400" dirty="0"/>
               <a:t>“Dummy variables” controlling slope values</a:t>
             </a:r>
-            <a:endParaRPr lang="en-US" sz="1400" dirty="0"/>
           </a:p>
         </p:txBody>
       </p:sp>
@@ -8982,129 +9032,117 @@
           <a:lstStyle/>
           <a:p>
             <a:r>
-              <a:rPr lang="en-US" sz="1050" dirty="0" smtClean="0">
+              <a:rPr lang="en-US" sz="1050" dirty="0">
                 <a:latin typeface="Courier" pitchFamily="49" charset="0"/>
               </a:rPr>
               <a:t>B5</a:t>
             </a:r>
+          </a:p>
+        </p:txBody>
+      </p:sp>
+      <p:sp>
+        <p:nvSpPr>
+          <p:cNvPr id="37" name="TextBox 36"/>
+          <p:cNvSpPr txBox="1"/>
+          <p:nvPr/>
+        </p:nvSpPr>
+        <p:spPr>
+          <a:xfrm>
+            <a:off x="7574280" y="4721423"/>
+            <a:ext cx="344966" cy="253916"/>
+          </a:xfrm>
+          <a:prstGeom prst="rect">
+            <a:avLst/>
+          </a:prstGeom>
+          <a:noFill/>
+        </p:spPr>
+        <p:txBody>
+          <a:bodyPr wrap="none" rtlCol="0">
+            <a:spAutoFit/>
+          </a:bodyPr>
+          <a:lstStyle/>
+          <a:p>
+            <a:r>
+              <a:rPr lang="en-US" sz="1050" dirty="0">
+                <a:latin typeface="Courier" pitchFamily="49" charset="0"/>
+              </a:rPr>
+              <a:t>B6</a:t>
+            </a:r>
+          </a:p>
+        </p:txBody>
+      </p:sp>
+      <p:sp>
+        <p:nvSpPr>
+          <p:cNvPr id="38" name="TextBox 37"/>
+          <p:cNvSpPr txBox="1"/>
+          <p:nvPr/>
+        </p:nvSpPr>
+        <p:spPr>
+          <a:xfrm>
+            <a:off x="8323947" y="4721423"/>
+            <a:ext cx="344966" cy="253916"/>
+          </a:xfrm>
+          <a:prstGeom prst="rect">
+            <a:avLst/>
+          </a:prstGeom>
+          <a:noFill/>
+        </p:spPr>
+        <p:txBody>
+          <a:bodyPr wrap="none" rtlCol="0">
+            <a:spAutoFit/>
+          </a:bodyPr>
+          <a:lstStyle/>
+          <a:p>
+            <a:r>
+              <a:rPr lang="en-US" sz="1050" dirty="0">
+                <a:latin typeface="Courier" pitchFamily="49" charset="0"/>
+              </a:rPr>
+              <a:t>B7</a:t>
+            </a:r>
+          </a:p>
+        </p:txBody>
+      </p:sp>
+      <p:sp>
+        <p:nvSpPr>
+          <p:cNvPr id="39" name="TextBox 38"/>
+          <p:cNvSpPr txBox="1"/>
+          <p:nvPr/>
+        </p:nvSpPr>
+        <p:spPr>
+          <a:xfrm>
+            <a:off x="5410200" y="4975465"/>
+            <a:ext cx="1386918" cy="415498"/>
+          </a:xfrm>
+          <a:prstGeom prst="rect">
+            <a:avLst/>
+          </a:prstGeom>
+          <a:noFill/>
+        </p:spPr>
+        <p:txBody>
+          <a:bodyPr wrap="none" rtlCol="0">
+            <a:spAutoFit/>
+          </a:bodyPr>
+          <a:lstStyle/>
+          <a:p>
+            <a:pPr algn="ctr"/>
+            <a:r>
+              <a:rPr lang="en-US" sz="1050" dirty="0" err="1">
+                <a:latin typeface="Courier" pitchFamily="49" charset="0"/>
+              </a:rPr>
+              <a:t>beforeTreatment</a:t>
+            </a:r>
             <a:endParaRPr lang="en-US" sz="1050" dirty="0">
               <a:latin typeface="Courier" pitchFamily="49" charset="0"/>
             </a:endParaRPr>
           </a:p>
-        </p:txBody>
-      </p:sp>
-      <p:sp>
-        <p:nvSpPr>
-          <p:cNvPr id="37" name="TextBox 36"/>
-          <p:cNvSpPr txBox="1"/>
-          <p:nvPr/>
-        </p:nvSpPr>
-        <p:spPr>
-          <a:xfrm>
-            <a:off x="7574280" y="4721423"/>
-            <a:ext cx="344966" cy="253916"/>
-          </a:xfrm>
-          <a:prstGeom prst="rect">
-            <a:avLst/>
-          </a:prstGeom>
-          <a:noFill/>
-        </p:spPr>
-        <p:txBody>
-          <a:bodyPr wrap="none" rtlCol="0">
-            <a:spAutoFit/>
-          </a:bodyPr>
-          <a:lstStyle/>
-          <a:p>
-            <a:r>
-              <a:rPr lang="en-US" sz="1050" dirty="0" smtClean="0">
-                <a:latin typeface="Courier" pitchFamily="49" charset="0"/>
-              </a:rPr>
-              <a:t>B6</a:t>
-            </a:r>
-            <a:endParaRPr lang="en-US" sz="1050" dirty="0">
-              <a:latin typeface="Courier" pitchFamily="49" charset="0"/>
-            </a:endParaRPr>
-          </a:p>
-        </p:txBody>
-      </p:sp>
-      <p:sp>
-        <p:nvSpPr>
-          <p:cNvPr id="38" name="TextBox 37"/>
-          <p:cNvSpPr txBox="1"/>
-          <p:nvPr/>
-        </p:nvSpPr>
-        <p:spPr>
-          <a:xfrm>
-            <a:off x="8323947" y="4721423"/>
-            <a:ext cx="344966" cy="253916"/>
-          </a:xfrm>
-          <a:prstGeom prst="rect">
-            <a:avLst/>
-          </a:prstGeom>
-          <a:noFill/>
-        </p:spPr>
-        <p:txBody>
-          <a:bodyPr wrap="none" rtlCol="0">
-            <a:spAutoFit/>
-          </a:bodyPr>
-          <a:lstStyle/>
-          <a:p>
-            <a:r>
-              <a:rPr lang="en-US" sz="1050" dirty="0" smtClean="0">
-                <a:latin typeface="Courier" pitchFamily="49" charset="0"/>
-              </a:rPr>
-              <a:t>B7</a:t>
-            </a:r>
-            <a:endParaRPr lang="en-US" sz="1050" dirty="0">
-              <a:latin typeface="Courier" pitchFamily="49" charset="0"/>
-            </a:endParaRPr>
-          </a:p>
-        </p:txBody>
-      </p:sp>
-      <p:sp>
-        <p:nvSpPr>
-          <p:cNvPr id="39" name="TextBox 38"/>
-          <p:cNvSpPr txBox="1"/>
-          <p:nvPr/>
-        </p:nvSpPr>
-        <p:spPr>
-          <a:xfrm>
-            <a:off x="5410200" y="4975465"/>
-            <a:ext cx="1386918" cy="415498"/>
-          </a:xfrm>
-          <a:prstGeom prst="rect">
-            <a:avLst/>
-          </a:prstGeom>
-          <a:noFill/>
-        </p:spPr>
-        <p:txBody>
-          <a:bodyPr wrap="none" rtlCol="0">
-            <a:spAutoFit/>
-          </a:bodyPr>
-          <a:lstStyle/>
           <a:p>
             <a:pPr algn="ctr"/>
             <a:r>
-              <a:rPr lang="en-US" sz="1050" dirty="0" err="1" smtClean="0">
-                <a:latin typeface="Courier" pitchFamily="49" charset="0"/>
-              </a:rPr>
-              <a:t>beforeTreatment</a:t>
-            </a:r>
-            <a:endParaRPr lang="en-US" sz="1050" dirty="0" smtClean="0">
-              <a:latin typeface="Courier" pitchFamily="49" charset="0"/>
-            </a:endParaRPr>
-          </a:p>
-          <a:p>
-            <a:pPr algn="ctr"/>
-            <a:r>
-              <a:rPr lang="en-US" sz="1050" dirty="0" smtClean="0">
+              <a:rPr lang="en-US" sz="1050" dirty="0">
                 <a:latin typeface="Courier" pitchFamily="49" charset="0"/>
               </a:rPr>
               <a:t>*study days</a:t>
             </a:r>
-            <a:endParaRPr lang="en-US" sz="1050" dirty="0">
-              <a:latin typeface="Courier" pitchFamily="49" charset="0"/>
-            </a:endParaRPr>
           </a:p>
         </p:txBody>
       </p:sp>
@@ -9132,7 +9170,7 @@
           <a:p>
             <a:pPr algn="ctr"/>
             <a:r>
-              <a:rPr lang="en-US" sz="1050" dirty="0" smtClean="0">
+              <a:rPr lang="en-US" sz="1050" dirty="0">
                 <a:latin typeface="Courier" pitchFamily="49" charset="0"/>
               </a:rPr>
               <a:t>Recovery</a:t>
@@ -9141,14 +9179,11 @@
           <a:p>
             <a:pPr algn="ctr"/>
             <a:r>
-              <a:rPr lang="en-US" sz="1050" dirty="0" smtClean="0">
+              <a:rPr lang="en-US" sz="1050" dirty="0">
                 <a:latin typeface="Courier" pitchFamily="49" charset="0"/>
               </a:rPr>
               <a:t>*study days</a:t>
             </a:r>
-            <a:endParaRPr lang="en-US" sz="1050" dirty="0">
-              <a:latin typeface="Courier" pitchFamily="49" charset="0"/>
-            </a:endParaRPr>
           </a:p>
         </p:txBody>
       </p:sp>
@@ -9176,7 +9211,7 @@
           <a:p>
             <a:pPr algn="ctr"/>
             <a:r>
-              <a:rPr lang="en-US" sz="1050" dirty="0" smtClean="0">
+              <a:rPr lang="en-US" sz="1050" dirty="0">
                 <a:latin typeface="Courier" pitchFamily="49" charset="0"/>
               </a:rPr>
               <a:t>Treatment</a:t>
@@ -9185,14 +9220,11 @@
           <a:p>
             <a:pPr algn="ctr"/>
             <a:r>
-              <a:rPr lang="en-US" sz="1050" dirty="0" smtClean="0">
+              <a:rPr lang="en-US" sz="1050" dirty="0">
                 <a:latin typeface="Courier" pitchFamily="49" charset="0"/>
               </a:rPr>
               <a:t>*study days</a:t>
             </a:r>
-            <a:endParaRPr lang="en-US" sz="1050" dirty="0">
-              <a:latin typeface="Courier" pitchFamily="49" charset="0"/>
-            </a:endParaRPr>
           </a:p>
         </p:txBody>
       </p:sp>
@@ -9251,16 +9283,15 @@
           <a:lstStyle/>
           <a:p>
             <a:r>
-              <a:rPr lang="en-US" dirty="0" smtClean="0"/>
+              <a:rPr lang="en-US" dirty="0"/>
               <a:t>Error is 33.8603 on 122 degrees of freedom</a:t>
             </a:r>
           </a:p>
           <a:p>
             <a:r>
-              <a:rPr lang="en-US" dirty="0" smtClean="0"/>
+              <a:rPr lang="en-US" dirty="0"/>
               <a:t>(n=130 – 8 parameters)</a:t>
             </a:r>
-            <a:endParaRPr lang="en-US" dirty="0"/>
           </a:p>
         </p:txBody>
       </p:sp>
@@ -9312,11 +9343,11 @@
           <a:lstStyle/>
           <a:p>
             <a:r>
-              <a:rPr lang="en-US" dirty="0" smtClean="0"/>
+              <a:rPr lang="en-US" dirty="0"/>
               <a:t>The </a:t>
             </a:r>
             <a:r>
-              <a:rPr lang="en-US" dirty="0" smtClean="0">
+              <a:rPr lang="en-US" dirty="0">
                 <a:solidFill>
                   <a:srgbClr val="FF0000"/>
                 </a:solidFill>
@@ -9324,28 +9355,27 @@
               <a:t>reduced</a:t>
             </a:r>
             <a:r>
-              <a:rPr lang="en-US" dirty="0" smtClean="0"/>
+              <a:rPr lang="en-US" dirty="0"/>
               <a:t> model:</a:t>
             </a:r>
           </a:p>
           <a:p>
-            <a:endParaRPr lang="en-US" dirty="0" smtClean="0"/>
-          </a:p>
-          <a:p>
-            <a:r>
-              <a:rPr lang="en-US" dirty="0" smtClean="0"/>
+            <a:endParaRPr lang="en-US" dirty="0"/>
+          </a:p>
+          <a:p>
+            <a:r>
+              <a:rPr lang="en-US" dirty="0"/>
               <a:t>	</a:t>
             </a:r>
           </a:p>
           <a:p>
-            <a:endParaRPr lang="en-US" dirty="0" smtClean="0"/>
-          </a:p>
-          <a:p>
-            <a:r>
-              <a:rPr lang="en-US" dirty="0" smtClean="0"/>
+            <a:endParaRPr lang="en-US" dirty="0"/>
+          </a:p>
+          <a:p>
+            <a:r>
+              <a:rPr lang="en-US" dirty="0"/>
               <a:t>	</a:t>
             </a:r>
-            <a:endParaRPr lang="en-US" dirty="0"/>
           </a:p>
         </p:txBody>
       </p:sp>
@@ -9404,7 +9434,7 @@
           <a:lstStyle/>
           <a:p>
             <a:r>
-              <a:rPr lang="en-US" sz="1050" dirty="0" smtClean="0">
+              <a:rPr lang="en-US" sz="1050" dirty="0">
                 <a:latin typeface="Courier" pitchFamily="49" charset="0"/>
               </a:rPr>
               <a:t>B0</a:t>
@@ -9412,14 +9442,11 @@
           </a:p>
           <a:p>
             <a:r>
-              <a:rPr lang="en-US" sz="1050" dirty="0" smtClean="0">
+              <a:rPr lang="en-US" sz="1050" dirty="0">
                 <a:latin typeface="Courier" pitchFamily="49" charset="0"/>
               </a:rPr>
               <a:t>Intercept</a:t>
             </a:r>
-            <a:endParaRPr lang="en-US" sz="1050" dirty="0">
-              <a:latin typeface="Courier" pitchFamily="49" charset="0"/>
-            </a:endParaRPr>
           </a:p>
         </p:txBody>
       </p:sp>
@@ -9446,7 +9473,7 @@
           <a:lstStyle/>
           <a:p>
             <a:r>
-              <a:rPr lang="en-US" sz="1050" dirty="0" smtClean="0">
+              <a:rPr lang="en-US" sz="1050" dirty="0">
                 <a:latin typeface="Courier" pitchFamily="49" charset="0"/>
               </a:rPr>
               <a:t>B1</a:t>
@@ -9454,14 +9481,11 @@
           </a:p>
           <a:p>
             <a:r>
-              <a:rPr lang="en-US" sz="1050" dirty="0" smtClean="0">
+              <a:rPr lang="en-US" sz="1050" dirty="0">
                 <a:latin typeface="Courier" pitchFamily="49" charset="0"/>
               </a:rPr>
               <a:t>Time</a:t>
             </a:r>
-            <a:endParaRPr lang="en-US" sz="1050" dirty="0">
-              <a:latin typeface="Courier" pitchFamily="49" charset="0"/>
-            </a:endParaRPr>
           </a:p>
         </p:txBody>
       </p:sp>
@@ -9578,11 +9602,105 @@
           <a:lstStyle/>
           <a:p>
             <a:r>
-              <a:rPr lang="en-US" sz="1050" dirty="0" smtClean="0">
+              <a:rPr lang="en-US" sz="1050" dirty="0">
                 <a:latin typeface="Courier" pitchFamily="49" charset="0"/>
               </a:rPr>
               <a:t>B2</a:t>
             </a:r>
+          </a:p>
+        </p:txBody>
+      </p:sp>
+      <p:sp>
+        <p:nvSpPr>
+          <p:cNvPr id="12" name="TextBox 11"/>
+          <p:cNvSpPr txBox="1"/>
+          <p:nvPr/>
+        </p:nvSpPr>
+        <p:spPr>
+          <a:xfrm>
+            <a:off x="5656947" y="5105400"/>
+            <a:ext cx="344966" cy="253916"/>
+          </a:xfrm>
+          <a:prstGeom prst="rect">
+            <a:avLst/>
+          </a:prstGeom>
+          <a:noFill/>
+        </p:spPr>
+        <p:txBody>
+          <a:bodyPr wrap="none" rtlCol="0">
+            <a:spAutoFit/>
+          </a:bodyPr>
+          <a:lstStyle/>
+          <a:p>
+            <a:r>
+              <a:rPr lang="en-US" sz="1050" dirty="0">
+                <a:latin typeface="Courier" pitchFamily="49" charset="0"/>
+              </a:rPr>
+              <a:t>B3</a:t>
+            </a:r>
+          </a:p>
+        </p:txBody>
+      </p:sp>
+      <p:sp>
+        <p:nvSpPr>
+          <p:cNvPr id="13" name="TextBox 12"/>
+          <p:cNvSpPr txBox="1"/>
+          <p:nvPr/>
+        </p:nvSpPr>
+        <p:spPr>
+          <a:xfrm>
+            <a:off x="7265530" y="5105400"/>
+            <a:ext cx="344966" cy="253916"/>
+          </a:xfrm>
+          <a:prstGeom prst="rect">
+            <a:avLst/>
+          </a:prstGeom>
+          <a:noFill/>
+        </p:spPr>
+        <p:txBody>
+          <a:bodyPr wrap="none" rtlCol="0">
+            <a:spAutoFit/>
+          </a:bodyPr>
+          <a:lstStyle/>
+          <a:p>
+            <a:r>
+              <a:rPr lang="en-US" sz="1050" dirty="0">
+                <a:latin typeface="Courier" pitchFamily="49" charset="0"/>
+              </a:rPr>
+              <a:t>B4</a:t>
+            </a:r>
+          </a:p>
+        </p:txBody>
+      </p:sp>
+      <p:sp>
+        <p:nvSpPr>
+          <p:cNvPr id="14" name="TextBox 13"/>
+          <p:cNvSpPr txBox="1"/>
+          <p:nvPr/>
+        </p:nvSpPr>
+        <p:spPr>
+          <a:xfrm>
+            <a:off x="2895600" y="5359442"/>
+            <a:ext cx="1386918" cy="253916"/>
+          </a:xfrm>
+          <a:prstGeom prst="rect">
+            <a:avLst/>
+          </a:prstGeom>
+          <a:noFill/>
+        </p:spPr>
+        <p:txBody>
+          <a:bodyPr wrap="none" rtlCol="0">
+            <a:spAutoFit/>
+          </a:bodyPr>
+          <a:lstStyle/>
+          <a:p>
+            <a:pPr algn="ctr"/>
+            <a:r>
+              <a:rPr lang="en-US" sz="1050" dirty="0" err="1">
+                <a:latin typeface="Courier" pitchFamily="49" charset="0"/>
+              </a:rPr>
+              <a:t>beforeTreatment</a:t>
+            </a:r>
             <a:endParaRPr lang="en-US" sz="1050" dirty="0">
               <a:latin typeface="Courier" pitchFamily="49" charset="0"/>
             </a:endParaRPr>
@@ -9591,14 +9709,14 @@
       </p:sp>
       <p:sp>
         <p:nvSpPr>
-          <p:cNvPr id="12" name="TextBox 11"/>
+          <p:cNvPr id="15" name="TextBox 14"/>
           <p:cNvSpPr txBox="1"/>
           <p:nvPr/>
         </p:nvSpPr>
         <p:spPr>
           <a:xfrm>
-            <a:off x="5656947" y="5105400"/>
-            <a:ext cx="344966" cy="253916"/>
+            <a:off x="5410200" y="5359442"/>
+            <a:ext cx="825867" cy="253916"/>
           </a:xfrm>
           <a:prstGeom prst="rect">
             <a:avLst/>
@@ -9611,119 +9729,13 @@
           </a:bodyPr>
           <a:lstStyle/>
           <a:p>
-            <a:r>
-              <a:rPr lang="en-US" sz="1050" dirty="0" smtClean="0">
-                <a:latin typeface="Courier" pitchFamily="49" charset="0"/>
-              </a:rPr>
-              <a:t>B3</a:t>
-            </a:r>
-            <a:endParaRPr lang="en-US" sz="1050" dirty="0">
-              <a:latin typeface="Courier" pitchFamily="49" charset="0"/>
-            </a:endParaRPr>
-          </a:p>
-        </p:txBody>
-      </p:sp>
-      <p:sp>
-        <p:nvSpPr>
-          <p:cNvPr id="13" name="TextBox 12"/>
-          <p:cNvSpPr txBox="1"/>
-          <p:nvPr/>
-        </p:nvSpPr>
-        <p:spPr>
-          <a:xfrm>
-            <a:off x="7265530" y="5105400"/>
-            <a:ext cx="344966" cy="253916"/>
-          </a:xfrm>
-          <a:prstGeom prst="rect">
-            <a:avLst/>
-          </a:prstGeom>
-          <a:noFill/>
-        </p:spPr>
-        <p:txBody>
-          <a:bodyPr wrap="none" rtlCol="0">
-            <a:spAutoFit/>
-          </a:bodyPr>
-          <a:lstStyle/>
-          <a:p>
-            <a:r>
-              <a:rPr lang="en-US" sz="1050" dirty="0" smtClean="0">
-                <a:latin typeface="Courier" pitchFamily="49" charset="0"/>
-              </a:rPr>
-              <a:t>B4</a:t>
-            </a:r>
-            <a:endParaRPr lang="en-US" sz="1050" dirty="0">
-              <a:latin typeface="Courier" pitchFamily="49" charset="0"/>
-            </a:endParaRPr>
-          </a:p>
-        </p:txBody>
-      </p:sp>
-      <p:sp>
-        <p:nvSpPr>
-          <p:cNvPr id="14" name="TextBox 13"/>
-          <p:cNvSpPr txBox="1"/>
-          <p:nvPr/>
-        </p:nvSpPr>
-        <p:spPr>
-          <a:xfrm>
-            <a:off x="2895600" y="5359442"/>
-            <a:ext cx="1386918" cy="253916"/>
-          </a:xfrm>
-          <a:prstGeom prst="rect">
-            <a:avLst/>
-          </a:prstGeom>
-          <a:noFill/>
-        </p:spPr>
-        <p:txBody>
-          <a:bodyPr wrap="none" rtlCol="0">
-            <a:spAutoFit/>
-          </a:bodyPr>
-          <a:lstStyle/>
-          <a:p>
             <a:pPr algn="ctr"/>
             <a:r>
-              <a:rPr lang="en-US" sz="1050" dirty="0" err="1" smtClean="0">
-                <a:latin typeface="Courier" pitchFamily="49" charset="0"/>
-              </a:rPr>
-              <a:t>beforeTreatment</a:t>
-            </a:r>
-            <a:endParaRPr lang="en-US" sz="1050" dirty="0">
-              <a:latin typeface="Courier" pitchFamily="49" charset="0"/>
-            </a:endParaRPr>
-          </a:p>
-        </p:txBody>
-      </p:sp>
-      <p:sp>
-        <p:nvSpPr>
-          <p:cNvPr id="15" name="TextBox 14"/>
-          <p:cNvSpPr txBox="1"/>
-          <p:nvPr/>
-        </p:nvSpPr>
-        <p:spPr>
-          <a:xfrm>
-            <a:off x="5410200" y="5359442"/>
-            <a:ext cx="825867" cy="253916"/>
-          </a:xfrm>
-          <a:prstGeom prst="rect">
-            <a:avLst/>
-          </a:prstGeom>
-          <a:noFill/>
-        </p:spPr>
-        <p:txBody>
-          <a:bodyPr wrap="none" rtlCol="0">
-            <a:spAutoFit/>
-          </a:bodyPr>
-          <a:lstStyle/>
-          <a:p>
-            <a:pPr algn="ctr"/>
-            <a:r>
-              <a:rPr lang="en-US" sz="1050" dirty="0" smtClean="0">
+              <a:rPr lang="en-US" sz="1050" dirty="0">
                 <a:latin typeface="Courier" pitchFamily="49" charset="0"/>
               </a:rPr>
               <a:t>Recovery</a:t>
             </a:r>
-            <a:endParaRPr lang="en-US" sz="1050" dirty="0">
-              <a:latin typeface="Courier" pitchFamily="49" charset="0"/>
-            </a:endParaRPr>
           </a:p>
         </p:txBody>
       </p:sp>
@@ -9751,14 +9763,11 @@
           <a:p>
             <a:pPr algn="ctr"/>
             <a:r>
-              <a:rPr lang="en-US" sz="1050" dirty="0" smtClean="0">
+              <a:rPr lang="en-US" sz="1050" dirty="0">
                 <a:latin typeface="Courier" pitchFamily="49" charset="0"/>
               </a:rPr>
               <a:t>Treatment</a:t>
             </a:r>
-            <a:endParaRPr lang="en-US" sz="1050" dirty="0">
-              <a:latin typeface="Courier" pitchFamily="49" charset="0"/>
-            </a:endParaRPr>
           </a:p>
         </p:txBody>
       </p:sp>
@@ -9849,18 +9858,17 @@
           <a:lstStyle/>
           <a:p>
             <a:r>
-              <a:rPr lang="en-US" dirty="0" smtClean="0"/>
+              <a:rPr lang="en-US" dirty="0"/>
               <a:t>Error is 35.97212 with 125 </a:t>
             </a:r>
             <a:r>
-              <a:rPr lang="en-US" dirty="0" err="1" smtClean="0"/>
+              <a:rPr lang="en-US" dirty="0" err="1"/>
               <a:t>d.f</a:t>
             </a:r>
             <a:r>
-              <a:rPr lang="en-US" dirty="0" smtClean="0"/>
+              <a:rPr lang="en-US" dirty="0"/>
               <a:t>. (n=130 -5 parameters)</a:t>
             </a:r>
-            <a:endParaRPr lang="en-US" dirty="0"/>
           </a:p>
         </p:txBody>
       </p:sp>
@@ -9912,18 +9920,17 @@
           <a:lstStyle/>
           <a:p>
             <a:r>
-              <a:rPr lang="en-US" dirty="0" smtClean="0"/>
+              <a:rPr lang="en-US" dirty="0"/>
               <a:t>The reduced model (B1=0)  has sum squared residual 3.208889 with 8 </a:t>
             </a:r>
             <a:r>
-              <a:rPr lang="en-US" dirty="0" err="1" smtClean="0"/>
+              <a:rPr lang="en-US" dirty="0" err="1"/>
               <a:t>d.f</a:t>
             </a:r>
             <a:r>
-              <a:rPr lang="en-US" dirty="0" smtClean="0"/>
+              <a:rPr lang="en-US" dirty="0"/>
               <a:t>.</a:t>
             </a:r>
-            <a:endParaRPr lang="en-US" dirty="0"/>
           </a:p>
         </p:txBody>
       </p:sp>
@@ -9941,9 +9948,59 @@
         </p:xfrm>
         <a:graphic>
           <a:graphicData uri="http://schemas.openxmlformats.org/presentationml/2006/ole">
-            <p:oleObj spid="_x0000_s2050" name="Equation" r:id="rId4" imgW="368280" imgH="2082600" progId="Equation.3">
-              <p:embed/>
-            </p:oleObj>
+            <mc:AlternateContent xmlns:mc="http://schemas.openxmlformats.org/markup-compatibility/2006">
+              <mc:Choice xmlns:v="urn:schemas-microsoft-com:vml" Requires="v">
+                <p:oleObj spid="_x0000_s2074" name="Equation" r:id="rId4" imgW="368280" imgH="2082600" progId="Equation.3">
+                  <p:embed/>
+                </p:oleObj>
+              </mc:Choice>
+              <mc:Fallback>
+                <p:oleObj name="Equation" r:id="rId4" imgW="368280" imgH="2082600" progId="Equation.3">
+                  <p:embed/>
+                  <p:pic>
+                    <p:nvPicPr>
+                      <p:cNvPr id="0" name="Picture 2"/>
+                      <p:cNvPicPr>
+                        <a:picLocks noChangeAspect="1" noChangeArrowheads="1"/>
+                      </p:cNvPicPr>
+                      <p:nvPr/>
+                    </p:nvPicPr>
+                    <p:blipFill>
+                      <a:blip r:embed="rId5">
+                        <a:extLst>
+                          <a:ext uri="{28A0092B-C50C-407E-A947-70E740481C1C}">
+                            <a14:useLocalDpi xmlns:a14="http://schemas.microsoft.com/office/drawing/2010/main" val="0"/>
+                          </a:ext>
+                        </a:extLst>
+                      </a:blip>
+                      <a:srcRect/>
+                      <a:stretch>
+                        <a:fillRect/>
+                      </a:stretch>
+                    </p:blipFill>
+                    <p:spPr bwMode="auto">
+                      <a:xfrm>
+                        <a:off x="461918" y="2057400"/>
+                        <a:ext cx="368300" cy="2082800"/>
+                      </a:xfrm>
+                      <a:prstGeom prst="rect">
+                        <a:avLst/>
+                      </a:prstGeom>
+                      <a:noFill/>
+                      <a:extLst>
+                        <a:ext uri="{909E8E84-426E-40DD-AFC4-6F175D3DCCD1}">
+                          <a14:hiddenFill xmlns:a14="http://schemas.microsoft.com/office/drawing/2010/main">
+                            <a:solidFill>
+                              <a:srgbClr val="FFFFFF"/>
+                            </a:solidFill>
+                          </a14:hiddenFill>
+                        </a:ext>
+                      </a:extLst>
+                    </p:spPr>
+                  </p:pic>
+                </p:oleObj>
+              </mc:Fallback>
+            </mc:AlternateContent>
           </a:graphicData>
         </a:graphic>
       </p:graphicFrame>
@@ -9970,10 +10027,9 @@
           <a:lstStyle/>
           <a:p>
             <a:r>
-              <a:rPr lang="en-US" dirty="0" smtClean="0"/>
+              <a:rPr lang="en-US" dirty="0"/>
               <a:t>=</a:t>
             </a:r>
-            <a:endParaRPr lang="en-US" dirty="0"/>
           </a:p>
         </p:txBody>
       </p:sp>
@@ -9991,9 +10047,59 @@
         </p:xfrm>
         <a:graphic>
           <a:graphicData uri="http://schemas.openxmlformats.org/presentationml/2006/ole">
-            <p:oleObj spid="_x0000_s2051" name="Equation" r:id="rId5" imgW="228600" imgH="2082600" progId="Equation.3">
-              <p:embed/>
-            </p:oleObj>
+            <mc:AlternateContent xmlns:mc="http://schemas.openxmlformats.org/markup-compatibility/2006">
+              <mc:Choice xmlns:v="urn:schemas-microsoft-com:vml" Requires="v">
+                <p:oleObj spid="_x0000_s2075" name="Equation" r:id="rId6" imgW="228600" imgH="2082600" progId="Equation.3">
+                  <p:embed/>
+                </p:oleObj>
+              </mc:Choice>
+              <mc:Fallback>
+                <p:oleObj name="Equation" r:id="rId6" imgW="228600" imgH="2082600" progId="Equation.3">
+                  <p:embed/>
+                  <p:pic>
+                    <p:nvPicPr>
+                      <p:cNvPr id="0" name="Picture 3"/>
+                      <p:cNvPicPr>
+                        <a:picLocks noChangeAspect="1" noChangeArrowheads="1"/>
+                      </p:cNvPicPr>
+                      <p:nvPr/>
+                    </p:nvPicPr>
+                    <p:blipFill>
+                      <a:blip r:embed="rId7">
+                        <a:extLst>
+                          <a:ext uri="{28A0092B-C50C-407E-A947-70E740481C1C}">
+                            <a14:useLocalDpi xmlns:a14="http://schemas.microsoft.com/office/drawing/2010/main" val="0"/>
+                          </a:ext>
+                        </a:extLst>
+                      </a:blip>
+                      <a:srcRect/>
+                      <a:stretch>
+                        <a:fillRect/>
+                      </a:stretch>
+                    </p:blipFill>
+                    <p:spPr bwMode="auto">
+                      <a:xfrm>
+                        <a:off x="1676400" y="2108200"/>
+                        <a:ext cx="228600" cy="2082800"/>
+                      </a:xfrm>
+                      <a:prstGeom prst="rect">
+                        <a:avLst/>
+                      </a:prstGeom>
+                      <a:noFill/>
+                      <a:extLst>
+                        <a:ext uri="{909E8E84-426E-40DD-AFC4-6F175D3DCCD1}">
+                          <a14:hiddenFill xmlns:a14="http://schemas.microsoft.com/office/drawing/2010/main">
+                            <a:solidFill>
+                              <a:srgbClr val="FFFFFF"/>
+                            </a:solidFill>
+                          </a14:hiddenFill>
+                        </a:ext>
+                      </a:extLst>
+                    </p:spPr>
+                  </p:pic>
+                </p:oleObj>
+              </mc:Fallback>
+            </mc:AlternateContent>
           </a:graphicData>
         </a:graphic>
       </p:graphicFrame>
@@ -10020,14 +10126,13 @@
           <a:lstStyle/>
           <a:p>
             <a:r>
-              <a:rPr lang="en-US" dirty="0" smtClean="0"/>
+              <a:rPr lang="en-US" dirty="0"/>
               <a:t>B</a:t>
             </a:r>
             <a:r>
-              <a:rPr lang="en-US" baseline="-25000" dirty="0" smtClean="0"/>
+              <a:rPr lang="en-US" baseline="-25000" dirty="0"/>
               <a:t>0</a:t>
             </a:r>
-            <a:endParaRPr lang="en-US" baseline="-25000" dirty="0"/>
           </a:p>
         </p:txBody>
       </p:sp>
@@ -10054,10 +10159,9 @@
           <a:lstStyle/>
           <a:p>
             <a:r>
-              <a:rPr lang="en-US" dirty="0" smtClean="0"/>
+              <a:rPr lang="en-US" dirty="0"/>
               <a:t>+</a:t>
             </a:r>
-            <a:endParaRPr lang="en-US" dirty="0"/>
           </a:p>
         </p:txBody>
       </p:sp>
@@ -10075,9 +10179,59 @@
         </p:xfrm>
         <a:graphic>
           <a:graphicData uri="http://schemas.openxmlformats.org/presentationml/2006/ole">
-            <p:oleObj spid="_x0000_s2052" name="Equation" r:id="rId6" imgW="355320" imgH="2133360" progId="Equation.3">
-              <p:embed/>
-            </p:oleObj>
+            <mc:AlternateContent xmlns:mc="http://schemas.openxmlformats.org/markup-compatibility/2006">
+              <mc:Choice xmlns:v="urn:schemas-microsoft-com:vml" Requires="v">
+                <p:oleObj spid="_x0000_s2076" name="Equation" r:id="rId8" imgW="355320" imgH="2133360" progId="Equation.3">
+                  <p:embed/>
+                </p:oleObj>
+              </mc:Choice>
+              <mc:Fallback>
+                <p:oleObj name="Equation" r:id="rId8" imgW="355320" imgH="2133360" progId="Equation.3">
+                  <p:embed/>
+                  <p:pic>
+                    <p:nvPicPr>
+                      <p:cNvPr id="0" name="Picture 4"/>
+                      <p:cNvPicPr>
+                        <a:picLocks noChangeAspect="1" noChangeArrowheads="1"/>
+                      </p:cNvPicPr>
+                      <p:nvPr/>
+                    </p:nvPicPr>
+                    <p:blipFill>
+                      <a:blip r:embed="rId9">
+                        <a:extLst>
+                          <a:ext uri="{28A0092B-C50C-407E-A947-70E740481C1C}">
+                            <a14:useLocalDpi xmlns:a14="http://schemas.microsoft.com/office/drawing/2010/main" val="0"/>
+                          </a:ext>
+                        </a:extLst>
+                      </a:blip>
+                      <a:srcRect/>
+                      <a:stretch>
+                        <a:fillRect/>
+                      </a:stretch>
+                    </p:blipFill>
+                    <p:spPr bwMode="auto">
+                      <a:xfrm>
+                        <a:off x="2159000" y="2108200"/>
+                        <a:ext cx="355600" cy="2133600"/>
+                      </a:xfrm>
+                      <a:prstGeom prst="rect">
+                        <a:avLst/>
+                      </a:prstGeom>
+                      <a:noFill/>
+                      <a:extLst>
+                        <a:ext uri="{909E8E84-426E-40DD-AFC4-6F175D3DCCD1}">
+                          <a14:hiddenFill xmlns:a14="http://schemas.microsoft.com/office/drawing/2010/main">
+                            <a:solidFill>
+                              <a:srgbClr val="FFFFFF"/>
+                            </a:solidFill>
+                          </a14:hiddenFill>
+                        </a:ext>
+                      </a:extLst>
+                    </p:spPr>
+                  </p:pic>
+                </p:oleObj>
+              </mc:Fallback>
+            </mc:AlternateContent>
           </a:graphicData>
         </a:graphic>
       </p:graphicFrame>
@@ -10104,24 +10258,23 @@
           <a:lstStyle/>
           <a:p>
             <a:r>
-              <a:rPr lang="en-US" dirty="0" smtClean="0"/>
+              <a:rPr lang="en-US" dirty="0"/>
               <a:t>The errors will be minimized when</a:t>
             </a:r>
           </a:p>
           <a:p>
             <a:r>
-              <a:rPr lang="en-US" dirty="0" smtClean="0"/>
+              <a:rPr lang="en-US" dirty="0"/>
               <a:t>B</a:t>
             </a:r>
             <a:r>
-              <a:rPr lang="en-US" baseline="-25000" dirty="0" smtClean="0"/>
+              <a:rPr lang="en-US" baseline="-25000" dirty="0"/>
               <a:t>0</a:t>
             </a:r>
             <a:r>
-              <a:rPr lang="en-US" dirty="0" smtClean="0"/>
+              <a:rPr lang="en-US" dirty="0"/>
               <a:t> = mean of data</a:t>
             </a:r>
-            <a:endParaRPr lang="en-US" dirty="0"/>
           </a:p>
         </p:txBody>
       </p:sp>
@@ -10134,7 +10287,7 @@
           <p:nvPr/>
         </p:nvPicPr>
         <p:blipFill>
-          <a:blip r:embed="rId7" cstate="print"/>
+          <a:blip r:embed="rId10" cstate="print"/>
           <a:srcRect/>
           <a:stretch>
             <a:fillRect/>
@@ -10205,16 +10358,15 @@
           <a:lstStyle/>
           <a:p>
             <a:r>
-              <a:rPr lang="en-US" dirty="0" smtClean="0"/>
+              <a:rPr lang="en-US" dirty="0"/>
               <a:t>Error is 33.8603 on 122 degrees of freedom</a:t>
             </a:r>
           </a:p>
           <a:p>
             <a:r>
-              <a:rPr lang="en-US" dirty="0" smtClean="0"/>
+              <a:rPr lang="en-US" dirty="0"/>
               <a:t>(n=130 – 8 parameters)</a:t>
             </a:r>
-            <a:endParaRPr lang="en-US" dirty="0"/>
           </a:p>
         </p:txBody>
       </p:sp>
@@ -10241,10 +10393,9 @@
           <a:lstStyle/>
           <a:p>
             <a:r>
-              <a:rPr lang="en-US" dirty="0" smtClean="0"/>
+              <a:rPr lang="en-US" dirty="0"/>
               <a:t>Full model:</a:t>
             </a:r>
-            <a:endParaRPr lang="en-US" dirty="0"/>
           </a:p>
         </p:txBody>
       </p:sp>
@@ -10271,18 +10422,17 @@
           <a:lstStyle/>
           <a:p>
             <a:r>
-              <a:rPr lang="en-US" dirty="0" smtClean="0"/>
+              <a:rPr lang="en-US" dirty="0"/>
               <a:t>Error is 35.97212 with 125 </a:t>
             </a:r>
             <a:r>
-              <a:rPr lang="en-US" dirty="0" err="1" smtClean="0"/>
+              <a:rPr lang="en-US" dirty="0" err="1"/>
               <a:t>d.f</a:t>
             </a:r>
             <a:r>
-              <a:rPr lang="en-US" dirty="0" smtClean="0"/>
+              <a:rPr lang="en-US" dirty="0"/>
               <a:t>. (n=130 -5 parameters)</a:t>
             </a:r>
-            <a:endParaRPr lang="en-US" dirty="0"/>
           </a:p>
         </p:txBody>
       </p:sp>
@@ -10309,10 +10459,9 @@
           <a:lstStyle/>
           <a:p>
             <a:r>
-              <a:rPr lang="en-US" dirty="0" smtClean="0"/>
+              <a:rPr lang="en-US" dirty="0"/>
               <a:t>Reduced Model:</a:t>
             </a:r>
-            <a:endParaRPr lang="en-US" dirty="0"/>
           </a:p>
         </p:txBody>
       </p:sp>
@@ -10339,10 +10488,9 @@
           <a:lstStyle/>
           <a:p>
             <a:r>
-              <a:rPr lang="en-US" dirty="0" smtClean="0"/>
+              <a:rPr lang="en-US" dirty="0"/>
               <a:t>F =  ( (35.97212 - 33.8603 ) / ( 125-122 )  )  /  (33.8603/122) = 2.536324</a:t>
             </a:r>
-            <a:endParaRPr lang="en-US" dirty="0"/>
           </a:p>
         </p:txBody>
       </p:sp>
@@ -10458,10 +10606,9 @@
           <a:lstStyle/>
           <a:p>
             <a:r>
-              <a:rPr lang="en-US" dirty="0" smtClean="0"/>
+              <a:rPr lang="en-US" dirty="0"/>
               <a:t>At a p=0.05 threshold, the extra parameters for slope don’t reduce a significant amount of variance…</a:t>
             </a:r>
-            <a:endParaRPr lang="en-US" dirty="0"/>
           </a:p>
         </p:txBody>
       </p:sp>
@@ -10520,34 +10667,34 @@
           <a:lstStyle/>
           <a:p>
             <a:r>
-              <a:rPr lang="en-US" dirty="0" smtClean="0"/>
+              <a:rPr lang="en-US" dirty="0"/>
               <a:t>This is consistent with</a:t>
             </a:r>
           </a:p>
           <a:p>
             <a:r>
-              <a:rPr lang="en-US" dirty="0" smtClean="0"/>
+              <a:rPr lang="en-US" dirty="0"/>
               <a:t>“eyeballing” the data.</a:t>
             </a:r>
           </a:p>
           <a:p>
-            <a:endParaRPr lang="en-US" dirty="0" smtClean="0"/>
-          </a:p>
-          <a:p>
-            <a:r>
-              <a:rPr lang="en-US" dirty="0" smtClean="0"/>
+            <a:endParaRPr lang="en-US" dirty="0"/>
+          </a:p>
+          <a:p>
+            <a:r>
+              <a:rPr lang="en-US" dirty="0"/>
               <a:t>The 4 colors don’t seem </a:t>
             </a:r>
           </a:p>
           <a:p>
             <a:r>
-              <a:rPr lang="en-US" dirty="0" smtClean="0"/>
+              <a:rPr lang="en-US" dirty="0"/>
               <a:t>to have dramatically</a:t>
             </a:r>
           </a:p>
           <a:p>
             <a:r>
-              <a:rPr lang="en-US" dirty="0" smtClean="0"/>
+              <a:rPr lang="en-US" dirty="0"/>
               <a:t>different slopes…</a:t>
             </a:r>
           </a:p>
@@ -10604,10 +10751,9 @@
           <a:lstStyle/>
           <a:p>
             <a:r>
-              <a:rPr lang="en-US" dirty="0" smtClean="0"/>
+              <a:rPr lang="en-US" dirty="0"/>
               <a:t>R can do a lot of this work for us (with much less typing!) </a:t>
             </a:r>
-            <a:endParaRPr lang="en-US" dirty="0"/>
           </a:p>
         </p:txBody>
       </p:sp>
@@ -10698,10 +10844,9 @@
           <a:lstStyle/>
           <a:p>
             <a:r>
-              <a:rPr lang="en-US" dirty="0" smtClean="0"/>
+              <a:rPr lang="en-US" dirty="0"/>
               <a:t>Equivalently…</a:t>
             </a:r>
-            <a:endParaRPr lang="en-US" dirty="0"/>
           </a:p>
         </p:txBody>
       </p:sp>
@@ -10860,16 +11005,15 @@
           <a:lstStyle/>
           <a:p>
             <a:r>
-              <a:rPr lang="en-US" dirty="0" smtClean="0"/>
+              <a:rPr lang="en-US" dirty="0"/>
               <a:t>Zeroing out the interaction terms leads to a non-significant difference.</a:t>
             </a:r>
           </a:p>
           <a:p>
             <a:r>
-              <a:rPr lang="en-US" dirty="0" smtClean="0"/>
+              <a:rPr lang="en-US" dirty="0"/>
               <a:t>(Zeroing out the other terms does make a difference!)</a:t>
             </a:r>
-            <a:endParaRPr lang="en-US" dirty="0"/>
           </a:p>
         </p:txBody>
       </p:sp>
@@ -10921,34 +11065,33 @@
           <a:lstStyle/>
           <a:p>
             <a:r>
-              <a:rPr lang="en-US" dirty="0" smtClean="0"/>
+              <a:rPr lang="en-US" dirty="0"/>
               <a:t>We seek the simplest model that can explain our data.  </a:t>
             </a:r>
           </a:p>
           <a:p>
             <a:r>
-              <a:rPr lang="en-US" dirty="0" smtClean="0"/>
+              <a:rPr lang="en-US" dirty="0"/>
               <a:t>So our new “full model” drops the interaction terms.</a:t>
             </a:r>
           </a:p>
           <a:p>
-            <a:endParaRPr lang="en-US" dirty="0" smtClean="0"/>
-          </a:p>
-          <a:p>
-            <a:r>
-              <a:rPr lang="en-US" dirty="0" smtClean="0"/>
+            <a:endParaRPr lang="en-US" dirty="0"/>
+          </a:p>
+          <a:p>
+            <a:r>
+              <a:rPr lang="en-US" dirty="0"/>
               <a:t>Our new “full model”:</a:t>
             </a:r>
           </a:p>
           <a:p>
-            <a:endParaRPr lang="en-US" dirty="0" smtClean="0"/>
-          </a:p>
-          <a:p>
-            <a:r>
-              <a:rPr lang="en-US" dirty="0" smtClean="0"/>
+            <a:endParaRPr lang="en-US" dirty="0"/>
+          </a:p>
+          <a:p>
+            <a:r>
+              <a:rPr lang="en-US" dirty="0"/>
               <a:t>	</a:t>
             </a:r>
-            <a:endParaRPr lang="en-US" dirty="0"/>
           </a:p>
         </p:txBody>
       </p:sp>
@@ -10975,36 +11118,35 @@
           <a:lstStyle/>
           <a:p>
             <a:r>
-              <a:rPr lang="en-US" dirty="0" err="1" smtClean="0"/>
+              <a:rPr lang="en-US" dirty="0" err="1"/>
               <a:t>logBurk</a:t>
             </a:r>
             <a:r>
-              <a:rPr lang="en-US" dirty="0" smtClean="0"/>
+              <a:rPr lang="en-US" dirty="0"/>
               <a:t> = B0 + B1 * </a:t>
             </a:r>
             <a:r>
-              <a:rPr lang="en-US" dirty="0" err="1" smtClean="0"/>
+              <a:rPr lang="en-US" dirty="0" err="1"/>
               <a:t>sampleDays</a:t>
             </a:r>
             <a:r>
-              <a:rPr lang="en-US" dirty="0" smtClean="0"/>
+              <a:rPr lang="en-US" dirty="0"/>
               <a:t> + B2 * “</a:t>
             </a:r>
             <a:r>
-              <a:rPr lang="en-US" dirty="0" err="1" smtClean="0"/>
+              <a:rPr lang="en-US" dirty="0" err="1"/>
               <a:t>BeforeTreatment</a:t>
             </a:r>
             <a:r>
-              <a:rPr lang="en-US" dirty="0" smtClean="0"/>
+              <a:rPr lang="en-US" dirty="0"/>
               <a:t>” + B3 * “Recovery” + B4 * “stable”</a:t>
             </a:r>
           </a:p>
           <a:p>
             <a:r>
-              <a:rPr lang="en-US" dirty="0" smtClean="0"/>
+              <a:rPr lang="en-US" dirty="0"/>
               <a:t>		</a:t>
             </a:r>
-            <a:endParaRPr lang="en-US" dirty="0"/>
           </a:p>
         </p:txBody>
       </p:sp>
@@ -11031,22 +11173,22 @@
           <a:lstStyle/>
           <a:p>
             <a:r>
-              <a:rPr lang="en-US" dirty="0" smtClean="0"/>
+              <a:rPr lang="en-US" dirty="0"/>
               <a:t>A five parameter model.  There is only one slope (B1).</a:t>
             </a:r>
           </a:p>
           <a:p>
             <a:r>
-              <a:rPr lang="en-US" dirty="0" smtClean="0"/>
+              <a:rPr lang="en-US" dirty="0"/>
               <a:t>The intercept can be modulated by treatment.</a:t>
             </a:r>
           </a:p>
           <a:p>
-            <a:endParaRPr lang="en-US" dirty="0" smtClean="0"/>
-          </a:p>
-          <a:p>
-            <a:r>
-              <a:rPr lang="en-US" dirty="0" smtClean="0"/>
+            <a:endParaRPr lang="en-US" dirty="0"/>
+          </a:p>
+          <a:p>
+            <a:r>
+              <a:rPr lang="en-US" dirty="0"/>
               <a:t>We compare this to a “reduced model” </a:t>
             </a:r>
           </a:p>
@@ -11074,22 +11216,21 @@
           <a:lstStyle/>
           <a:p>
             <a:r>
-              <a:rPr lang="en-US" dirty="0" err="1" smtClean="0"/>
+              <a:rPr lang="en-US" dirty="0" err="1"/>
               <a:t>logBurk</a:t>
             </a:r>
             <a:r>
-              <a:rPr lang="en-US" dirty="0" smtClean="0"/>
+              <a:rPr lang="en-US" dirty="0"/>
               <a:t> = B0 + B1 * </a:t>
             </a:r>
             <a:r>
-              <a:rPr lang="en-US" dirty="0" err="1" smtClean="0"/>
+              <a:rPr lang="en-US" dirty="0" err="1"/>
               <a:t>sampleDays</a:t>
             </a:r>
             <a:r>
-              <a:rPr lang="en-US" dirty="0" smtClean="0"/>
+              <a:rPr lang="en-US" dirty="0"/>
               <a:t> </a:t>
             </a:r>
-            <a:endParaRPr lang="en-US" dirty="0"/>
           </a:p>
         </p:txBody>
       </p:sp>
@@ -11116,7 +11257,7 @@
           <a:lstStyle/>
           <a:p>
             <a:r>
-              <a:rPr lang="en-US" dirty="0" smtClean="0"/>
+              <a:rPr lang="en-US" dirty="0"/>
               <a:t>Does treatment make a difference?</a:t>
             </a:r>
           </a:p>
@@ -11145,10 +11286,9 @@
           <a:lstStyle/>
           <a:p>
             <a:r>
-              <a:rPr lang="en-US" dirty="0" smtClean="0"/>
+              <a:rPr lang="en-US" dirty="0"/>
               <a:t>Full model (one slope; four intercepts)</a:t>
             </a:r>
-            <a:endParaRPr lang="en-US" dirty="0"/>
           </a:p>
         </p:txBody>
       </p:sp>
@@ -11207,14 +11347,9 @@
           <a:lstStyle/>
           <a:p>
             <a:r>
-              <a:rPr lang="en-US" dirty="0" smtClean="0"/>
-              <a:t>Reduced </a:t>
-            </a:r>
-            <a:r>
-              <a:rPr lang="en-US" dirty="0" smtClean="0"/>
-              <a:t>model (one slope; one intercept)</a:t>
-            </a:r>
-            <a:endParaRPr lang="en-US" dirty="0"/>
+              <a:rPr lang="en-US" dirty="0"/>
+              <a:t>Reduced model (one slope; one intercept)</a:t>
+            </a:r>
           </a:p>
         </p:txBody>
       </p:sp>
@@ -11298,10 +11433,9 @@
           <a:lstStyle/>
           <a:p>
             <a:r>
-              <a:rPr lang="en-US" dirty="0" smtClean="0"/>
+              <a:rPr lang="en-US" dirty="0"/>
               <a:t>The intercepts do make a significant difference in the amount of variance explained!</a:t>
             </a:r>
-            <a:endParaRPr lang="en-US" dirty="0"/>
           </a:p>
         </p:txBody>
       </p:sp>
@@ -11328,10 +11462,9 @@
           <a:lstStyle/>
           <a:p>
             <a:r>
-              <a:rPr lang="en-US" dirty="0" smtClean="0"/>
+              <a:rPr lang="en-US" dirty="0"/>
               <a:t>Or (with less typing)</a:t>
             </a:r>
-            <a:endParaRPr lang="en-US" dirty="0"/>
           </a:p>
         </p:txBody>
       </p:sp>
@@ -11553,10 +11686,9 @@
           <a:lstStyle/>
           <a:p>
             <a:r>
-              <a:rPr lang="en-US" dirty="0" smtClean="0"/>
+              <a:rPr lang="en-US" dirty="0"/>
               <a:t>So the treatment makes a difference!  So we don’t proceed to the reduced model</a:t>
             </a:r>
-            <a:endParaRPr lang="en-US" dirty="0"/>
           </a:p>
         </p:txBody>
       </p:sp>
@@ -11608,10 +11740,9 @@
           <a:lstStyle/>
           <a:p>
             <a:r>
-              <a:rPr lang="en-US" dirty="0" smtClean="0"/>
+              <a:rPr lang="en-US" dirty="0"/>
               <a:t>But which treatments are different?</a:t>
             </a:r>
-            <a:endParaRPr lang="en-US" dirty="0"/>
           </a:p>
         </p:txBody>
       </p:sp>
@@ -11703,10 +11834,9 @@
           <a:lstStyle/>
           <a:p>
             <a:r>
-              <a:rPr lang="en-US" dirty="0" smtClean="0"/>
+              <a:rPr lang="en-US" dirty="0"/>
               <a:t>Treatment is our baseline.</a:t>
             </a:r>
-            <a:endParaRPr lang="en-US" dirty="0"/>
           </a:p>
         </p:txBody>
       </p:sp>
@@ -11798,10 +11928,9 @@
           <a:lstStyle/>
           <a:p>
             <a:r>
-              <a:rPr lang="en-US" dirty="0" smtClean="0"/>
+              <a:rPr lang="en-US" dirty="0"/>
               <a:t>The intercept for “treatment”  is 6.62; this is different than 0</a:t>
             </a:r>
-            <a:endParaRPr lang="en-US" dirty="0"/>
           </a:p>
         </p:txBody>
       </p:sp>
@@ -11861,10 +11990,9 @@
           <a:lstStyle/>
           <a:p>
             <a:r>
-              <a:rPr lang="en-US" dirty="0" smtClean="0"/>
+              <a:rPr lang="en-US" dirty="0"/>
               <a:t>The slope is not 0</a:t>
             </a:r>
-            <a:endParaRPr lang="en-US" dirty="0"/>
           </a:p>
         </p:txBody>
       </p:sp>
@@ -11924,28 +12052,27 @@
           <a:lstStyle/>
           <a:p>
             <a:r>
-              <a:rPr lang="en-US" dirty="0" smtClean="0"/>
+              <a:rPr lang="en-US" dirty="0"/>
               <a:t>Recovery is significantly</a:t>
             </a:r>
           </a:p>
           <a:p>
             <a:r>
-              <a:rPr lang="en-US" dirty="0" smtClean="0"/>
+              <a:rPr lang="en-US" dirty="0"/>
               <a:t>higher than treatment;</a:t>
             </a:r>
           </a:p>
           <a:p>
             <a:r>
-              <a:rPr lang="en-US" dirty="0" smtClean="0"/>
+              <a:rPr lang="en-US" dirty="0"/>
               <a:t>the bug grows back when</a:t>
             </a:r>
           </a:p>
           <a:p>
             <a:r>
-              <a:rPr lang="en-US" dirty="0" smtClean="0"/>
+              <a:rPr lang="en-US" dirty="0"/>
               <a:t>the antibiotic is stopped.</a:t>
             </a:r>
-            <a:endParaRPr lang="en-US" dirty="0"/>
           </a:p>
         </p:txBody>
       </p:sp>
@@ -11997,10 +12124,9 @@
           <a:lstStyle/>
           <a:p>
             <a:r>
-              <a:rPr lang="en-US" dirty="0" smtClean="0"/>
+              <a:rPr lang="en-US" dirty="0"/>
               <a:t>How well do we fit the assumption of normality?</a:t>
             </a:r>
-            <a:endParaRPr lang="en-US" dirty="0"/>
           </a:p>
         </p:txBody>
       </p:sp>
@@ -12027,18 +12153,17 @@
           <a:lstStyle/>
           <a:p>
             <a:r>
-              <a:rPr lang="en-US" dirty="0" smtClean="0"/>
+              <a:rPr lang="en-US" dirty="0"/>
               <a:t>plot(</a:t>
             </a:r>
             <a:r>
-              <a:rPr lang="en-US" dirty="0" err="1" smtClean="0"/>
+              <a:rPr lang="en-US" dirty="0" err="1"/>
               <a:t>fullModel</a:t>
             </a:r>
             <a:r>
-              <a:rPr lang="en-US" dirty="0" smtClean="0"/>
+              <a:rPr lang="en-US" dirty="0"/>
               <a:t>)</a:t>
             </a:r>
-            <a:endParaRPr lang="en-US" dirty="0"/>
           </a:p>
         </p:txBody>
       </p:sp>
@@ -12129,10 +12254,9 @@
           <a:lstStyle/>
           <a:p>
             <a:r>
-              <a:rPr lang="en-US" dirty="0" smtClean="0"/>
+              <a:rPr lang="en-US" dirty="0"/>
               <a:t>There is minimal systematic bias in the residuals…</a:t>
             </a:r>
-            <a:endParaRPr lang="en-US" dirty="0"/>
           </a:p>
         </p:txBody>
       </p:sp>
@@ -12184,30 +12308,25 @@
           <a:lstStyle/>
           <a:p>
             <a:r>
-              <a:rPr lang="en-US" dirty="0" smtClean="0"/>
+              <a:rPr lang="en-US" dirty="0"/>
               <a:t>With the </a:t>
             </a:r>
             <a:r>
-              <a:rPr lang="en-US" dirty="0" err="1" smtClean="0"/>
+              <a:rPr lang="en-US" dirty="0" err="1"/>
               <a:t>ks.test</a:t>
             </a:r>
             <a:r>
-              <a:rPr lang="en-US" dirty="0" smtClean="0"/>
+              <a:rPr lang="en-US" dirty="0"/>
               <a:t>, we fail to reject a hypothesis that the residuals </a:t>
             </a:r>
             <a:r>
-              <a:rPr lang="en-US" smtClean="0"/>
-              <a:t>are </a:t>
-            </a:r>
-            <a:r>
-              <a:rPr lang="en-US" smtClean="0"/>
-              <a:t>normally </a:t>
-            </a:r>
-            <a:r>
-              <a:rPr lang="en-US" dirty="0" smtClean="0"/>
+              <a:rPr lang="en-US"/>
+              <a:t>are normally </a:t>
+            </a:r>
+            <a:r>
+              <a:rPr lang="en-US" dirty="0"/>
               <a:t>distributed</a:t>
             </a:r>
-            <a:endParaRPr lang="en-US" dirty="0"/>
           </a:p>
         </p:txBody>
       </p:sp>
@@ -12234,10 +12353,9 @@
           <a:lstStyle/>
           <a:p>
             <a:r>
-              <a:rPr lang="en-US" dirty="0" smtClean="0"/>
+              <a:rPr lang="en-US" dirty="0"/>
               <a:t>The assumption of normality seems reasonable in this case…</a:t>
             </a:r>
-            <a:endParaRPr lang="en-US" dirty="0"/>
           </a:p>
         </p:txBody>
       </p:sp>
@@ -12353,10 +12471,9 @@
           <a:lstStyle/>
           <a:p>
             <a:r>
-              <a:rPr lang="en-US" dirty="0" smtClean="0"/>
+              <a:rPr lang="en-US" dirty="0"/>
               <a:t>Making a graph of our model..  We start with just the data…</a:t>
             </a:r>
-            <a:endParaRPr lang="en-US" dirty="0"/>
           </a:p>
         </p:txBody>
       </p:sp>
@@ -12504,10 +12621,9 @@
           <a:lstStyle/>
           <a:p>
             <a:r>
-              <a:rPr lang="en-US" dirty="0" smtClean="0"/>
+              <a:rPr lang="en-US" dirty="0"/>
               <a:t>Adding in the model to our graph</a:t>
             </a:r>
-            <a:endParaRPr lang="en-US" dirty="0"/>
           </a:p>
         </p:txBody>
       </p:sp>
@@ -12623,11 +12739,11 @@
           <a:lstStyle/>
           <a:p>
             <a:r>
-              <a:rPr lang="en-US" dirty="0" smtClean="0"/>
+              <a:rPr lang="en-US" dirty="0"/>
               <a:t>“</a:t>
             </a:r>
             <a:r>
-              <a:rPr lang="en-US" dirty="0" smtClean="0">
+              <a:rPr lang="en-US" dirty="0">
                 <a:solidFill>
                   <a:srgbClr val="FF0000"/>
                 </a:solidFill>
@@ -12635,16 +12751,15 @@
               <a:t>Full model</a:t>
             </a:r>
             <a:r>
-              <a:rPr lang="en-US" dirty="0" smtClean="0"/>
+              <a:rPr lang="en-US" dirty="0"/>
               <a:t>” ; 7 degrees of freedom (n=9 – 2 parameters).</a:t>
             </a:r>
           </a:p>
           <a:p>
             <a:r>
-              <a:rPr lang="en-US" dirty="0" smtClean="0"/>
+              <a:rPr lang="en-US" dirty="0"/>
               <a:t>The mean of A and B are modeled as distinct</a:t>
             </a:r>
-            <a:endParaRPr lang="en-US" dirty="0"/>
           </a:p>
         </p:txBody>
       </p:sp>
@@ -12768,10 +12883,9 @@
           <a:lstStyle/>
           <a:p>
             <a:r>
-              <a:rPr lang="en-US" dirty="0" smtClean="0"/>
+              <a:rPr lang="en-US" dirty="0"/>
               <a:t>The mean of A</a:t>
             </a:r>
-            <a:endParaRPr lang="en-US" dirty="0"/>
           </a:p>
         </p:txBody>
       </p:sp>
@@ -12798,35 +12912,30 @@
           <a:lstStyle/>
           <a:p>
             <a:r>
-              <a:rPr lang="en-US" dirty="0" smtClean="0"/>
+              <a:rPr lang="en-US" dirty="0"/>
               <a:t>The difference between the mean of</a:t>
             </a:r>
           </a:p>
           <a:p>
             <a:r>
-              <a:rPr lang="en-US" dirty="0" smtClean="0"/>
+              <a:rPr lang="en-US" dirty="0"/>
               <a:t>A and the mean of B.</a:t>
             </a:r>
           </a:p>
           <a:p>
-            <a:r>
-              <a:rPr lang="en-US" dirty="0" smtClean="0"/>
-              <a:t/>
-            </a:r>
             <a:br>
-              <a:rPr lang="en-US" dirty="0" smtClean="0"/>
+              <a:rPr lang="en-US" dirty="0"/>
             </a:br>
             <a:r>
-              <a:rPr lang="en-US" dirty="0" smtClean="0"/>
+              <a:rPr lang="en-US" dirty="0"/>
               <a:t>The null hypothesis is that this is zero</a:t>
             </a:r>
           </a:p>
           <a:p>
             <a:r>
-              <a:rPr lang="en-US" dirty="0" smtClean="0"/>
+              <a:rPr lang="en-US" dirty="0"/>
               <a:t>(i.e. that mean(A) == mean(B)) </a:t>
             </a:r>
-            <a:endParaRPr lang="en-US" dirty="0"/>
           </a:p>
         </p:txBody>
       </p:sp>
@@ -12886,17 +12995,17 @@
           <a:lstStyle/>
           <a:p>
             <a:r>
-              <a:rPr lang="en-US" dirty="0" smtClean="0"/>
+              <a:rPr lang="en-US" dirty="0"/>
               <a:t>A is the “background” ; B is compared to A.</a:t>
             </a:r>
           </a:p>
           <a:p>
             <a:r>
-              <a:rPr lang="en-US" dirty="0" smtClean="0"/>
+              <a:rPr lang="en-US" dirty="0"/>
               <a:t>We can switch that with </a:t>
             </a:r>
             <a:r>
-              <a:rPr lang="en-US" dirty="0" err="1" smtClean="0"/>
+              <a:rPr lang="en-US" dirty="0" err="1"/>
               <a:t>relevel</a:t>
             </a:r>
             <a:endParaRPr lang="en-US" dirty="0"/>
@@ -12951,28 +13060,27 @@
           <a:lstStyle/>
           <a:p>
             <a:r>
-              <a:rPr lang="en-US" dirty="0" smtClean="0"/>
+              <a:rPr lang="en-US" dirty="0"/>
               <a:t>Next:</a:t>
             </a:r>
           </a:p>
           <a:p>
             <a:r>
-              <a:rPr lang="en-US" dirty="0" smtClean="0"/>
+              <a:rPr lang="en-US" dirty="0"/>
               <a:t>	Polynomial linear equations</a:t>
             </a:r>
           </a:p>
           <a:p>
             <a:r>
-              <a:rPr lang="en-US" dirty="0" smtClean="0"/>
+              <a:rPr lang="en-US" dirty="0"/>
               <a:t>	Multiple regression and ANOVA</a:t>
             </a:r>
           </a:p>
           <a:p>
             <a:r>
-              <a:rPr lang="en-US" dirty="0" smtClean="0"/>
+              <a:rPr lang="en-US" dirty="0"/>
               <a:t>	PCA</a:t>
             </a:r>
-            <a:endParaRPr lang="en-US" dirty="0"/>
           </a:p>
         </p:txBody>
       </p:sp>
@@ -13056,11 +13164,11 @@
           <a:lstStyle/>
           <a:p>
             <a:r>
-              <a:rPr lang="en-US" dirty="0" smtClean="0"/>
+              <a:rPr lang="en-US" dirty="0"/>
               <a:t>“</a:t>
             </a:r>
             <a:r>
-              <a:rPr lang="en-US" dirty="0" smtClean="0">
+              <a:rPr lang="en-US" dirty="0">
                 <a:solidFill>
                   <a:srgbClr val="FF0000"/>
                 </a:solidFill>
@@ -13068,16 +13176,15 @@
               <a:t>Reduced model</a:t>
             </a:r>
             <a:r>
-              <a:rPr lang="en-US" dirty="0" smtClean="0"/>
+              <a:rPr lang="en-US" dirty="0"/>
               <a:t>” ; 8 degrees of freedom (n=9 – 1 parameters).</a:t>
             </a:r>
           </a:p>
           <a:p>
             <a:r>
-              <a:rPr lang="en-US" dirty="0" smtClean="0"/>
+              <a:rPr lang="en-US" dirty="0"/>
               <a:t>There is only one grand mean.</a:t>
             </a:r>
-            <a:endParaRPr lang="en-US" dirty="0"/>
           </a:p>
         </p:txBody>
       </p:sp>
@@ -13104,11 +13211,11 @@
           <a:lstStyle/>
           <a:p>
             <a:r>
-              <a:rPr lang="en-US" dirty="0" smtClean="0"/>
+              <a:rPr lang="en-US" dirty="0"/>
               <a:t>The ANOVA asks does the </a:t>
             </a:r>
             <a:r>
-              <a:rPr lang="en-US" dirty="0" smtClean="0">
+              <a:rPr lang="en-US" dirty="0">
                 <a:solidFill>
                   <a:srgbClr val="FF0000"/>
                 </a:solidFill>
@@ -13116,17 +13223,17 @@
               <a:t>full model </a:t>
             </a:r>
             <a:r>
-              <a:rPr lang="en-US" dirty="0" smtClean="0"/>
+              <a:rPr lang="en-US" dirty="0"/>
               <a:t>explain significantly more of the data than does</a:t>
             </a:r>
           </a:p>
           <a:p>
             <a:r>
-              <a:rPr lang="en-US" dirty="0" smtClean="0"/>
+              <a:rPr lang="en-US" dirty="0"/>
               <a:t>the </a:t>
             </a:r>
             <a:r>
-              <a:rPr lang="en-US" dirty="0" smtClean="0">
+              <a:rPr lang="en-US" dirty="0">
                 <a:solidFill>
                   <a:srgbClr val="FF0000"/>
                 </a:solidFill>
@@ -13134,16 +13241,15 @@
               <a:t>reduced model</a:t>
             </a:r>
             <a:r>
-              <a:rPr lang="en-US" dirty="0" smtClean="0"/>
+              <a:rPr lang="en-US" dirty="0"/>
               <a:t>?</a:t>
             </a:r>
           </a:p>
           <a:p>
             <a:r>
-              <a:rPr lang="en-US" dirty="0" smtClean="0"/>
+              <a:rPr lang="en-US" dirty="0"/>
               <a:t>The null hypothesis is that the data is explained best by one mean</a:t>
             </a:r>
-            <a:endParaRPr lang="en-US" dirty="0"/>
           </a:p>
         </p:txBody>
       </p:sp>
@@ -13227,11 +13333,11 @@
           <a:lstStyle/>
           <a:p>
             <a:r>
-              <a:rPr lang="en-US" dirty="0" smtClean="0"/>
+              <a:rPr lang="en-US" dirty="0"/>
               <a:t>It is straight-forward to extend this to </a:t>
             </a:r>
             <a:r>
-              <a:rPr lang="en-US" dirty="0" smtClean="0">
+              <a:rPr lang="en-US" dirty="0">
                 <a:solidFill>
                   <a:srgbClr val="FF0000"/>
                 </a:solidFill>
@@ -13239,19 +13345,18 @@
               <a:t>multiple levels</a:t>
             </a:r>
             <a:r>
-              <a:rPr lang="en-US" dirty="0" smtClean="0"/>
+              <a:rPr lang="en-US" dirty="0"/>
               <a:t>.</a:t>
             </a:r>
           </a:p>
           <a:p>
-            <a:endParaRPr lang="en-US" dirty="0" smtClean="0"/>
-          </a:p>
-          <a:p>
-            <a:r>
-              <a:rPr lang="en-US" dirty="0" smtClean="0"/>
+            <a:endParaRPr lang="en-US" dirty="0"/>
+          </a:p>
+          <a:p>
+            <a:r>
+              <a:rPr lang="en-US" dirty="0"/>
               <a:t>Consider a measurements (e.g. weight) for three genotypes</a:t>
             </a:r>
-            <a:endParaRPr lang="en-US" dirty="0"/>
           </a:p>
         </p:txBody>
       </p:sp>
@@ -13278,26 +13383,25 @@
           <a:lstStyle/>
           <a:p>
             <a:r>
-              <a:rPr lang="en-US" dirty="0" smtClean="0"/>
+              <a:rPr lang="en-US" dirty="0"/>
               <a:t>A/A			</a:t>
             </a:r>
             <a:r>
-              <a:rPr lang="en-US" dirty="0" err="1" smtClean="0"/>
+              <a:rPr lang="en-US" dirty="0" err="1"/>
               <a:t>A</a:t>
             </a:r>
             <a:r>
-              <a:rPr lang="en-US" dirty="0" smtClean="0"/>
+              <a:rPr lang="en-US" dirty="0"/>
               <a:t>/a			</a:t>
             </a:r>
             <a:r>
-              <a:rPr lang="en-US" dirty="0" err="1" smtClean="0"/>
+              <a:rPr lang="en-US" dirty="0" err="1"/>
               <a:t>a</a:t>
             </a:r>
             <a:r>
-              <a:rPr lang="en-US" dirty="0" smtClean="0"/>
+              <a:rPr lang="en-US" dirty="0"/>
               <a:t>/a</a:t>
             </a:r>
-            <a:endParaRPr lang="en-US" dirty="0"/>
           </a:p>
         </p:txBody>
       </p:sp>
@@ -13354,46 +13458,45 @@
           <a:lstStyle/>
           <a:p>
             <a:r>
-              <a:rPr lang="en-US" dirty="0" smtClean="0"/>
+              <a:rPr lang="en-US" dirty="0"/>
               <a:t>4.3</a:t>
             </a:r>
           </a:p>
           <a:p>
             <a:r>
-              <a:rPr lang="en-US" dirty="0" smtClean="0"/>
+              <a:rPr lang="en-US" dirty="0"/>
               <a:t>2.3</a:t>
             </a:r>
           </a:p>
           <a:p>
             <a:r>
-              <a:rPr lang="en-US" dirty="0" smtClean="0"/>
+              <a:rPr lang="en-US" dirty="0"/>
               <a:t>4.5</a:t>
             </a:r>
           </a:p>
           <a:p>
             <a:r>
-              <a:rPr lang="en-US" dirty="0" smtClean="0"/>
+              <a:rPr lang="en-US" dirty="0"/>
               <a:t>5.6</a:t>
             </a:r>
           </a:p>
           <a:p>
             <a:r>
-              <a:rPr lang="en-US" dirty="0" smtClean="0"/>
+              <a:rPr lang="en-US" dirty="0"/>
               <a:t>4.2</a:t>
             </a:r>
           </a:p>
           <a:p>
             <a:r>
-              <a:rPr lang="en-US" dirty="0" smtClean="0"/>
+              <a:rPr lang="en-US" dirty="0"/>
               <a:t>3.9</a:t>
             </a:r>
           </a:p>
           <a:p>
             <a:r>
-              <a:rPr lang="en-US" dirty="0" smtClean="0"/>
+              <a:rPr lang="en-US" dirty="0"/>
               <a:t>2.8</a:t>
             </a:r>
-            <a:endParaRPr lang="en-US" dirty="0"/>
           </a:p>
         </p:txBody>
       </p:sp>
@@ -13420,46 +13523,45 @@
           <a:lstStyle/>
           <a:p>
             <a:r>
-              <a:rPr lang="en-US" dirty="0" smtClean="0"/>
+              <a:rPr lang="en-US" dirty="0"/>
               <a:t>2.7</a:t>
             </a:r>
           </a:p>
           <a:p>
             <a:r>
-              <a:rPr lang="en-US" dirty="0" smtClean="0"/>
+              <a:rPr lang="en-US" dirty="0"/>
               <a:t>2.3</a:t>
             </a:r>
           </a:p>
           <a:p>
             <a:r>
-              <a:rPr lang="en-US" dirty="0" smtClean="0"/>
+              <a:rPr lang="en-US" dirty="0"/>
               <a:t>1.9</a:t>
             </a:r>
           </a:p>
           <a:p>
             <a:r>
-              <a:rPr lang="en-US" dirty="0" smtClean="0"/>
+              <a:rPr lang="en-US" dirty="0"/>
               <a:t>1.3</a:t>
             </a:r>
           </a:p>
           <a:p>
             <a:r>
-              <a:rPr lang="en-US" dirty="0" smtClean="0"/>
+              <a:rPr lang="en-US" dirty="0"/>
               <a:t>1.2</a:t>
             </a:r>
           </a:p>
           <a:p>
             <a:r>
-              <a:rPr lang="en-US" dirty="0" smtClean="0"/>
+              <a:rPr lang="en-US" dirty="0"/>
               <a:t>1.8</a:t>
             </a:r>
           </a:p>
           <a:p>
             <a:r>
-              <a:rPr lang="en-US" dirty="0" smtClean="0"/>
+              <a:rPr lang="en-US" dirty="0"/>
               <a:t>2.1</a:t>
             </a:r>
-            <a:endParaRPr lang="en-US" dirty="0"/>
           </a:p>
         </p:txBody>
       </p:sp>
@@ -13516,46 +13618,45 @@
           <a:lstStyle/>
           <a:p>
             <a:r>
-              <a:rPr lang="en-US" dirty="0" smtClean="0"/>
+              <a:rPr lang="en-US" dirty="0"/>
               <a:t>1.6</a:t>
             </a:r>
           </a:p>
           <a:p>
             <a:r>
-              <a:rPr lang="en-US" dirty="0" smtClean="0"/>
+              <a:rPr lang="en-US" dirty="0"/>
               <a:t>0.9</a:t>
             </a:r>
           </a:p>
           <a:p>
             <a:r>
-              <a:rPr lang="en-US" dirty="0" smtClean="0"/>
+              <a:rPr lang="en-US" dirty="0"/>
               <a:t>1.1</a:t>
             </a:r>
           </a:p>
           <a:p>
             <a:r>
-              <a:rPr lang="en-US" dirty="0" smtClean="0"/>
+              <a:rPr lang="en-US" dirty="0"/>
               <a:t>1.2</a:t>
             </a:r>
           </a:p>
           <a:p>
             <a:r>
-              <a:rPr lang="en-US" dirty="0" smtClean="0"/>
+              <a:rPr lang="en-US" dirty="0"/>
               <a:t>2.1</a:t>
             </a:r>
           </a:p>
           <a:p>
             <a:r>
-              <a:rPr lang="en-US" dirty="0" smtClean="0"/>
+              <a:rPr lang="en-US" dirty="0"/>
               <a:t>0.5</a:t>
             </a:r>
           </a:p>
           <a:p>
             <a:r>
-              <a:rPr lang="en-US" dirty="0" smtClean="0"/>
+              <a:rPr lang="en-US" dirty="0"/>
               <a:t>0.9</a:t>
             </a:r>
-            <a:endParaRPr lang="en-US" dirty="0"/>
           </a:p>
         </p:txBody>
       </p:sp>
@@ -13610,11 +13711,11 @@
           </a:bodyPr>
           <a:lstStyle/>
           <a:p>
-            <a:endParaRPr lang="en-US" dirty="0" smtClean="0"/>
-          </a:p>
-          <a:p>
-            <a:r>
-              <a:rPr lang="en-US" sz="1600" dirty="0" smtClean="0">
+            <a:endParaRPr lang="en-US" dirty="0"/>
+          </a:p>
+          <a:p>
+            <a:r>
+              <a:rPr lang="en-US" sz="1600" dirty="0">
                 <a:latin typeface="Courier New" pitchFamily="49" charset="0"/>
                 <a:cs typeface="Courier New" pitchFamily="49" charset="0"/>
               </a:rPr>
@@ -13623,14 +13724,14 @@
           </a:p>
           <a:p>
             <a:r>
-              <a:rPr lang="en-US" sz="1600" dirty="0" err="1" smtClean="0">
+              <a:rPr lang="en-US" sz="1600" dirty="0" err="1">
                 <a:latin typeface="Courier New" pitchFamily="49" charset="0"/>
                 <a:cs typeface="Courier New" pitchFamily="49" charset="0"/>
               </a:rPr>
               <a:t>Aa</a:t>
             </a:r>
             <a:r>
-              <a:rPr lang="en-US" sz="1600" dirty="0" smtClean="0">
+              <a:rPr lang="en-US" sz="1600" dirty="0">
                 <a:latin typeface="Courier New" pitchFamily="49" charset="0"/>
                 <a:cs typeface="Courier New" pitchFamily="49" charset="0"/>
               </a:rPr>
@@ -13639,14 +13740,14 @@
           </a:p>
           <a:p>
             <a:r>
-              <a:rPr lang="en-US" sz="1600" dirty="0" err="1" smtClean="0">
+              <a:rPr lang="en-US" sz="1600" dirty="0" err="1">
                 <a:latin typeface="Courier New" pitchFamily="49" charset="0"/>
                 <a:cs typeface="Courier New" pitchFamily="49" charset="0"/>
               </a:rPr>
               <a:t>aa</a:t>
             </a:r>
             <a:r>
-              <a:rPr lang="en-US" sz="1600" dirty="0" smtClean="0">
+              <a:rPr lang="en-US" sz="1600" dirty="0">
                 <a:latin typeface="Courier New" pitchFamily="49" charset="0"/>
                 <a:cs typeface="Courier New" pitchFamily="49" charset="0"/>
               </a:rPr>
@@ -13655,28 +13756,28 @@
           </a:p>
           <a:p>
             <a:r>
-              <a:rPr lang="en-US" sz="1600" dirty="0" err="1" smtClean="0">
+              <a:rPr lang="en-US" sz="1600" dirty="0" err="1">
                 <a:latin typeface="Courier New" pitchFamily="49" charset="0"/>
                 <a:cs typeface="Courier New" pitchFamily="49" charset="0"/>
               </a:rPr>
               <a:t>myData</a:t>
             </a:r>
             <a:r>
-              <a:rPr lang="en-US" sz="1600" dirty="0" smtClean="0">
+              <a:rPr lang="en-US" sz="1600" dirty="0">
                 <a:latin typeface="Courier New" pitchFamily="49" charset="0"/>
                 <a:cs typeface="Courier New" pitchFamily="49" charset="0"/>
               </a:rPr>
               <a:t> &lt;- c(</a:t>
             </a:r>
             <a:r>
-              <a:rPr lang="en-US" sz="1600" dirty="0" err="1" smtClean="0">
+              <a:rPr lang="en-US" sz="1600" dirty="0" err="1">
                 <a:latin typeface="Courier New" pitchFamily="49" charset="0"/>
                 <a:cs typeface="Courier New" pitchFamily="49" charset="0"/>
               </a:rPr>
               <a:t>AA,Aa,aa</a:t>
             </a:r>
             <a:r>
-              <a:rPr lang="en-US" sz="1600" dirty="0" smtClean="0">
+              <a:rPr lang="en-US" sz="1600" dirty="0">
                 <a:latin typeface="Courier New" pitchFamily="49" charset="0"/>
                 <a:cs typeface="Courier New" pitchFamily="49" charset="0"/>
               </a:rPr>
@@ -13685,77 +13786,77 @@
           </a:p>
           <a:p>
             <a:r>
-              <a:rPr lang="en-US" sz="1600" dirty="0" smtClean="0">
+              <a:rPr lang="en-US" sz="1600" dirty="0">
                 <a:latin typeface="Courier New" pitchFamily="49" charset="0"/>
                 <a:cs typeface="Courier New" pitchFamily="49" charset="0"/>
               </a:rPr>
               <a:t>genotypes &lt;- c( rep("</a:t>
             </a:r>
             <a:r>
-              <a:rPr lang="en-US" sz="1600" dirty="0" err="1" smtClean="0">
+              <a:rPr lang="en-US" sz="1600" dirty="0" err="1">
                 <a:latin typeface="Courier New" pitchFamily="49" charset="0"/>
                 <a:cs typeface="Courier New" pitchFamily="49" charset="0"/>
               </a:rPr>
               <a:t>AA",length</a:t>
             </a:r>
             <a:r>
-              <a:rPr lang="en-US" sz="1600" dirty="0" smtClean="0">
+              <a:rPr lang="en-US" sz="1600" dirty="0">
                 <a:latin typeface="Courier New" pitchFamily="49" charset="0"/>
                 <a:cs typeface="Courier New" pitchFamily="49" charset="0"/>
               </a:rPr>
               <a:t>(AA)), rep("</a:t>
             </a:r>
             <a:r>
-              <a:rPr lang="en-US" sz="1600" dirty="0" err="1" smtClean="0">
+              <a:rPr lang="en-US" sz="1600" dirty="0" err="1">
                 <a:latin typeface="Courier New" pitchFamily="49" charset="0"/>
                 <a:cs typeface="Courier New" pitchFamily="49" charset="0"/>
               </a:rPr>
               <a:t>Aa",length</a:t>
             </a:r>
             <a:r>
-              <a:rPr lang="en-US" sz="1600" dirty="0" smtClean="0">
+              <a:rPr lang="en-US" sz="1600" dirty="0">
                 <a:latin typeface="Courier New" pitchFamily="49" charset="0"/>
                 <a:cs typeface="Courier New" pitchFamily="49" charset="0"/>
               </a:rPr>
               <a:t>(</a:t>
             </a:r>
             <a:r>
-              <a:rPr lang="en-US" sz="1600" dirty="0" err="1" smtClean="0">
+              <a:rPr lang="en-US" sz="1600" dirty="0" err="1">
                 <a:latin typeface="Courier New" pitchFamily="49" charset="0"/>
                 <a:cs typeface="Courier New" pitchFamily="49" charset="0"/>
               </a:rPr>
               <a:t>Aa</a:t>
             </a:r>
             <a:r>
-              <a:rPr lang="en-US" sz="1600" dirty="0" smtClean="0">
+              <a:rPr lang="en-US" sz="1600" dirty="0">
                 <a:latin typeface="Courier New" pitchFamily="49" charset="0"/>
                 <a:cs typeface="Courier New" pitchFamily="49" charset="0"/>
               </a:rPr>
               <a:t>)), rep("</a:t>
             </a:r>
             <a:r>
-              <a:rPr lang="en-US" sz="1600" dirty="0" err="1" smtClean="0">
+              <a:rPr lang="en-US" sz="1600" dirty="0" err="1">
                 <a:latin typeface="Courier New" pitchFamily="49" charset="0"/>
                 <a:cs typeface="Courier New" pitchFamily="49" charset="0"/>
               </a:rPr>
               <a:t>aa",length</a:t>
             </a:r>
             <a:r>
-              <a:rPr lang="en-US" sz="1600" dirty="0" smtClean="0">
+              <a:rPr lang="en-US" sz="1600" dirty="0">
                 <a:latin typeface="Courier New" pitchFamily="49" charset="0"/>
                 <a:cs typeface="Courier New" pitchFamily="49" charset="0"/>
               </a:rPr>
               <a:t>(</a:t>
             </a:r>
             <a:r>
-              <a:rPr lang="en-US" sz="1600" dirty="0" err="1" smtClean="0">
+              <a:rPr lang="en-US" sz="1600" dirty="0" err="1">
                 <a:latin typeface="Courier New" pitchFamily="49" charset="0"/>
                 <a:cs typeface="Courier New" pitchFamily="49" charset="0"/>
               </a:rPr>
               <a:t>aa</a:t>
             </a:r>
             <a:r>
-              <a:rPr lang="en-US" sz="1600" dirty="0" smtClean="0">
+              <a:rPr lang="en-US" sz="1600" dirty="0">
                 <a:latin typeface="Courier New" pitchFamily="49" charset="0"/>
                 <a:cs typeface="Courier New" pitchFamily="49" charset="0"/>
               </a:rPr>
@@ -13764,7 +13865,7 @@
           </a:p>
           <a:p>
             <a:r>
-              <a:rPr lang="en-US" sz="1600" dirty="0" smtClean="0">
+              <a:rPr lang="en-US" sz="1600" dirty="0">
                 <a:latin typeface="Courier New" pitchFamily="49" charset="0"/>
                 <a:cs typeface="Courier New" pitchFamily="49" charset="0"/>
               </a:rPr>
@@ -13773,28 +13874,28 @@
           </a:p>
           <a:p>
             <a:r>
-              <a:rPr lang="en-US" sz="1600" dirty="0" err="1" smtClean="0">
+              <a:rPr lang="en-US" sz="1600" dirty="0" err="1">
                 <a:latin typeface="Courier New" pitchFamily="49" charset="0"/>
                 <a:cs typeface="Courier New" pitchFamily="49" charset="0"/>
               </a:rPr>
               <a:t>myLm</a:t>
             </a:r>
             <a:r>
-              <a:rPr lang="en-US" sz="1600" dirty="0" smtClean="0">
+              <a:rPr lang="en-US" sz="1600" dirty="0">
                 <a:latin typeface="Courier New" pitchFamily="49" charset="0"/>
                 <a:cs typeface="Courier New" pitchFamily="49" charset="0"/>
               </a:rPr>
               <a:t> &lt;- lm( </a:t>
             </a:r>
             <a:r>
-              <a:rPr lang="en-US" sz="1600" dirty="0" err="1" smtClean="0">
+              <a:rPr lang="en-US" sz="1600" dirty="0" err="1">
                 <a:latin typeface="Courier New" pitchFamily="49" charset="0"/>
                 <a:cs typeface="Courier New" pitchFamily="49" charset="0"/>
               </a:rPr>
               <a:t>myData</a:t>
             </a:r>
             <a:r>
-              <a:rPr lang="en-US" sz="1600" dirty="0" smtClean="0">
+              <a:rPr lang="en-US" sz="1600" dirty="0">
                 <a:latin typeface="Courier New" pitchFamily="49" charset="0"/>
                 <a:cs typeface="Courier New" pitchFamily="49" charset="0"/>
               </a:rPr>
@@ -13803,28 +13904,28 @@
           </a:p>
           <a:p>
             <a:r>
-              <a:rPr lang="en-US" sz="1600" dirty="0" err="1" smtClean="0">
+              <a:rPr lang="en-US" sz="1600" dirty="0" err="1">
                 <a:latin typeface="Courier New" pitchFamily="49" charset="0"/>
                 <a:cs typeface="Courier New" pitchFamily="49" charset="0"/>
               </a:rPr>
               <a:t>anova</a:t>
             </a:r>
             <a:r>
-              <a:rPr lang="en-US" sz="1600" dirty="0" smtClean="0">
+              <a:rPr lang="en-US" sz="1600" dirty="0">
                 <a:latin typeface="Courier New" pitchFamily="49" charset="0"/>
                 <a:cs typeface="Courier New" pitchFamily="49" charset="0"/>
               </a:rPr>
               <a:t>(</a:t>
             </a:r>
             <a:r>
-              <a:rPr lang="en-US" sz="1600" dirty="0" err="1" smtClean="0">
+              <a:rPr lang="en-US" sz="1600" dirty="0" err="1">
                 <a:latin typeface="Courier New" pitchFamily="49" charset="0"/>
                 <a:cs typeface="Courier New" pitchFamily="49" charset="0"/>
               </a:rPr>
               <a:t>myLm</a:t>
             </a:r>
             <a:r>
-              <a:rPr lang="en-US" sz="1600" dirty="0" smtClean="0">
+              <a:rPr lang="en-US" sz="1600" dirty="0">
                 <a:latin typeface="Courier New" pitchFamily="49" charset="0"/>
                 <a:cs typeface="Courier New" pitchFamily="49" charset="0"/>
               </a:rPr>
@@ -13833,13 +13934,13 @@
           </a:p>
           <a:p>
             <a:r>
-              <a:rPr lang="en-US" sz="1600" dirty="0" err="1" smtClean="0">
+              <a:rPr lang="en-US" sz="1600" dirty="0" err="1">
                 <a:latin typeface="Courier New" pitchFamily="49" charset="0"/>
                 <a:cs typeface="Courier New" pitchFamily="49" charset="0"/>
               </a:rPr>
               <a:t>myLm$x</a:t>
             </a:r>
-            <a:endParaRPr lang="en-US" sz="1600" dirty="0" smtClean="0">
+            <a:endParaRPr lang="en-US" sz="1600" dirty="0">
               <a:latin typeface="Courier New" pitchFamily="49" charset="0"/>
               <a:cs typeface="Courier New" pitchFamily="49" charset="0"/>
             </a:endParaRPr>
@@ -13929,38 +14030,37 @@
           <a:lstStyle/>
           <a:p>
             <a:r>
-              <a:rPr lang="en-US" dirty="0" smtClean="0"/>
+              <a:rPr lang="en-US" dirty="0"/>
               <a:t>Full model:</a:t>
             </a:r>
           </a:p>
           <a:p>
             <a:r>
-              <a:rPr lang="en-US" dirty="0" smtClean="0"/>
+              <a:rPr lang="en-US" dirty="0"/>
               <a:t>	weight = intercept + </a:t>
             </a:r>
             <a:r>
-              <a:rPr lang="en-US" dirty="0" err="1" smtClean="0"/>
+              <a:rPr lang="en-US" dirty="0" err="1"/>
               <a:t>Aa</a:t>
             </a:r>
             <a:r>
-              <a:rPr lang="en-US" dirty="0" smtClean="0"/>
+              <a:rPr lang="en-US" dirty="0"/>
               <a:t> + AA + E</a:t>
             </a:r>
           </a:p>
           <a:p>
             <a:r>
-              <a:rPr lang="en-US" dirty="0" smtClean="0"/>
+              <a:rPr lang="en-US" dirty="0"/>
               <a:t>(</a:t>
             </a:r>
             <a:r>
-              <a:rPr lang="en-US" dirty="0" err="1" smtClean="0"/>
+              <a:rPr lang="en-US" dirty="0" err="1"/>
               <a:t>aa</a:t>
             </a:r>
             <a:r>
-              <a:rPr lang="en-US" dirty="0" smtClean="0"/>
+              <a:rPr lang="en-US" dirty="0"/>
               <a:t> is background)</a:t>
             </a:r>
-            <a:endParaRPr lang="en-US" dirty="0"/>
           </a:p>
         </p:txBody>
       </p:sp>
@@ -14019,24 +14119,23 @@
           <a:lstStyle/>
           <a:p>
             <a:r>
-              <a:rPr lang="en-US" dirty="0" smtClean="0"/>
+              <a:rPr lang="en-US" dirty="0"/>
               <a:t>Residuals for full model is 10.6057</a:t>
             </a:r>
           </a:p>
           <a:p>
             <a:r>
-              <a:rPr lang="en-US" dirty="0" smtClean="0"/>
+              <a:rPr lang="en-US" dirty="0"/>
               <a:t>With 18 </a:t>
             </a:r>
             <a:r>
-              <a:rPr lang="en-US" dirty="0" err="1" smtClean="0"/>
+              <a:rPr lang="en-US" dirty="0" err="1"/>
               <a:t>d.f</a:t>
             </a:r>
             <a:r>
-              <a:rPr lang="en-US" dirty="0" smtClean="0"/>
+              <a:rPr lang="en-US" dirty="0"/>
               <a:t>. (n=21 – 3 parameters)</a:t>
             </a:r>
-            <a:endParaRPr lang="en-US" dirty="0"/>
           </a:p>
         </p:txBody>
       </p:sp>
@@ -14063,13 +14162,13 @@
           <a:lstStyle/>
           <a:p>
             <a:r>
-              <a:rPr lang="en-US" dirty="0" smtClean="0"/>
+              <a:rPr lang="en-US" dirty="0"/>
               <a:t>Reduced model:</a:t>
             </a:r>
           </a:p>
           <a:p>
             <a:r>
-              <a:rPr lang="en-US" dirty="0" smtClean="0"/>
+              <a:rPr lang="en-US" dirty="0"/>
               <a:t>	weight = mean + E</a:t>
             </a:r>
           </a:p>
@@ -14101,10 +14200,9 @@
           <a:lstStyle/>
           <a:p>
             <a:r>
-              <a:rPr lang="en-US" dirty="0" smtClean="0"/>
+              <a:rPr lang="en-US" dirty="0"/>
               <a:t>20 D.F. (n=21 – 1 parameter)</a:t>
             </a:r>
-            <a:endParaRPr lang="en-US" dirty="0"/>
           </a:p>
         </p:txBody>
       </p:sp>
@@ -14504,7 +14602,7 @@
           <a:lstStyle/>
           <a:p>
             <a:r>
-              <a:rPr lang="en-US" dirty="0" smtClean="0"/>
+              <a:rPr lang="en-US" dirty="0"/>
               <a:t>Full model: With three means</a:t>
             </a:r>
           </a:p>
@@ -14532,18 +14630,17 @@
           <a:lstStyle/>
           <a:p>
             <a:r>
-              <a:rPr lang="en-US" dirty="0" smtClean="0"/>
+              <a:rPr lang="en-US" dirty="0"/>
               <a:t>weight = intercept + </a:t>
             </a:r>
             <a:r>
-              <a:rPr lang="en-US" dirty="0" err="1" smtClean="0"/>
+              <a:rPr lang="en-US" dirty="0" err="1"/>
               <a:t>Aa</a:t>
             </a:r>
             <a:r>
-              <a:rPr lang="en-US" dirty="0" smtClean="0"/>
+              <a:rPr lang="en-US" dirty="0"/>
               <a:t> + AA + E</a:t>
             </a:r>
-            <a:endParaRPr lang="en-US" dirty="0"/>
           </a:p>
         </p:txBody>
       </p:sp>
@@ -14632,7 +14729,7 @@
           <a:lstStyle/>
           <a:p>
             <a:r>
-              <a:rPr lang="en-US" dirty="0" smtClean="0"/>
+              <a:rPr lang="en-US" dirty="0"/>
               <a:t>Reduced model: With one means</a:t>
             </a:r>
           </a:p>
@@ -14661,10 +14758,9 @@
           <a:lstStyle/>
           <a:p>
             <a:r>
-              <a:rPr lang="en-US" dirty="0" smtClean="0"/>
+              <a:rPr lang="en-US" dirty="0"/>
               <a:t>weight = B0 + e</a:t>
             </a:r>
-            <a:endParaRPr lang="en-US" dirty="0"/>
           </a:p>
         </p:txBody>
       </p:sp>
@@ -14691,16 +14787,15 @@
           <a:lstStyle/>
           <a:p>
             <a:r>
-              <a:rPr lang="en-US" dirty="0" smtClean="0"/>
+              <a:rPr lang="en-US" dirty="0"/>
               <a:t>ANOVA test: do we reduce the error by a significant amount by adding</a:t>
             </a:r>
           </a:p>
           <a:p>
             <a:r>
-              <a:rPr lang="en-US" dirty="0" smtClean="0"/>
+              <a:rPr lang="en-US" dirty="0"/>
               <a:t>the additional parameters?</a:t>
             </a:r>
-            <a:endParaRPr lang="en-US" dirty="0"/>
           </a:p>
         </p:txBody>
       </p:sp>
@@ -14817,37 +14912,37 @@
           <a:lstStyle/>
           <a:p>
             <a:r>
-              <a:rPr lang="en-US" dirty="0" smtClean="0"/>
+              <a:rPr lang="en-US" dirty="0"/>
               <a:t>This p-value tests the null hypothesis</a:t>
             </a:r>
           </a:p>
           <a:p>
             <a:r>
-              <a:rPr lang="en-US" dirty="0" smtClean="0"/>
+              <a:rPr lang="en-US" dirty="0"/>
               <a:t>that µ</a:t>
             </a:r>
             <a:r>
-              <a:rPr lang="en-US" baseline="-25000" dirty="0" smtClean="0"/>
+              <a:rPr lang="en-US" baseline="-25000" dirty="0"/>
               <a:t>AA</a:t>
             </a:r>
             <a:r>
-              <a:rPr lang="en-US" dirty="0" smtClean="0"/>
+              <a:rPr lang="en-US" dirty="0"/>
               <a:t> = µ</a:t>
             </a:r>
             <a:r>
-              <a:rPr lang="en-US" baseline="-25000" dirty="0" err="1" smtClean="0"/>
+              <a:rPr lang="en-US" baseline="-25000" dirty="0" err="1"/>
               <a:t>Aa</a:t>
             </a:r>
             <a:r>
-              <a:rPr lang="en-US" baseline="-25000" dirty="0" smtClean="0"/>
+              <a:rPr lang="en-US" baseline="-25000" dirty="0"/>
               <a:t> </a:t>
             </a:r>
             <a:r>
-              <a:rPr lang="en-US" dirty="0" smtClean="0"/>
+              <a:rPr lang="en-US" dirty="0"/>
               <a:t>= µ</a:t>
             </a:r>
             <a:r>
-              <a:rPr lang="en-US" baseline="-25000" dirty="0" err="1" smtClean="0"/>
+              <a:rPr lang="en-US" baseline="-25000" dirty="0" err="1"/>
               <a:t>aa</a:t>
             </a:r>
             <a:endParaRPr lang="en-US" baseline="-25000" dirty="0"/>
@@ -14877,40 +14972,40 @@
           <a:lstStyle/>
           <a:p>
             <a:r>
-              <a:rPr lang="en-US" dirty="0" smtClean="0"/>
+              <a:rPr lang="en-US" dirty="0"/>
               <a:t>It doesn’t tell us which of these </a:t>
             </a:r>
           </a:p>
           <a:p>
             <a:r>
-              <a:rPr lang="en-US" dirty="0" smtClean="0"/>
+              <a:rPr lang="en-US" dirty="0"/>
               <a:t>individual means are different.</a:t>
             </a:r>
           </a:p>
           <a:p>
-            <a:endParaRPr lang="en-US" dirty="0" smtClean="0"/>
-          </a:p>
-          <a:p>
-            <a:r>
-              <a:rPr lang="en-US" dirty="0" smtClean="0"/>
+            <a:endParaRPr lang="en-US" dirty="0"/>
+          </a:p>
+          <a:p>
+            <a:r>
+              <a:rPr lang="en-US" dirty="0"/>
               <a:t>So it evaluates that genotype makes a difference</a:t>
             </a:r>
           </a:p>
           <a:p>
             <a:r>
-              <a:rPr lang="en-US" dirty="0" smtClean="0"/>
+              <a:rPr lang="en-US" dirty="0"/>
               <a:t>But doesn’t tell us if, for example, µ</a:t>
             </a:r>
             <a:r>
-              <a:rPr lang="en-US" baseline="-25000" dirty="0" smtClean="0"/>
+              <a:rPr lang="en-US" baseline="-25000" dirty="0"/>
               <a:t>AA</a:t>
             </a:r>
             <a:r>
-              <a:rPr lang="en-US" dirty="0" smtClean="0"/>
+              <a:rPr lang="en-US" dirty="0"/>
               <a:t> = µ</a:t>
             </a:r>
             <a:r>
-              <a:rPr lang="en-US" baseline="-25000" dirty="0" err="1" smtClean="0"/>
+              <a:rPr lang="en-US" baseline="-25000" dirty="0" err="1"/>
               <a:t>aa</a:t>
             </a:r>
             <a:endParaRPr lang="en-US" dirty="0"/>
@@ -14940,11 +15035,11 @@
           <a:lstStyle/>
           <a:p>
             <a:r>
-              <a:rPr lang="en-US" dirty="0" smtClean="0"/>
+              <a:rPr lang="en-US" dirty="0"/>
               <a:t>These are “</a:t>
             </a:r>
             <a:r>
-              <a:rPr lang="en-US" dirty="0" smtClean="0">
+              <a:rPr lang="en-US" dirty="0">
                 <a:solidFill>
                   <a:srgbClr val="FF0000"/>
                 </a:solidFill>
@@ -14952,16 +15047,15 @@
               <a:t>dummy variables</a:t>
             </a:r>
             <a:r>
-              <a:rPr lang="en-US" dirty="0" smtClean="0"/>
+              <a:rPr lang="en-US" dirty="0"/>
               <a:t>” – </a:t>
             </a:r>
           </a:p>
           <a:p>
             <a:r>
-              <a:rPr lang="en-US" dirty="0" smtClean="0"/>
-              <a:t>	No two rows are non-zero</a:t>
-            </a:r>
-            <a:endParaRPr lang="en-US" dirty="0"/>
+              <a:rPr lang="en-US" dirty="0"/>
+              <a:t>	</a:t>
+            </a:r>
           </a:p>
         </p:txBody>
       </p:sp>
